--- a/SDD 관련 자료/작업 결과물/처리 모형도/강의평가 질문 조회.pptx
+++ b/SDD 관련 자료/작업 결과물/처리 모형도/강의평가 질문 조회.pptx
@@ -3027,15 +3027,7 @@
                   <a:sysClr val="windowText" lastClr="000000"/>
                 </a:solidFill>
               </a:rPr>
-              <a:t>질문</a:t>
-            </a:r>
-            <a:r>
-              <a:rPr lang="ko-KR" altLang="en-US" sz="1100" dirty="0" smtClean="0">
-                <a:solidFill>
-                  <a:sysClr val="windowText" lastClr="000000"/>
-                </a:solidFill>
-              </a:rPr>
-              <a:t> </a:t>
+              <a:t>질문 </a:t>
             </a:r>
             <a:r>
               <a:rPr lang="ko-KR" altLang="en-US" sz="1100" dirty="0">
@@ -3058,8 +3050,8 @@
         </p:nvCxnSpPr>
         <p:spPr>
           <a:xfrm flipH="1">
-            <a:off x="965758" y="3390704"/>
-            <a:ext cx="1407992" cy="2360299"/>
+            <a:off x="965758" y="4303626"/>
+            <a:ext cx="1306461" cy="1447377"/>
           </a:xfrm>
           <a:prstGeom prst="straightConnector1">
             <a:avLst/>
@@ -3092,7 +3084,7 @@
         </p:nvSpPr>
         <p:spPr>
           <a:xfrm>
-            <a:off x="5250338" y="5735075"/>
+            <a:off x="6417488" y="5735074"/>
             <a:ext cx="1556992" cy="726131"/>
           </a:xfrm>
           <a:prstGeom prst="rect">
@@ -3134,23 +3126,7 @@
                   <a:sysClr val="windowText" lastClr="000000"/>
                 </a:solidFill>
               </a:rPr>
-              <a:t>강의평가 </a:t>
-            </a:r>
-            <a:r>
-              <a:rPr lang="ko-KR" altLang="en-US" sz="1100" dirty="0">
-                <a:solidFill>
-                  <a:sysClr val="windowText" lastClr="000000"/>
-                </a:solidFill>
-              </a:rPr>
-              <a:t>질문 </a:t>
-            </a:r>
-            <a:r>
-              <a:rPr lang="ko-KR" altLang="en-US" sz="1100" dirty="0">
-                <a:solidFill>
-                  <a:sysClr val="windowText" lastClr="000000"/>
-                </a:solidFill>
-              </a:rPr>
-              <a:t>조회 처리</a:t>
+              <a:t>강의평가 질문 조회 처리</a:t>
             </a:r>
           </a:p>
         </p:txBody>
@@ -3163,7 +3139,7 @@
         </p:nvSpPr>
         <p:spPr>
           <a:xfrm>
-            <a:off x="8701416" y="5735074"/>
+            <a:off x="8656403" y="5735074"/>
             <a:ext cx="1556992" cy="726131"/>
           </a:xfrm>
           <a:prstGeom prst="rect">
@@ -3200,29 +3176,18 @@
           <a:p>
             <a:pPr algn="ctr"/>
             <a:r>
-              <a:rPr lang="ko-KR" altLang="en-US" sz="1100" dirty="0">
+              <a:rPr lang="ko-KR" altLang="en-US" sz="1100" dirty="0" smtClean="0">
                 <a:solidFill>
                   <a:sysClr val="windowText" lastClr="000000"/>
                 </a:solidFill>
               </a:rPr>
-              <a:t>강의평가 </a:t>
-            </a:r>
-            <a:r>
-              <a:rPr lang="ko-KR" altLang="en-US" sz="1100" dirty="0">
-                <a:solidFill>
-                  <a:sysClr val="windowText" lastClr="000000"/>
-                </a:solidFill>
-              </a:rPr>
-              <a:t>질문 </a:t>
-            </a:r>
-            <a:r>
-              <a:rPr lang="ko-KR" altLang="en-US" sz="1100" dirty="0">
-                <a:solidFill>
-                  <a:sysClr val="windowText" lastClr="000000"/>
-                </a:solidFill>
-              </a:rPr>
-              <a:t>조회 결과 출력</a:t>
-            </a:r>
+              <a:t>권한 체크 에러 출력</a:t>
+            </a:r>
+            <a:endParaRPr lang="ko-KR" altLang="en-US" sz="1100" dirty="0">
+              <a:solidFill>
+                <a:sysClr val="windowText" lastClr="000000"/>
+              </a:solidFill>
+            </a:endParaRPr>
           </a:p>
         </p:txBody>
       </p:sp>
@@ -3236,8 +3201,8 @@
         </p:nvCxnSpPr>
         <p:spPr>
           <a:xfrm flipH="1">
-            <a:off x="2612566" y="854134"/>
-            <a:ext cx="3052914" cy="1820519"/>
+            <a:off x="2615588" y="854134"/>
+            <a:ext cx="3049892" cy="1078449"/>
           </a:xfrm>
           <a:prstGeom prst="straightConnector1">
             <a:avLst/>
@@ -3272,8 +3237,8 @@
         </p:nvCxnSpPr>
         <p:spPr>
           <a:xfrm>
-            <a:off x="6488989" y="854134"/>
-            <a:ext cx="2990923" cy="1810439"/>
+            <a:off x="6457853" y="854134"/>
+            <a:ext cx="2977046" cy="1117888"/>
           </a:xfrm>
           <a:prstGeom prst="straightConnector1">
             <a:avLst/>
@@ -3298,389 +3263,6 @@
           </a:fontRef>
         </p:style>
       </p:cxnSp>
-      <p:grpSp>
-        <p:nvGrpSpPr>
-          <p:cNvPr id="10" name="그룹 9"/>
-          <p:cNvGrpSpPr/>
-          <p:nvPr/>
-        </p:nvGrpSpPr>
-        <p:grpSpPr>
-          <a:xfrm rot="2896881">
-            <a:off x="9466996" y="4284849"/>
-            <a:ext cx="465295" cy="429840"/>
-            <a:chOff x="5764817" y="2081712"/>
-            <a:chExt cx="465295" cy="429840"/>
-          </a:xfrm>
-        </p:grpSpPr>
-        <p:sp>
-          <p:nvSpPr>
-            <p:cNvPr id="11" name="타원 10"/>
-            <p:cNvSpPr/>
-            <p:nvPr/>
-          </p:nvSpPr>
-          <p:spPr>
-            <a:xfrm>
-              <a:off x="5764817" y="2081712"/>
-              <a:ext cx="254984" cy="254984"/>
-            </a:xfrm>
-            <a:prstGeom prst="ellipse">
-              <a:avLst/>
-            </a:prstGeom>
-            <a:noFill/>
-            <a:ln w="38100">
-              <a:solidFill>
-                <a:schemeClr val="accent1"/>
-              </a:solidFill>
-            </a:ln>
-          </p:spPr>
-          <p:style>
-            <a:lnRef idx="2">
-              <a:schemeClr val="accent1">
-                <a:shade val="50000"/>
-              </a:schemeClr>
-            </a:lnRef>
-            <a:fillRef idx="1">
-              <a:schemeClr val="accent1"/>
-            </a:fillRef>
-            <a:effectRef idx="0">
-              <a:schemeClr val="accent1"/>
-            </a:effectRef>
-            <a:fontRef idx="minor">
-              <a:schemeClr val="lt1"/>
-            </a:fontRef>
-          </p:style>
-          <p:txBody>
-            <a:bodyPr rtlCol="0" anchor="ctr"/>
-            <a:lstStyle/>
-            <a:p>
-              <a:pPr algn="ctr"/>
-              <a:endParaRPr lang="ko-KR" altLang="en-US"/>
-            </a:p>
-          </p:txBody>
-        </p:sp>
-        <p:cxnSp>
-          <p:nvCxnSpPr>
-            <p:cNvPr id="12" name="직선 연결선 11"/>
-            <p:cNvCxnSpPr>
-              <a:endCxn id="11" idx="5"/>
-            </p:cNvCxnSpPr>
-            <p:nvPr/>
-          </p:nvCxnSpPr>
-          <p:spPr>
-            <a:xfrm flipH="1" flipV="1">
-              <a:off x="5982459" y="2299354"/>
-              <a:ext cx="247653" cy="212198"/>
-            </a:xfrm>
-            <a:prstGeom prst="line">
-              <a:avLst/>
-            </a:prstGeom>
-            <a:ln w="38100">
-              <a:headEnd type="stealth" w="lg" len="lg"/>
-            </a:ln>
-          </p:spPr>
-          <p:style>
-            <a:lnRef idx="1">
-              <a:schemeClr val="accent1"/>
-            </a:lnRef>
-            <a:fillRef idx="0">
-              <a:schemeClr val="accent1"/>
-            </a:fillRef>
-            <a:effectRef idx="0">
-              <a:schemeClr val="accent1"/>
-            </a:effectRef>
-            <a:fontRef idx="minor">
-              <a:schemeClr val="tx1"/>
-            </a:fontRef>
-          </p:style>
-        </p:cxnSp>
-      </p:grpSp>
-      <p:sp>
-        <p:nvSpPr>
-          <p:cNvPr id="13" name="TextBox 12"/>
-          <p:cNvSpPr txBox="1"/>
-          <p:nvPr/>
-        </p:nvSpPr>
-        <p:spPr>
-          <a:xfrm rot="5400000">
-            <a:off x="8946934" y="4402619"/>
-            <a:ext cx="2076209" cy="261610"/>
-          </a:xfrm>
-          <a:prstGeom prst="rect">
-            <a:avLst/>
-          </a:prstGeom>
-          <a:noFill/>
-        </p:spPr>
-        <p:txBody>
-          <a:bodyPr wrap="none" rtlCol="0">
-            <a:spAutoFit/>
-          </a:bodyPr>
-          <a:lstStyle/>
-          <a:p>
-            <a:r>
-              <a:rPr lang="ko-KR" altLang="en-US" sz="1100" dirty="0"/>
-              <a:t>강의평가 </a:t>
-            </a:r>
-            <a:r>
-              <a:rPr lang="ko-KR" altLang="en-US" sz="1100" dirty="0">
-                <a:solidFill>
-                  <a:sysClr val="windowText" lastClr="000000"/>
-                </a:solidFill>
-              </a:rPr>
-              <a:t>질문</a:t>
-            </a:r>
-            <a:r>
-              <a:rPr lang="ko-KR" altLang="en-US" sz="1100" dirty="0" smtClean="0"/>
-              <a:t> </a:t>
-            </a:r>
-            <a:r>
-              <a:rPr lang="ko-KR" altLang="en-US" sz="1100" dirty="0"/>
-              <a:t>조회 </a:t>
-            </a:r>
-            <a:r>
-              <a:rPr lang="ko-KR" altLang="en-US" sz="1100" dirty="0" smtClean="0"/>
-              <a:t>결과 </a:t>
-            </a:r>
-            <a:r>
-              <a:rPr lang="ko-KR" altLang="en-US" sz="1100" dirty="0"/>
-              <a:t>정보</a:t>
-            </a:r>
-          </a:p>
-        </p:txBody>
-      </p:sp>
-      <p:grpSp>
-        <p:nvGrpSpPr>
-          <p:cNvPr id="14" name="그룹 13"/>
-          <p:cNvGrpSpPr/>
-          <p:nvPr/>
-        </p:nvGrpSpPr>
-        <p:grpSpPr>
-          <a:xfrm rot="15574914">
-            <a:off x="1204227" y="4270583"/>
-            <a:ext cx="465295" cy="429840"/>
-            <a:chOff x="5764817" y="2081712"/>
-            <a:chExt cx="465295" cy="429840"/>
-          </a:xfrm>
-        </p:grpSpPr>
-        <p:sp>
-          <p:nvSpPr>
-            <p:cNvPr id="15" name="타원 14"/>
-            <p:cNvSpPr/>
-            <p:nvPr/>
-          </p:nvSpPr>
-          <p:spPr>
-            <a:xfrm>
-              <a:off x="5764817" y="2081712"/>
-              <a:ext cx="254984" cy="254984"/>
-            </a:xfrm>
-            <a:prstGeom prst="ellipse">
-              <a:avLst/>
-            </a:prstGeom>
-            <a:noFill/>
-            <a:ln w="38100">
-              <a:solidFill>
-                <a:schemeClr val="accent1"/>
-              </a:solidFill>
-            </a:ln>
-          </p:spPr>
-          <p:style>
-            <a:lnRef idx="2">
-              <a:schemeClr val="accent1">
-                <a:shade val="50000"/>
-              </a:schemeClr>
-            </a:lnRef>
-            <a:fillRef idx="1">
-              <a:schemeClr val="accent1"/>
-            </a:fillRef>
-            <a:effectRef idx="0">
-              <a:schemeClr val="accent1"/>
-            </a:effectRef>
-            <a:fontRef idx="minor">
-              <a:schemeClr val="lt1"/>
-            </a:fontRef>
-          </p:style>
-          <p:txBody>
-            <a:bodyPr rtlCol="0" anchor="ctr"/>
-            <a:lstStyle/>
-            <a:p>
-              <a:pPr algn="ctr"/>
-              <a:endParaRPr lang="ko-KR" altLang="en-US"/>
-            </a:p>
-          </p:txBody>
-        </p:sp>
-        <p:cxnSp>
-          <p:nvCxnSpPr>
-            <p:cNvPr id="16" name="직선 연결선 15"/>
-            <p:cNvCxnSpPr>
-              <a:endCxn id="15" idx="5"/>
-            </p:cNvCxnSpPr>
-            <p:nvPr/>
-          </p:nvCxnSpPr>
-          <p:spPr>
-            <a:xfrm flipH="1" flipV="1">
-              <a:off x="5982459" y="2299354"/>
-              <a:ext cx="247653" cy="212198"/>
-            </a:xfrm>
-            <a:prstGeom prst="line">
-              <a:avLst/>
-            </a:prstGeom>
-            <a:ln w="38100">
-              <a:headEnd type="stealth" w="lg" len="lg"/>
-            </a:ln>
-          </p:spPr>
-          <p:style>
-            <a:lnRef idx="1">
-              <a:schemeClr val="accent1"/>
-            </a:lnRef>
-            <a:fillRef idx="0">
-              <a:schemeClr val="accent1"/>
-            </a:fillRef>
-            <a:effectRef idx="0">
-              <a:schemeClr val="accent1"/>
-            </a:effectRef>
-            <a:fontRef idx="minor">
-              <a:schemeClr val="tx1"/>
-            </a:fontRef>
-          </p:style>
-        </p:cxnSp>
-      </p:grpSp>
-      <p:sp>
-        <p:nvSpPr>
-          <p:cNvPr id="17" name="TextBox 16"/>
-          <p:cNvSpPr txBox="1"/>
-          <p:nvPr/>
-        </p:nvSpPr>
-        <p:spPr>
-          <a:xfrm rot="18229046">
-            <a:off x="180832" y="4227992"/>
-            <a:ext cx="2064041" cy="261610"/>
-          </a:xfrm>
-          <a:prstGeom prst="rect">
-            <a:avLst/>
-          </a:prstGeom>
-          <a:noFill/>
-        </p:spPr>
-        <p:txBody>
-          <a:bodyPr wrap="square" rtlCol="0">
-            <a:spAutoFit/>
-          </a:bodyPr>
-          <a:lstStyle/>
-          <a:p>
-            <a:r>
-              <a:rPr lang="ko-KR" altLang="en-US" sz="1100" dirty="0"/>
-              <a:t>조회할 강의평가 </a:t>
-            </a:r>
-            <a:r>
-              <a:rPr lang="ko-KR" altLang="en-US" sz="1100" dirty="0" smtClean="0"/>
-              <a:t>질문</a:t>
-            </a:r>
-            <a:r>
-              <a:rPr lang="ko-KR" altLang="en-US" sz="1100" dirty="0" smtClean="0"/>
-              <a:t> </a:t>
-            </a:r>
-            <a:r>
-              <a:rPr lang="ko-KR" altLang="en-US" sz="1100" dirty="0"/>
-              <a:t>정보</a:t>
-            </a:r>
-            <a:endParaRPr lang="ko-KR" altLang="en-US" sz="1600" dirty="0"/>
-          </a:p>
-        </p:txBody>
-      </p:sp>
-      <p:grpSp>
-        <p:nvGrpSpPr>
-          <p:cNvPr id="18" name="그룹 17"/>
-          <p:cNvGrpSpPr/>
-          <p:nvPr/>
-        </p:nvGrpSpPr>
-        <p:grpSpPr>
-          <a:xfrm rot="13820247">
-            <a:off x="6014645" y="4499494"/>
-            <a:ext cx="465295" cy="429840"/>
-            <a:chOff x="5764817" y="2081712"/>
-            <a:chExt cx="465295" cy="429840"/>
-          </a:xfrm>
-        </p:grpSpPr>
-        <p:sp>
-          <p:nvSpPr>
-            <p:cNvPr id="19" name="타원 18"/>
-            <p:cNvSpPr/>
-            <p:nvPr/>
-          </p:nvSpPr>
-          <p:spPr>
-            <a:xfrm>
-              <a:off x="5764817" y="2081712"/>
-              <a:ext cx="254984" cy="254984"/>
-            </a:xfrm>
-            <a:prstGeom prst="ellipse">
-              <a:avLst/>
-            </a:prstGeom>
-            <a:noFill/>
-            <a:ln w="38100">
-              <a:solidFill>
-                <a:schemeClr val="accent1"/>
-              </a:solidFill>
-            </a:ln>
-          </p:spPr>
-          <p:style>
-            <a:lnRef idx="2">
-              <a:schemeClr val="accent1">
-                <a:shade val="50000"/>
-              </a:schemeClr>
-            </a:lnRef>
-            <a:fillRef idx="1">
-              <a:schemeClr val="accent1"/>
-            </a:fillRef>
-            <a:effectRef idx="0">
-              <a:schemeClr val="accent1"/>
-            </a:effectRef>
-            <a:fontRef idx="minor">
-              <a:schemeClr val="lt1"/>
-            </a:fontRef>
-          </p:style>
-          <p:txBody>
-            <a:bodyPr rtlCol="0" anchor="ctr"/>
-            <a:lstStyle/>
-            <a:p>
-              <a:pPr algn="ctr"/>
-              <a:endParaRPr lang="ko-KR" altLang="en-US"/>
-            </a:p>
-          </p:txBody>
-        </p:sp>
-        <p:cxnSp>
-          <p:nvCxnSpPr>
-            <p:cNvPr id="20" name="직선 연결선 19"/>
-            <p:cNvCxnSpPr>
-              <a:endCxn id="19" idx="5"/>
-            </p:cNvCxnSpPr>
-            <p:nvPr/>
-          </p:nvCxnSpPr>
-          <p:spPr>
-            <a:xfrm flipH="1" flipV="1">
-              <a:off x="5982459" y="2299354"/>
-              <a:ext cx="247653" cy="212198"/>
-            </a:xfrm>
-            <a:prstGeom prst="line">
-              <a:avLst/>
-            </a:prstGeom>
-            <a:ln w="38100">
-              <a:headEnd type="stealth" w="lg" len="lg"/>
-            </a:ln>
-          </p:spPr>
-          <p:style>
-            <a:lnRef idx="1">
-              <a:schemeClr val="accent1"/>
-            </a:lnRef>
-            <a:fillRef idx="0">
-              <a:schemeClr val="accent1"/>
-            </a:fillRef>
-            <a:effectRef idx="0">
-              <a:schemeClr val="accent1"/>
-            </a:effectRef>
-            <a:fontRef idx="minor">
-              <a:schemeClr val="tx1"/>
-            </a:fontRef>
-          </p:style>
-        </p:cxnSp>
-      </p:grpSp>
       <p:sp>
         <p:nvSpPr>
           <p:cNvPr id="21" name="직사각형 20"/>
@@ -3739,169 +3321,13 @@
                   <a:sysClr val="windowText" lastClr="000000"/>
                 </a:solidFill>
               </a:rPr>
-              <a:t>질문</a:t>
-            </a:r>
-            <a:r>
-              <a:rPr lang="ko-KR" altLang="en-US" sz="1100" dirty="0" smtClean="0">
-                <a:solidFill>
-                  <a:sysClr val="windowText" lastClr="000000"/>
-                </a:solidFill>
-              </a:rPr>
-              <a:t> </a:t>
-            </a:r>
-            <a:r>
-              <a:rPr lang="ko-KR" altLang="en-US" sz="1100" dirty="0">
-                <a:solidFill>
-                  <a:sysClr val="windowText" lastClr="000000"/>
-                </a:solidFill>
-              </a:rPr>
-              <a:t>조회</a:t>
-            </a:r>
-          </a:p>
-        </p:txBody>
-      </p:sp>
-      <p:grpSp>
-        <p:nvGrpSpPr>
-          <p:cNvPr id="22" name="그룹 21"/>
-          <p:cNvGrpSpPr/>
-          <p:nvPr/>
-        </p:nvGrpSpPr>
-        <p:grpSpPr>
-          <a:xfrm rot="2854460">
-            <a:off x="5622474" y="3884569"/>
-            <a:ext cx="465295" cy="429840"/>
-            <a:chOff x="5764817" y="2081712"/>
-            <a:chExt cx="465295" cy="429840"/>
-          </a:xfrm>
-        </p:grpSpPr>
-        <p:sp>
-          <p:nvSpPr>
-            <p:cNvPr id="23" name="타원 22"/>
-            <p:cNvSpPr/>
-            <p:nvPr/>
-          </p:nvSpPr>
-          <p:spPr>
-            <a:xfrm>
-              <a:off x="5764817" y="2081712"/>
-              <a:ext cx="254984" cy="254984"/>
-            </a:xfrm>
-            <a:prstGeom prst="ellipse">
-              <a:avLst/>
-            </a:prstGeom>
-            <a:noFill/>
-            <a:ln w="38100">
+              <a:t>관리</a:t>
+            </a:r>
+            <a:endParaRPr lang="ko-KR" altLang="en-US" sz="1100" dirty="0">
               <a:solidFill>
-                <a:schemeClr val="accent1"/>
+                <a:sysClr val="windowText" lastClr="000000"/>
               </a:solidFill>
-            </a:ln>
-          </p:spPr>
-          <p:style>
-            <a:lnRef idx="2">
-              <a:schemeClr val="accent1">
-                <a:shade val="50000"/>
-              </a:schemeClr>
-            </a:lnRef>
-            <a:fillRef idx="1">
-              <a:schemeClr val="accent1"/>
-            </a:fillRef>
-            <a:effectRef idx="0">
-              <a:schemeClr val="accent1"/>
-            </a:effectRef>
-            <a:fontRef idx="minor">
-              <a:schemeClr val="lt1"/>
-            </a:fontRef>
-          </p:style>
-          <p:txBody>
-            <a:bodyPr rtlCol="0" anchor="ctr"/>
-            <a:lstStyle/>
-            <a:p>
-              <a:pPr algn="ctr"/>
-              <a:endParaRPr lang="ko-KR" altLang="en-US"/>
-            </a:p>
-          </p:txBody>
-        </p:sp>
-        <p:cxnSp>
-          <p:nvCxnSpPr>
-            <p:cNvPr id="24" name="직선 연결선 23"/>
-            <p:cNvCxnSpPr>
-              <a:endCxn id="23" idx="5"/>
-            </p:cNvCxnSpPr>
-            <p:nvPr/>
-          </p:nvCxnSpPr>
-          <p:spPr>
-            <a:xfrm flipH="1" flipV="1">
-              <a:off x="5982459" y="2299354"/>
-              <a:ext cx="247653" cy="212198"/>
-            </a:xfrm>
-            <a:prstGeom prst="line">
-              <a:avLst/>
-            </a:prstGeom>
-            <a:ln w="38100">
-              <a:headEnd type="stealth" w="lg" len="lg"/>
-            </a:ln>
-          </p:spPr>
-          <p:style>
-            <a:lnRef idx="1">
-              <a:schemeClr val="accent1"/>
-            </a:lnRef>
-            <a:fillRef idx="0">
-              <a:schemeClr val="accent1"/>
-            </a:fillRef>
-            <a:effectRef idx="0">
-              <a:schemeClr val="accent1"/>
-            </a:effectRef>
-            <a:fontRef idx="minor">
-              <a:schemeClr val="tx1"/>
-            </a:fontRef>
-          </p:style>
-        </p:cxnSp>
-      </p:grpSp>
-      <p:sp>
-        <p:nvSpPr>
-          <p:cNvPr id="25" name="TextBox 24"/>
-          <p:cNvSpPr txBox="1"/>
-          <p:nvPr/>
-        </p:nvSpPr>
-        <p:spPr>
-          <a:xfrm rot="16200000">
-            <a:off x="4906769" y="3814173"/>
-            <a:ext cx="1221809" cy="430887"/>
-          </a:xfrm>
-          <a:prstGeom prst="rect">
-            <a:avLst/>
-          </a:prstGeom>
-          <a:noFill/>
-        </p:spPr>
-        <p:txBody>
-          <a:bodyPr wrap="none" rtlCol="0">
-            <a:spAutoFit/>
-          </a:bodyPr>
-          <a:lstStyle/>
-          <a:p>
-            <a:r>
-              <a:rPr lang="ko-KR" altLang="en-US" sz="1100" dirty="0"/>
-              <a:t>조회할 강의평가</a:t>
-            </a:r>
-            <a:endParaRPr lang="en-US" altLang="ko-KR" sz="1100" dirty="0"/>
-          </a:p>
-          <a:p>
-            <a:r>
-              <a:rPr lang="ko-KR" altLang="en-US" sz="1100" dirty="0">
-                <a:solidFill>
-                  <a:sysClr val="windowText" lastClr="000000"/>
-                </a:solidFill>
-              </a:rPr>
-              <a:t>질문</a:t>
-            </a:r>
-            <a:r>
-              <a:rPr lang="ko-KR" altLang="en-US" sz="1100" dirty="0" smtClean="0"/>
-              <a:t> </a:t>
-            </a:r>
-            <a:r>
-              <a:rPr lang="ko-KR" altLang="en-US" sz="1100" dirty="0"/>
-              <a:t>정보</a:t>
-            </a:r>
-            <a:endParaRPr lang="ko-KR" altLang="en-US" sz="1600" dirty="0"/>
+            </a:endParaRPr>
           </a:p>
         </p:txBody>
       </p:sp>
@@ -3915,9 +3341,9 @@
           <p:nvPr/>
         </p:nvCxnSpPr>
         <p:spPr>
-          <a:xfrm flipH="1">
-            <a:off x="6046239" y="854134"/>
-            <a:ext cx="454" cy="1810440"/>
+          <a:xfrm>
+            <a:off x="6046693" y="854134"/>
+            <a:ext cx="29947" cy="1084307"/>
           </a:xfrm>
           <a:prstGeom prst="straightConnector1">
             <a:avLst/>
@@ -3942,343 +3368,6 @@
           </a:fontRef>
         </p:style>
       </p:cxnSp>
-      <p:grpSp>
-        <p:nvGrpSpPr>
-          <p:cNvPr id="27" name="그룹 26"/>
-          <p:cNvGrpSpPr/>
-          <p:nvPr/>
-        </p:nvGrpSpPr>
-        <p:grpSpPr>
-          <a:xfrm rot="14051352">
-            <a:off x="2808845" y="4252318"/>
-            <a:ext cx="465295" cy="429840"/>
-            <a:chOff x="5764817" y="2081712"/>
-            <a:chExt cx="465295" cy="429840"/>
-          </a:xfrm>
-        </p:grpSpPr>
-        <p:sp>
-          <p:nvSpPr>
-            <p:cNvPr id="28" name="타원 27"/>
-            <p:cNvSpPr/>
-            <p:nvPr/>
-          </p:nvSpPr>
-          <p:spPr>
-            <a:xfrm>
-              <a:off x="5764817" y="2081712"/>
-              <a:ext cx="254984" cy="254984"/>
-            </a:xfrm>
-            <a:prstGeom prst="ellipse">
-              <a:avLst/>
-            </a:prstGeom>
-            <a:noFill/>
-            <a:ln w="38100">
-              <a:solidFill>
-                <a:schemeClr val="accent1"/>
-              </a:solidFill>
-            </a:ln>
-          </p:spPr>
-          <p:style>
-            <a:lnRef idx="2">
-              <a:schemeClr val="accent1">
-                <a:shade val="50000"/>
-              </a:schemeClr>
-            </a:lnRef>
-            <a:fillRef idx="1">
-              <a:schemeClr val="accent1"/>
-            </a:fillRef>
-            <a:effectRef idx="0">
-              <a:schemeClr val="accent1"/>
-            </a:effectRef>
-            <a:fontRef idx="minor">
-              <a:schemeClr val="lt1"/>
-            </a:fontRef>
-          </p:style>
-          <p:txBody>
-            <a:bodyPr rtlCol="0" anchor="ctr"/>
-            <a:lstStyle/>
-            <a:p>
-              <a:pPr algn="ctr"/>
-              <a:endParaRPr lang="ko-KR" altLang="en-US"/>
-            </a:p>
-          </p:txBody>
-        </p:sp>
-        <p:cxnSp>
-          <p:nvCxnSpPr>
-            <p:cNvPr id="29" name="직선 연결선 28"/>
-            <p:cNvCxnSpPr>
-              <a:endCxn id="28" idx="5"/>
-            </p:cNvCxnSpPr>
-            <p:nvPr/>
-          </p:nvCxnSpPr>
-          <p:spPr>
-            <a:xfrm flipH="1" flipV="1">
-              <a:off x="5982459" y="2299354"/>
-              <a:ext cx="247653" cy="212198"/>
-            </a:xfrm>
-            <a:prstGeom prst="line">
-              <a:avLst/>
-            </a:prstGeom>
-            <a:ln w="38100">
-              <a:headEnd type="stealth" w="lg" len="lg"/>
-            </a:ln>
-          </p:spPr>
-          <p:style>
-            <a:lnRef idx="1">
-              <a:schemeClr val="accent1"/>
-            </a:lnRef>
-            <a:fillRef idx="0">
-              <a:schemeClr val="accent1"/>
-            </a:fillRef>
-            <a:effectRef idx="0">
-              <a:schemeClr val="accent1"/>
-            </a:effectRef>
-            <a:fontRef idx="minor">
-              <a:schemeClr val="tx1"/>
-            </a:fontRef>
-          </p:style>
-        </p:cxnSp>
-      </p:grpSp>
-      <p:sp>
-        <p:nvSpPr>
-          <p:cNvPr id="30" name="TextBox 29"/>
-          <p:cNvSpPr txBox="1"/>
-          <p:nvPr/>
-        </p:nvSpPr>
-        <p:spPr>
-          <a:xfrm rot="16200000">
-            <a:off x="2273209" y="4320120"/>
-            <a:ext cx="2065042" cy="261610"/>
-          </a:xfrm>
-          <a:prstGeom prst="rect">
-            <a:avLst/>
-          </a:prstGeom>
-          <a:noFill/>
-        </p:spPr>
-        <p:txBody>
-          <a:bodyPr wrap="square" rtlCol="0">
-            <a:spAutoFit/>
-          </a:bodyPr>
-          <a:lstStyle/>
-          <a:p>
-            <a:r>
-              <a:rPr lang="ko-KR" altLang="en-US" sz="1100" dirty="0"/>
-              <a:t>강의평가 </a:t>
-            </a:r>
-            <a:r>
-              <a:rPr lang="ko-KR" altLang="en-US" sz="1100" dirty="0">
-                <a:solidFill>
-                  <a:sysClr val="windowText" lastClr="000000"/>
-                </a:solidFill>
-              </a:rPr>
-              <a:t>질문</a:t>
-            </a:r>
-            <a:r>
-              <a:rPr lang="ko-KR" altLang="en-US" sz="1100" dirty="0" smtClean="0"/>
-              <a:t> </a:t>
-            </a:r>
-            <a:r>
-              <a:rPr lang="ko-KR" altLang="en-US" sz="1100" dirty="0"/>
-              <a:t>리스트 정보</a:t>
-            </a:r>
-            <a:endParaRPr lang="ko-KR" altLang="en-US" sz="1600" dirty="0"/>
-          </a:p>
-        </p:txBody>
-      </p:sp>
-      <p:grpSp>
-        <p:nvGrpSpPr>
-          <p:cNvPr id="31" name="그룹 30"/>
-          <p:cNvGrpSpPr/>
-          <p:nvPr/>
-        </p:nvGrpSpPr>
-        <p:grpSpPr>
-          <a:xfrm rot="2855626">
-            <a:off x="5624885" y="5042222"/>
-            <a:ext cx="465295" cy="429840"/>
-            <a:chOff x="5764817" y="2081712"/>
-            <a:chExt cx="465295" cy="429840"/>
-          </a:xfrm>
-        </p:grpSpPr>
-        <p:sp>
-          <p:nvSpPr>
-            <p:cNvPr id="32" name="타원 31"/>
-            <p:cNvSpPr/>
-            <p:nvPr/>
-          </p:nvSpPr>
-          <p:spPr>
-            <a:xfrm>
-              <a:off x="5764817" y="2081712"/>
-              <a:ext cx="254984" cy="254984"/>
-            </a:xfrm>
-            <a:prstGeom prst="ellipse">
-              <a:avLst/>
-            </a:prstGeom>
-            <a:noFill/>
-            <a:ln w="38100">
-              <a:solidFill>
-                <a:schemeClr val="accent1"/>
-              </a:solidFill>
-            </a:ln>
-          </p:spPr>
-          <p:style>
-            <a:lnRef idx="2">
-              <a:schemeClr val="accent1">
-                <a:shade val="50000"/>
-              </a:schemeClr>
-            </a:lnRef>
-            <a:fillRef idx="1">
-              <a:schemeClr val="accent1"/>
-            </a:fillRef>
-            <a:effectRef idx="0">
-              <a:schemeClr val="accent1"/>
-            </a:effectRef>
-            <a:fontRef idx="minor">
-              <a:schemeClr val="lt1"/>
-            </a:fontRef>
-          </p:style>
-          <p:txBody>
-            <a:bodyPr rtlCol="0" anchor="ctr"/>
-            <a:lstStyle/>
-            <a:p>
-              <a:pPr algn="ctr"/>
-              <a:endParaRPr lang="ko-KR" altLang="en-US"/>
-            </a:p>
-          </p:txBody>
-        </p:sp>
-        <p:cxnSp>
-          <p:nvCxnSpPr>
-            <p:cNvPr id="33" name="직선 연결선 32"/>
-            <p:cNvCxnSpPr>
-              <a:endCxn id="32" idx="5"/>
-            </p:cNvCxnSpPr>
-            <p:nvPr/>
-          </p:nvCxnSpPr>
-          <p:spPr>
-            <a:xfrm flipH="1" flipV="1">
-              <a:off x="5982459" y="2299354"/>
-              <a:ext cx="247653" cy="212198"/>
-            </a:xfrm>
-            <a:prstGeom prst="line">
-              <a:avLst/>
-            </a:prstGeom>
-            <a:ln w="38100">
-              <a:headEnd type="stealth" w="lg" len="lg"/>
-            </a:ln>
-          </p:spPr>
-          <p:style>
-            <a:lnRef idx="1">
-              <a:schemeClr val="accent1"/>
-            </a:lnRef>
-            <a:fillRef idx="0">
-              <a:schemeClr val="accent1"/>
-            </a:fillRef>
-            <a:effectRef idx="0">
-              <a:schemeClr val="accent1"/>
-            </a:effectRef>
-            <a:fontRef idx="minor">
-              <a:schemeClr val="tx1"/>
-            </a:fontRef>
-          </p:style>
-        </p:cxnSp>
-      </p:grpSp>
-      <p:sp>
-        <p:nvSpPr>
-          <p:cNvPr id="34" name="TextBox 33"/>
-          <p:cNvSpPr txBox="1"/>
-          <p:nvPr/>
-        </p:nvSpPr>
-        <p:spPr>
-          <a:xfrm rot="16200000">
-            <a:off x="4991870" y="4902104"/>
-            <a:ext cx="1080745" cy="430887"/>
-          </a:xfrm>
-          <a:prstGeom prst="rect">
-            <a:avLst/>
-          </a:prstGeom>
-          <a:noFill/>
-        </p:spPr>
-        <p:txBody>
-          <a:bodyPr wrap="none" rtlCol="0">
-            <a:spAutoFit/>
-          </a:bodyPr>
-          <a:lstStyle/>
-          <a:p>
-            <a:r>
-              <a:rPr lang="ko-KR" altLang="en-US" sz="1100" dirty="0"/>
-              <a:t>강의평가 </a:t>
-            </a:r>
-            <a:r>
-              <a:rPr lang="ko-KR" altLang="en-US" sz="1100" dirty="0">
-                <a:solidFill>
-                  <a:sysClr val="windowText" lastClr="000000"/>
-                </a:solidFill>
-              </a:rPr>
-              <a:t>질문</a:t>
-            </a:r>
-            <a:endParaRPr lang="en-US" altLang="ko-KR" sz="1100" dirty="0" smtClean="0"/>
-          </a:p>
-          <a:p>
-            <a:r>
-              <a:rPr lang="ko-KR" altLang="en-US" sz="1100" dirty="0" smtClean="0"/>
-              <a:t> </a:t>
-            </a:r>
-            <a:r>
-              <a:rPr lang="ko-KR" altLang="en-US" sz="1100" dirty="0"/>
-              <a:t>리스트 정보</a:t>
-            </a:r>
-            <a:endParaRPr lang="ko-KR" altLang="en-US" sz="1600" dirty="0"/>
-          </a:p>
-        </p:txBody>
-      </p:sp>
-      <p:sp>
-        <p:nvSpPr>
-          <p:cNvPr id="35" name="TextBox 34"/>
-          <p:cNvSpPr txBox="1"/>
-          <p:nvPr/>
-        </p:nvSpPr>
-        <p:spPr>
-          <a:xfrm rot="5400000">
-            <a:off x="5556906" y="4432085"/>
-            <a:ext cx="1913863" cy="261610"/>
-          </a:xfrm>
-          <a:prstGeom prst="rect">
-            <a:avLst/>
-          </a:prstGeom>
-          <a:noFill/>
-        </p:spPr>
-        <p:txBody>
-          <a:bodyPr wrap="square" rtlCol="0">
-            <a:spAutoFit/>
-          </a:bodyPr>
-          <a:lstStyle/>
-          <a:p>
-            <a:r>
-              <a:rPr lang="ko-KR" altLang="en-US" sz="1100" dirty="0"/>
-              <a:t>조회된 강의평가</a:t>
-            </a:r>
-            <a:r>
-              <a:rPr lang="en-US" altLang="ko-KR" sz="1100" dirty="0"/>
-              <a:t> </a:t>
-            </a:r>
-            <a:r>
-              <a:rPr lang="ko-KR" altLang="en-US" sz="1100" dirty="0">
-                <a:solidFill>
-                  <a:sysClr val="windowText" lastClr="000000"/>
-                </a:solidFill>
-              </a:rPr>
-              <a:t>질문</a:t>
-            </a:r>
-            <a:r>
-              <a:rPr lang="ko-KR" altLang="en-US" sz="1100" dirty="0" smtClean="0"/>
-              <a:t> </a:t>
-            </a:r>
-            <a:r>
-              <a:rPr lang="ko-KR" altLang="en-US" sz="1100" dirty="0"/>
-              <a:t>정보</a:t>
-            </a:r>
-            <a:endParaRPr lang="ko-KR" altLang="en-US" sz="1600" dirty="0"/>
-          </a:p>
-        </p:txBody>
-      </p:sp>
       <p:sp>
         <p:nvSpPr>
           <p:cNvPr id="48" name="직사각형 47"/>
@@ -4287,7 +3376,7 @@
         </p:nvSpPr>
         <p:spPr>
           <a:xfrm>
-            <a:off x="2128378" y="5735075"/>
+            <a:off x="4430278" y="5751001"/>
             <a:ext cx="1556992" cy="726131"/>
           </a:xfrm>
           <a:prstGeom prst="rect">
@@ -4324,29 +3413,18 @@
           <a:p>
             <a:pPr algn="ctr"/>
             <a:r>
-              <a:rPr lang="ko-KR" altLang="en-US" sz="1100" dirty="0">
+              <a:rPr lang="ko-KR" altLang="en-US" sz="1100" dirty="0" smtClean="0">
                 <a:solidFill>
                   <a:sysClr val="windowText" lastClr="000000"/>
                 </a:solidFill>
               </a:rPr>
-              <a:t>강의평가 </a:t>
-            </a:r>
-            <a:r>
-              <a:rPr lang="ko-KR" altLang="en-US" sz="1100" dirty="0">
-                <a:solidFill>
-                  <a:sysClr val="windowText" lastClr="000000"/>
-                </a:solidFill>
-              </a:rPr>
-              <a:t>질문 </a:t>
-            </a:r>
-            <a:r>
-              <a:rPr lang="ko-KR" altLang="en-US" sz="1100" dirty="0">
-                <a:solidFill>
-                  <a:sysClr val="windowText" lastClr="000000"/>
-                </a:solidFill>
-              </a:rPr>
-              <a:t>정보 읽음</a:t>
-            </a:r>
+              <a:t>권한 체크</a:t>
+            </a:r>
+            <a:endParaRPr lang="ko-KR" altLang="en-US" sz="1100" dirty="0">
+              <a:solidFill>
+                <a:sysClr val="windowText" lastClr="000000"/>
+              </a:solidFill>
+            </a:endParaRPr>
           </a:p>
         </p:txBody>
       </p:sp>
@@ -4358,7 +3436,7 @@
         </p:nvSpPr>
         <p:spPr>
           <a:xfrm>
-            <a:off x="5267743" y="2664574"/>
+            <a:off x="5298144" y="1938441"/>
             <a:ext cx="1556992" cy="726131"/>
           </a:xfrm>
           <a:prstGeom prst="rect">
@@ -4400,7 +3478,7 @@
                   <a:sysClr val="windowText" lastClr="000000"/>
                 </a:solidFill>
               </a:rPr>
-              <a:t>처리</a:t>
+              <a:t>변환</a:t>
             </a:r>
             <a:endParaRPr lang="ko-KR" altLang="en-US" sz="1100" dirty="0">
               <a:solidFill>
@@ -4418,7 +3496,7 @@
         </p:nvSpPr>
         <p:spPr>
           <a:xfrm>
-            <a:off x="1834070" y="2674653"/>
+            <a:off x="1837092" y="1932583"/>
             <a:ext cx="1556992" cy="726131"/>
           </a:xfrm>
           <a:prstGeom prst="rect">
@@ -4478,7 +3556,7 @@
         </p:nvSpPr>
         <p:spPr>
           <a:xfrm>
-            <a:off x="8701416" y="2664573"/>
+            <a:off x="8656403" y="1972022"/>
             <a:ext cx="1556992" cy="726131"/>
           </a:xfrm>
           <a:prstGeom prst="rect">
@@ -4534,14 +3612,14 @@
         <p:nvCxnSpPr>
           <p:cNvPr id="71" name="직선 화살표 연결선 70"/>
           <p:cNvCxnSpPr>
-            <a:endCxn id="48" idx="0"/>
+            <a:endCxn id="41" idx="0"/>
           </p:cNvCxnSpPr>
           <p:nvPr/>
         </p:nvCxnSpPr>
         <p:spPr>
           <a:xfrm>
-            <a:off x="2902787" y="3381308"/>
-            <a:ext cx="4087" cy="2353767"/>
+            <a:off x="2803968" y="4303627"/>
+            <a:ext cx="151260" cy="1434501"/>
           </a:xfrm>
           <a:prstGeom prst="straightConnector1">
             <a:avLst/>
@@ -4570,15 +3648,14 @@
         <p:nvCxnSpPr>
           <p:cNvPr id="74" name="직선 화살표 연결선 73"/>
           <p:cNvCxnSpPr>
-            <a:stCxn id="57" idx="2"/>
             <a:endCxn id="6" idx="0"/>
           </p:cNvCxnSpPr>
           <p:nvPr/>
         </p:nvCxnSpPr>
         <p:spPr>
-          <a:xfrm flipH="1">
-            <a:off x="6028834" y="3390705"/>
-            <a:ext cx="17405" cy="2344370"/>
+          <a:xfrm>
+            <a:off x="6358500" y="4303628"/>
+            <a:ext cx="837484" cy="1431446"/>
           </a:xfrm>
           <a:prstGeom prst="straightConnector1">
             <a:avLst/>
@@ -4607,15 +3684,488 @@
         <p:nvCxnSpPr>
           <p:cNvPr id="79" name="직선 화살표 연결선 78"/>
           <p:cNvCxnSpPr>
-            <a:stCxn id="59" idx="2"/>
+            <a:stCxn id="66" idx="2"/>
             <a:endCxn id="7" idx="0"/>
           </p:cNvCxnSpPr>
           <p:nvPr/>
         </p:nvCxnSpPr>
         <p:spPr>
           <a:xfrm>
-            <a:off x="9479912" y="3390704"/>
-            <a:ext cx="0" cy="2344370"/>
+            <a:off x="9434899" y="4303627"/>
+            <a:ext cx="0" cy="1431447"/>
+          </a:xfrm>
+          <a:prstGeom prst="straightConnector1">
+            <a:avLst/>
+          </a:prstGeom>
+          <a:ln w="38100">
+            <a:headEnd w="lg" len="lg"/>
+            <a:tailEnd type="triangle"/>
+          </a:ln>
+        </p:spPr>
+        <p:style>
+          <a:lnRef idx="1">
+            <a:schemeClr val="accent1"/>
+          </a:lnRef>
+          <a:fillRef idx="0">
+            <a:schemeClr val="accent1"/>
+          </a:fillRef>
+          <a:effectRef idx="0">
+            <a:schemeClr val="accent1"/>
+          </a:effectRef>
+          <a:fontRef idx="minor">
+            <a:schemeClr val="tx1"/>
+          </a:fontRef>
+        </p:style>
+      </p:cxnSp>
+      <p:sp>
+        <p:nvSpPr>
+          <p:cNvPr id="41" name="직사각형 40"/>
+          <p:cNvSpPr/>
+          <p:nvPr/>
+        </p:nvSpPr>
+        <p:spPr>
+          <a:xfrm>
+            <a:off x="2176732" y="5738128"/>
+            <a:ext cx="1556992" cy="726131"/>
+          </a:xfrm>
+          <a:prstGeom prst="rect">
+            <a:avLst/>
+          </a:prstGeom>
+          <a:noFill/>
+          <a:ln w="31750">
+            <a:solidFill>
+              <a:schemeClr val="accent1">
+                <a:shade val="50000"/>
+              </a:schemeClr>
+            </a:solidFill>
+          </a:ln>
+        </p:spPr>
+        <p:style>
+          <a:lnRef idx="2">
+            <a:schemeClr val="accent1">
+              <a:shade val="50000"/>
+            </a:schemeClr>
+          </a:lnRef>
+          <a:fillRef idx="1">
+            <a:schemeClr val="accent1"/>
+          </a:fillRef>
+          <a:effectRef idx="0">
+            <a:schemeClr val="accent1"/>
+          </a:effectRef>
+          <a:fontRef idx="minor">
+            <a:schemeClr val="lt1"/>
+          </a:fontRef>
+        </p:style>
+        <p:txBody>
+          <a:bodyPr rtlCol="0" anchor="ctr"/>
+          <a:lstStyle/>
+          <a:p>
+            <a:pPr algn="ctr"/>
+            <a:r>
+              <a:rPr lang="ko-KR" altLang="en-US" sz="1100" dirty="0">
+                <a:solidFill>
+                  <a:sysClr val="windowText" lastClr="000000"/>
+                </a:solidFill>
+              </a:rPr>
+              <a:t>강의평가 질문 정보 읽음</a:t>
+            </a:r>
+          </a:p>
+        </p:txBody>
+      </p:sp>
+      <p:cxnSp>
+        <p:nvCxnSpPr>
+          <p:cNvPr id="45" name="직선 화살표 연결선 44"/>
+          <p:cNvCxnSpPr>
+            <a:endCxn id="48" idx="0"/>
+          </p:cNvCxnSpPr>
+          <p:nvPr/>
+        </p:nvCxnSpPr>
+        <p:spPr>
+          <a:xfrm flipH="1">
+            <a:off x="5208774" y="4303628"/>
+            <a:ext cx="608334" cy="1447373"/>
+          </a:xfrm>
+          <a:prstGeom prst="straightConnector1">
+            <a:avLst/>
+          </a:prstGeom>
+          <a:ln w="38100">
+            <a:headEnd w="lg" len="lg"/>
+            <a:tailEnd type="triangle"/>
+          </a:ln>
+        </p:spPr>
+        <p:style>
+          <a:lnRef idx="1">
+            <a:schemeClr val="accent1"/>
+          </a:lnRef>
+          <a:fillRef idx="0">
+            <a:schemeClr val="accent1"/>
+          </a:fillRef>
+          <a:effectRef idx="0">
+            <a:schemeClr val="accent1"/>
+          </a:effectRef>
+          <a:fontRef idx="minor">
+            <a:schemeClr val="tx1"/>
+          </a:fontRef>
+        </p:style>
+      </p:cxnSp>
+      <p:sp>
+        <p:nvSpPr>
+          <p:cNvPr id="51" name="직사각형 50"/>
+          <p:cNvSpPr/>
+          <p:nvPr/>
+        </p:nvSpPr>
+        <p:spPr>
+          <a:xfrm>
+            <a:off x="5298144" y="3577497"/>
+            <a:ext cx="1556992" cy="726131"/>
+          </a:xfrm>
+          <a:prstGeom prst="rect">
+            <a:avLst/>
+          </a:prstGeom>
+          <a:noFill/>
+          <a:ln w="31750">
+            <a:solidFill>
+              <a:schemeClr val="accent1">
+                <a:shade val="50000"/>
+              </a:schemeClr>
+            </a:solidFill>
+          </a:ln>
+        </p:spPr>
+        <p:style>
+          <a:lnRef idx="2">
+            <a:schemeClr val="accent1">
+              <a:shade val="50000"/>
+            </a:schemeClr>
+          </a:lnRef>
+          <a:fillRef idx="1">
+            <a:schemeClr val="accent1"/>
+          </a:fillRef>
+          <a:effectRef idx="0">
+            <a:schemeClr val="accent1"/>
+          </a:effectRef>
+          <a:fontRef idx="minor">
+            <a:schemeClr val="lt1"/>
+          </a:fontRef>
+        </p:style>
+        <p:txBody>
+          <a:bodyPr rtlCol="0" anchor="ctr"/>
+          <a:lstStyle/>
+          <a:p>
+            <a:pPr algn="ctr"/>
+            <a:r>
+              <a:rPr lang="ko-KR" altLang="en-US" sz="1100" dirty="0" smtClean="0">
+                <a:solidFill>
+                  <a:sysClr val="windowText" lastClr="000000"/>
+                </a:solidFill>
+              </a:rPr>
+              <a:t>강의 평가 질문 조회 변환</a:t>
+            </a:r>
+            <a:endParaRPr lang="ko-KR" altLang="en-US" sz="1100" dirty="0">
+              <a:solidFill>
+                <a:sysClr val="windowText" lastClr="000000"/>
+              </a:solidFill>
+            </a:endParaRPr>
+          </a:p>
+        </p:txBody>
+      </p:sp>
+      <p:cxnSp>
+        <p:nvCxnSpPr>
+          <p:cNvPr id="60" name="직선 화살표 연결선 59"/>
+          <p:cNvCxnSpPr>
+            <a:stCxn id="57" idx="2"/>
+            <a:endCxn id="51" idx="0"/>
+          </p:cNvCxnSpPr>
+          <p:nvPr/>
+        </p:nvCxnSpPr>
+        <p:spPr>
+          <a:xfrm>
+            <a:off x="6076640" y="2664572"/>
+            <a:ext cx="0" cy="912925"/>
+          </a:xfrm>
+          <a:prstGeom prst="straightConnector1">
+            <a:avLst/>
+          </a:prstGeom>
+          <a:ln w="38100">
+            <a:headEnd w="lg" len="lg"/>
+            <a:tailEnd type="triangle"/>
+          </a:ln>
+        </p:spPr>
+        <p:style>
+          <a:lnRef idx="1">
+            <a:schemeClr val="accent1"/>
+          </a:lnRef>
+          <a:fillRef idx="0">
+            <a:schemeClr val="accent1"/>
+          </a:fillRef>
+          <a:effectRef idx="0">
+            <a:schemeClr val="accent1"/>
+          </a:effectRef>
+          <a:fontRef idx="minor">
+            <a:schemeClr val="tx1"/>
+          </a:fontRef>
+        </p:style>
+      </p:cxnSp>
+      <p:sp>
+        <p:nvSpPr>
+          <p:cNvPr id="66" name="직사각형 65"/>
+          <p:cNvSpPr/>
+          <p:nvPr/>
+        </p:nvSpPr>
+        <p:spPr>
+          <a:xfrm>
+            <a:off x="8656403" y="3577496"/>
+            <a:ext cx="1556992" cy="726131"/>
+          </a:xfrm>
+          <a:prstGeom prst="rect">
+            <a:avLst/>
+          </a:prstGeom>
+          <a:noFill/>
+          <a:ln w="31750">
+            <a:solidFill>
+              <a:schemeClr val="accent1">
+                <a:shade val="50000"/>
+              </a:schemeClr>
+            </a:solidFill>
+          </a:ln>
+        </p:spPr>
+        <p:style>
+          <a:lnRef idx="2">
+            <a:schemeClr val="accent1">
+              <a:shade val="50000"/>
+            </a:schemeClr>
+          </a:lnRef>
+          <a:fillRef idx="1">
+            <a:schemeClr val="accent1"/>
+          </a:fillRef>
+          <a:effectRef idx="0">
+            <a:schemeClr val="accent1"/>
+          </a:effectRef>
+          <a:fontRef idx="minor">
+            <a:schemeClr val="lt1"/>
+          </a:fontRef>
+        </p:style>
+        <p:txBody>
+          <a:bodyPr rtlCol="0" anchor="ctr"/>
+          <a:lstStyle/>
+          <a:p>
+            <a:pPr algn="ctr"/>
+            <a:r>
+              <a:rPr lang="ko-KR" altLang="en-US" sz="1100" dirty="0" smtClean="0">
+                <a:solidFill>
+                  <a:sysClr val="windowText" lastClr="000000"/>
+                </a:solidFill>
+              </a:rPr>
+              <a:t>강의 평가 질문 조회 출력</a:t>
+            </a:r>
+            <a:endParaRPr lang="ko-KR" altLang="en-US" sz="1100" dirty="0">
+              <a:solidFill>
+                <a:sysClr val="windowText" lastClr="000000"/>
+              </a:solidFill>
+            </a:endParaRPr>
+          </a:p>
+        </p:txBody>
+      </p:sp>
+      <p:cxnSp>
+        <p:nvCxnSpPr>
+          <p:cNvPr id="69" name="직선 화살표 연결선 68"/>
+          <p:cNvCxnSpPr>
+            <a:stCxn id="59" idx="2"/>
+            <a:endCxn id="66" idx="0"/>
+          </p:cNvCxnSpPr>
+          <p:nvPr/>
+        </p:nvCxnSpPr>
+        <p:spPr>
+          <a:xfrm>
+            <a:off x="9434899" y="2698153"/>
+            <a:ext cx="0" cy="879343"/>
+          </a:xfrm>
+          <a:prstGeom prst="straightConnector1">
+            <a:avLst/>
+          </a:prstGeom>
+          <a:ln w="38100">
+            <a:headEnd w="lg" len="lg"/>
+            <a:tailEnd type="triangle"/>
+          </a:ln>
+        </p:spPr>
+        <p:style>
+          <a:lnRef idx="1">
+            <a:schemeClr val="accent1"/>
+          </a:lnRef>
+          <a:fillRef idx="0">
+            <a:schemeClr val="accent1"/>
+          </a:fillRef>
+          <a:effectRef idx="0">
+            <a:schemeClr val="accent1"/>
+          </a:effectRef>
+          <a:fontRef idx="minor">
+            <a:schemeClr val="tx1"/>
+          </a:fontRef>
+        </p:style>
+      </p:cxnSp>
+      <p:sp>
+        <p:nvSpPr>
+          <p:cNvPr id="80" name="직사각형 79"/>
+          <p:cNvSpPr/>
+          <p:nvPr/>
+        </p:nvSpPr>
+        <p:spPr>
+          <a:xfrm>
+            <a:off x="1834684" y="3577495"/>
+            <a:ext cx="1556992" cy="726131"/>
+          </a:xfrm>
+          <a:prstGeom prst="rect">
+            <a:avLst/>
+          </a:prstGeom>
+          <a:noFill/>
+          <a:ln w="31750">
+            <a:solidFill>
+              <a:schemeClr val="accent1">
+                <a:shade val="50000"/>
+              </a:schemeClr>
+            </a:solidFill>
+          </a:ln>
+        </p:spPr>
+        <p:style>
+          <a:lnRef idx="2">
+            <a:schemeClr val="accent1">
+              <a:shade val="50000"/>
+            </a:schemeClr>
+          </a:lnRef>
+          <a:fillRef idx="1">
+            <a:schemeClr val="accent1"/>
+          </a:fillRef>
+          <a:effectRef idx="0">
+            <a:schemeClr val="accent1"/>
+          </a:effectRef>
+          <a:fontRef idx="minor">
+            <a:schemeClr val="lt1"/>
+          </a:fontRef>
+        </p:style>
+        <p:txBody>
+          <a:bodyPr rtlCol="0" anchor="ctr"/>
+          <a:lstStyle/>
+          <a:p>
+            <a:pPr algn="ctr"/>
+            <a:r>
+              <a:rPr lang="ko-KR" altLang="en-US" sz="1100" dirty="0" smtClean="0">
+                <a:solidFill>
+                  <a:sysClr val="windowText" lastClr="000000"/>
+                </a:solidFill>
+              </a:rPr>
+              <a:t>강의평가 질문 조회 입력</a:t>
+            </a:r>
+            <a:endParaRPr lang="ko-KR" altLang="en-US" sz="1100" dirty="0">
+              <a:solidFill>
+                <a:sysClr val="windowText" lastClr="000000"/>
+              </a:solidFill>
+            </a:endParaRPr>
+          </a:p>
+        </p:txBody>
+      </p:sp>
+      <p:sp>
+        <p:nvSpPr>
+          <p:cNvPr id="81" name="직사각형 80"/>
+          <p:cNvSpPr/>
+          <p:nvPr/>
+        </p:nvSpPr>
+        <p:spPr>
+          <a:xfrm>
+            <a:off x="10554243" y="5735073"/>
+            <a:ext cx="1556992" cy="726131"/>
+          </a:xfrm>
+          <a:prstGeom prst="rect">
+            <a:avLst/>
+          </a:prstGeom>
+          <a:noFill/>
+          <a:ln w="31750">
+            <a:solidFill>
+              <a:schemeClr val="accent1">
+                <a:shade val="50000"/>
+              </a:schemeClr>
+            </a:solidFill>
+          </a:ln>
+        </p:spPr>
+        <p:style>
+          <a:lnRef idx="2">
+            <a:schemeClr val="accent1">
+              <a:shade val="50000"/>
+            </a:schemeClr>
+          </a:lnRef>
+          <a:fillRef idx="1">
+            <a:schemeClr val="accent1"/>
+          </a:fillRef>
+          <a:effectRef idx="0">
+            <a:schemeClr val="accent1"/>
+          </a:effectRef>
+          <a:fontRef idx="minor">
+            <a:schemeClr val="lt1"/>
+          </a:fontRef>
+        </p:style>
+        <p:txBody>
+          <a:bodyPr rtlCol="0" anchor="ctr"/>
+          <a:lstStyle/>
+          <a:p>
+            <a:pPr algn="ctr"/>
+            <a:r>
+              <a:rPr lang="ko-KR" altLang="en-US" sz="1100" dirty="0">
+                <a:solidFill>
+                  <a:sysClr val="windowText" lastClr="000000"/>
+                </a:solidFill>
+              </a:rPr>
+              <a:t>강의평가 질문 조회 결과 출력</a:t>
+            </a:r>
+          </a:p>
+        </p:txBody>
+      </p:sp>
+      <p:cxnSp>
+        <p:nvCxnSpPr>
+          <p:cNvPr id="82" name="직선 화살표 연결선 81"/>
+          <p:cNvCxnSpPr>
+            <a:endCxn id="81" idx="0"/>
+          </p:cNvCxnSpPr>
+          <p:nvPr/>
+        </p:nvCxnSpPr>
+        <p:spPr>
+          <a:xfrm>
+            <a:off x="9679577" y="4303626"/>
+            <a:ext cx="1653162" cy="1431447"/>
+          </a:xfrm>
+          <a:prstGeom prst="straightConnector1">
+            <a:avLst/>
+          </a:prstGeom>
+          <a:ln w="38100">
+            <a:headEnd w="lg" len="lg"/>
+            <a:tailEnd type="triangle"/>
+          </a:ln>
+        </p:spPr>
+        <p:style>
+          <a:lnRef idx="1">
+            <a:schemeClr val="accent1"/>
+          </a:lnRef>
+          <a:fillRef idx="0">
+            <a:schemeClr val="accent1"/>
+          </a:fillRef>
+          <a:effectRef idx="0">
+            <a:schemeClr val="accent1"/>
+          </a:effectRef>
+          <a:fontRef idx="minor">
+            <a:schemeClr val="tx1"/>
+          </a:fontRef>
+        </p:style>
+      </p:cxnSp>
+      <p:cxnSp>
+        <p:nvCxnSpPr>
+          <p:cNvPr id="85" name="직선 화살표 연결선 84"/>
+          <p:cNvCxnSpPr>
+            <a:stCxn id="58" idx="2"/>
+            <a:endCxn id="80" idx="0"/>
+          </p:cNvCxnSpPr>
+          <p:nvPr/>
+        </p:nvCxnSpPr>
+        <p:spPr>
+          <a:xfrm flipH="1">
+            <a:off x="2613180" y="2658714"/>
+            <a:ext cx="2408" cy="918781"/>
           </a:xfrm>
           <a:prstGeom prst="straightConnector1">
             <a:avLst/>

--- a/SDD 관련 자료/작업 결과물/처리 모형도/강의평가 질문 조회.pptx
+++ b/SDD 관련 자료/작업 결과물/처리 모형도/강의평가 질문 조회.pptx
@@ -3126,68 +3126,8 @@
                   <a:sysClr val="windowText" lastClr="000000"/>
                 </a:solidFill>
               </a:rPr>
-              <a:t>강의평가 질문 조회 처리</a:t>
-            </a:r>
-          </a:p>
-        </p:txBody>
-      </p:sp>
-      <p:sp>
-        <p:nvSpPr>
-          <p:cNvPr id="7" name="직사각형 6"/>
-          <p:cNvSpPr/>
-          <p:nvPr/>
-        </p:nvSpPr>
-        <p:spPr>
-          <a:xfrm>
-            <a:off x="8656403" y="5735074"/>
-            <a:ext cx="1556992" cy="726131"/>
-          </a:xfrm>
-          <a:prstGeom prst="rect">
-            <a:avLst/>
-          </a:prstGeom>
-          <a:noFill/>
-          <a:ln w="31750">
-            <a:solidFill>
-              <a:schemeClr val="accent1">
-                <a:shade val="50000"/>
-              </a:schemeClr>
-            </a:solidFill>
-          </a:ln>
-        </p:spPr>
-        <p:style>
-          <a:lnRef idx="2">
-            <a:schemeClr val="accent1">
-              <a:shade val="50000"/>
-            </a:schemeClr>
-          </a:lnRef>
-          <a:fillRef idx="1">
-            <a:schemeClr val="accent1"/>
-          </a:fillRef>
-          <a:effectRef idx="0">
-            <a:schemeClr val="accent1"/>
-          </a:effectRef>
-          <a:fontRef idx="minor">
-            <a:schemeClr val="lt1"/>
-          </a:fontRef>
-        </p:style>
-        <p:txBody>
-          <a:bodyPr rtlCol="0" anchor="ctr"/>
-          <a:lstStyle/>
-          <a:p>
-            <a:pPr algn="ctr"/>
-            <a:r>
-              <a:rPr lang="ko-KR" altLang="en-US" sz="1100" dirty="0" smtClean="0">
-                <a:solidFill>
-                  <a:sysClr val="windowText" lastClr="000000"/>
-                </a:solidFill>
-              </a:rPr>
-              <a:t>권한 체크 에러 출력</a:t>
-            </a:r>
-            <a:endParaRPr lang="ko-KR" altLang="en-US" sz="1100" dirty="0">
-              <a:solidFill>
-                <a:sysClr val="windowText" lastClr="000000"/>
-              </a:solidFill>
-            </a:endParaRPr>
+              <a:t>강의평가 질문 조회 </a:t>
+            </a:r>
           </a:p>
         </p:txBody>
       </p:sp>
@@ -3418,7 +3358,31 @@
                   <a:sysClr val="windowText" lastClr="000000"/>
                 </a:solidFill>
               </a:rPr>
-              <a:t>권한 체크</a:t>
+              <a:t>강의 평가 질문 </a:t>
+            </a:r>
+            <a:r>
+              <a:rPr lang="ko-KR" altLang="en-US" sz="1100" dirty="0" err="1" smtClean="0">
+                <a:solidFill>
+                  <a:sysClr val="windowText" lastClr="000000"/>
+                </a:solidFill>
+              </a:rPr>
+              <a:t>조회권한</a:t>
+            </a:r>
+            <a:r>
+              <a:rPr lang="ko-KR" altLang="en-US" sz="1100" dirty="0" smtClean="0">
+                <a:solidFill>
+                  <a:sysClr val="windowText" lastClr="000000"/>
+                </a:solidFill>
+              </a:rPr>
+              <a:t> </a:t>
+            </a:r>
+            <a:r>
+              <a:rPr lang="ko-KR" altLang="en-US" sz="1100" dirty="0" smtClean="0">
+                <a:solidFill>
+                  <a:sysClr val="windowText" lastClr="000000"/>
+                </a:solidFill>
+              </a:rPr>
+              <a:t>확인</a:t>
             </a:r>
             <a:endParaRPr lang="ko-KR" altLang="en-US" sz="1100" dirty="0">
               <a:solidFill>
@@ -3680,43 +3644,6 @@
           </a:fontRef>
         </p:style>
       </p:cxnSp>
-      <p:cxnSp>
-        <p:nvCxnSpPr>
-          <p:cNvPr id="79" name="직선 화살표 연결선 78"/>
-          <p:cNvCxnSpPr>
-            <a:stCxn id="66" idx="2"/>
-            <a:endCxn id="7" idx="0"/>
-          </p:cNvCxnSpPr>
-          <p:nvPr/>
-        </p:nvCxnSpPr>
-        <p:spPr>
-          <a:xfrm>
-            <a:off x="9434899" y="4303627"/>
-            <a:ext cx="0" cy="1431447"/>
-          </a:xfrm>
-          <a:prstGeom prst="straightConnector1">
-            <a:avLst/>
-          </a:prstGeom>
-          <a:ln w="38100">
-            <a:headEnd w="lg" len="lg"/>
-            <a:tailEnd type="triangle"/>
-          </a:ln>
-        </p:spPr>
-        <p:style>
-          <a:lnRef idx="1">
-            <a:schemeClr val="accent1"/>
-          </a:lnRef>
-          <a:fillRef idx="0">
-            <a:schemeClr val="accent1"/>
-          </a:fillRef>
-          <a:effectRef idx="0">
-            <a:schemeClr val="accent1"/>
-          </a:effectRef>
-          <a:fontRef idx="minor">
-            <a:schemeClr val="tx1"/>
-          </a:fontRef>
-        </p:style>
-      </p:cxnSp>
       <p:sp>
         <p:nvSpPr>
           <p:cNvPr id="41" name="직사각형 40"/>
@@ -4070,7 +3997,7 @@
         </p:nvSpPr>
         <p:spPr>
           <a:xfrm>
-            <a:off x="10554243" y="5735073"/>
+            <a:off x="8656403" y="5735073"/>
             <a:ext cx="1556992" cy="726131"/>
           </a:xfrm>
           <a:prstGeom prst="rect">
@@ -4121,14 +4048,15 @@
         <p:nvCxnSpPr>
           <p:cNvPr id="82" name="직선 화살표 연결선 81"/>
           <p:cNvCxnSpPr>
+            <a:stCxn id="66" idx="2"/>
             <a:endCxn id="81" idx="0"/>
           </p:cNvCxnSpPr>
           <p:nvPr/>
         </p:nvCxnSpPr>
         <p:spPr>
           <a:xfrm>
-            <a:off x="9679577" y="4303626"/>
-            <a:ext cx="1653162" cy="1431447"/>
+            <a:off x="9434899" y="4303627"/>
+            <a:ext cx="0" cy="1431446"/>
           </a:xfrm>
           <a:prstGeom prst="straightConnector1">
             <a:avLst/>

--- a/SDD 관련 자료/작업 결과물/처리 모형도/강의평가 질문 조회.pptx
+++ b/SDD 관련 자료/작업 결과물/처리 모형도/강의평가 질문 조회.pptx
@@ -2977,7 +2977,7 @@
         </p:nvSpPr>
         <p:spPr>
           <a:xfrm>
-            <a:off x="187262" y="5751003"/>
+            <a:off x="244756" y="6189588"/>
             <a:ext cx="1556992" cy="726131"/>
           </a:xfrm>
           <a:prstGeom prst="rect">
@@ -3050,8 +3050,8 @@
         </p:nvCxnSpPr>
         <p:spPr>
           <a:xfrm flipH="1">
-            <a:off x="965758" y="4303626"/>
-            <a:ext cx="1306461" cy="1447377"/>
+            <a:off x="1023252" y="4342951"/>
+            <a:ext cx="1166931" cy="1846637"/>
           </a:xfrm>
           <a:prstGeom prst="straightConnector1">
             <a:avLst/>
@@ -3084,7 +3084,7 @@
         </p:nvSpPr>
         <p:spPr>
           <a:xfrm>
-            <a:off x="6417488" y="5735074"/>
+            <a:off x="6457853" y="6181507"/>
             <a:ext cx="1556992" cy="726131"/>
           </a:xfrm>
           <a:prstGeom prst="rect">
@@ -3316,7 +3316,7 @@
         </p:nvSpPr>
         <p:spPr>
           <a:xfrm>
-            <a:off x="4430278" y="5751001"/>
+            <a:off x="4385834" y="6199888"/>
             <a:ext cx="1556992" cy="726131"/>
           </a:xfrm>
           <a:prstGeom prst="rect">
@@ -3374,15 +3374,7 @@
                   <a:sysClr val="windowText" lastClr="000000"/>
                 </a:solidFill>
               </a:rPr>
-              <a:t> </a:t>
-            </a:r>
-            <a:r>
-              <a:rPr lang="ko-KR" altLang="en-US" sz="1100" dirty="0" smtClean="0">
-                <a:solidFill>
-                  <a:sysClr val="windowText" lastClr="000000"/>
-                </a:solidFill>
-              </a:rPr>
-              <a:t>확인</a:t>
+              <a:t> 확인</a:t>
             </a:r>
             <a:endParaRPr lang="ko-KR" altLang="en-US" sz="1100" dirty="0">
               <a:solidFill>
@@ -3582,8 +3574,8 @@
         </p:nvCxnSpPr>
         <p:spPr>
           <a:xfrm>
-            <a:off x="2803968" y="4303627"/>
-            <a:ext cx="151260" cy="1434501"/>
+            <a:off x="2920654" y="4342951"/>
+            <a:ext cx="48025" cy="1858582"/>
           </a:xfrm>
           <a:prstGeom prst="straightConnector1">
             <a:avLst/>
@@ -3618,8 +3610,8 @@
         </p:nvCxnSpPr>
         <p:spPr>
           <a:xfrm>
-            <a:off x="6358500" y="4303628"/>
-            <a:ext cx="837484" cy="1431446"/>
+            <a:off x="6388209" y="4262947"/>
+            <a:ext cx="848140" cy="1918560"/>
           </a:xfrm>
           <a:prstGeom prst="straightConnector1">
             <a:avLst/>
@@ -3652,7 +3644,7 @@
         </p:nvSpPr>
         <p:spPr>
           <a:xfrm>
-            <a:off x="2176732" y="5738128"/>
+            <a:off x="2190183" y="6201533"/>
             <a:ext cx="1556992" cy="726131"/>
           </a:xfrm>
           <a:prstGeom prst="rect">
@@ -3709,8 +3701,8 @@
         </p:nvCxnSpPr>
         <p:spPr>
           <a:xfrm flipH="1">
-            <a:off x="5208774" y="4303628"/>
-            <a:ext cx="608334" cy="1447373"/>
+            <a:off x="5164330" y="4262947"/>
+            <a:ext cx="654864" cy="1936941"/>
           </a:xfrm>
           <a:prstGeom prst="straightConnector1">
             <a:avLst/>
@@ -3997,7 +3989,7 @@
         </p:nvSpPr>
         <p:spPr>
           <a:xfrm>
-            <a:off x="8656403" y="5735073"/>
+            <a:off x="8711305" y="6199887"/>
             <a:ext cx="1556992" cy="726131"/>
           </a:xfrm>
           <a:prstGeom prst="rect">
@@ -4056,7 +4048,7 @@
         <p:spPr>
           <a:xfrm>
             <a:off x="9434899" y="4303627"/>
-            <a:ext cx="0" cy="1431446"/>
+            <a:ext cx="54902" cy="1896260"/>
           </a:xfrm>
           <a:prstGeom prst="straightConnector1">
             <a:avLst/>
@@ -4118,6 +4110,1350 @@
           </a:fontRef>
         </p:style>
       </p:cxnSp>
+      <p:grpSp>
+        <p:nvGrpSpPr>
+          <p:cNvPr id="25" name="그룹 24"/>
+          <p:cNvGrpSpPr/>
+          <p:nvPr/>
+        </p:nvGrpSpPr>
+        <p:grpSpPr>
+          <a:xfrm rot="16602684">
+            <a:off x="1030612" y="4804733"/>
+            <a:ext cx="465295" cy="429840"/>
+            <a:chOff x="5764817" y="2081712"/>
+            <a:chExt cx="465295" cy="429840"/>
+          </a:xfrm>
+        </p:grpSpPr>
+        <p:sp>
+          <p:nvSpPr>
+            <p:cNvPr id="27" name="타원 26"/>
+            <p:cNvSpPr/>
+            <p:nvPr/>
+          </p:nvSpPr>
+          <p:spPr>
+            <a:xfrm>
+              <a:off x="5764817" y="2081712"/>
+              <a:ext cx="254984" cy="254984"/>
+            </a:xfrm>
+            <a:prstGeom prst="ellipse">
+              <a:avLst/>
+            </a:prstGeom>
+            <a:noFill/>
+            <a:ln w="38100">
+              <a:solidFill>
+                <a:schemeClr val="accent1"/>
+              </a:solidFill>
+            </a:ln>
+          </p:spPr>
+          <p:style>
+            <a:lnRef idx="2">
+              <a:schemeClr val="accent1">
+                <a:shade val="50000"/>
+              </a:schemeClr>
+            </a:lnRef>
+            <a:fillRef idx="1">
+              <a:schemeClr val="accent1"/>
+            </a:fillRef>
+            <a:effectRef idx="0">
+              <a:schemeClr val="accent1"/>
+            </a:effectRef>
+            <a:fontRef idx="minor">
+              <a:schemeClr val="lt1"/>
+            </a:fontRef>
+          </p:style>
+          <p:txBody>
+            <a:bodyPr rtlCol="0" anchor="ctr"/>
+            <a:lstStyle/>
+            <a:p>
+              <a:pPr algn="ctr"/>
+              <a:endParaRPr lang="ko-KR" altLang="en-US"/>
+            </a:p>
+          </p:txBody>
+        </p:sp>
+        <p:cxnSp>
+          <p:nvCxnSpPr>
+            <p:cNvPr id="28" name="직선 연결선 27"/>
+            <p:cNvCxnSpPr>
+              <a:endCxn id="27" idx="5"/>
+            </p:cNvCxnSpPr>
+            <p:nvPr/>
+          </p:nvCxnSpPr>
+          <p:spPr>
+            <a:xfrm flipH="1" flipV="1">
+              <a:off x="5982459" y="2299354"/>
+              <a:ext cx="247653" cy="212198"/>
+            </a:xfrm>
+            <a:prstGeom prst="line">
+              <a:avLst/>
+            </a:prstGeom>
+            <a:ln w="38100">
+              <a:headEnd type="stealth" w="lg" len="lg"/>
+            </a:ln>
+          </p:spPr>
+          <p:style>
+            <a:lnRef idx="1">
+              <a:schemeClr val="accent1"/>
+            </a:lnRef>
+            <a:fillRef idx="0">
+              <a:schemeClr val="accent1"/>
+            </a:fillRef>
+            <a:effectRef idx="0">
+              <a:schemeClr val="accent1"/>
+            </a:effectRef>
+            <a:fontRef idx="minor">
+              <a:schemeClr val="tx1"/>
+            </a:fontRef>
+          </p:style>
+        </p:cxnSp>
+      </p:grpSp>
+      <p:sp>
+        <p:nvSpPr>
+          <p:cNvPr id="29" name="TextBox 28"/>
+          <p:cNvSpPr txBox="1"/>
+          <p:nvPr/>
+        </p:nvSpPr>
+        <p:spPr>
+          <a:xfrm rot="19199642">
+            <a:off x="24168" y="4738931"/>
+            <a:ext cx="2064041" cy="261610"/>
+          </a:xfrm>
+          <a:prstGeom prst="rect">
+            <a:avLst/>
+          </a:prstGeom>
+          <a:noFill/>
+        </p:spPr>
+        <p:txBody>
+          <a:bodyPr wrap="square" rtlCol="0">
+            <a:spAutoFit/>
+          </a:bodyPr>
+          <a:lstStyle/>
+          <a:p>
+            <a:r>
+              <a:rPr lang="ko-KR" altLang="en-US" sz="1100" dirty="0"/>
+              <a:t>강의평가 질문 조회 정보</a:t>
+            </a:r>
+            <a:endParaRPr lang="ko-KR" altLang="en-US" sz="1600" dirty="0"/>
+          </a:p>
+        </p:txBody>
+      </p:sp>
+      <p:grpSp>
+        <p:nvGrpSpPr>
+          <p:cNvPr id="30" name="그룹 29"/>
+          <p:cNvGrpSpPr/>
+          <p:nvPr/>
+        </p:nvGrpSpPr>
+        <p:grpSpPr>
+          <a:xfrm rot="12706589">
+            <a:off x="2930626" y="4770691"/>
+            <a:ext cx="465295" cy="429840"/>
+            <a:chOff x="5764817" y="2081712"/>
+            <a:chExt cx="465295" cy="429840"/>
+          </a:xfrm>
+        </p:grpSpPr>
+        <p:sp>
+          <p:nvSpPr>
+            <p:cNvPr id="31" name="타원 30"/>
+            <p:cNvSpPr/>
+            <p:nvPr/>
+          </p:nvSpPr>
+          <p:spPr>
+            <a:xfrm>
+              <a:off x="5764817" y="2081712"/>
+              <a:ext cx="254984" cy="254984"/>
+            </a:xfrm>
+            <a:prstGeom prst="ellipse">
+              <a:avLst/>
+            </a:prstGeom>
+            <a:noFill/>
+            <a:ln w="38100">
+              <a:solidFill>
+                <a:schemeClr val="accent1"/>
+              </a:solidFill>
+            </a:ln>
+          </p:spPr>
+          <p:style>
+            <a:lnRef idx="2">
+              <a:schemeClr val="accent1">
+                <a:shade val="50000"/>
+              </a:schemeClr>
+            </a:lnRef>
+            <a:fillRef idx="1">
+              <a:schemeClr val="accent1"/>
+            </a:fillRef>
+            <a:effectRef idx="0">
+              <a:schemeClr val="accent1"/>
+            </a:effectRef>
+            <a:fontRef idx="minor">
+              <a:schemeClr val="lt1"/>
+            </a:fontRef>
+          </p:style>
+          <p:txBody>
+            <a:bodyPr rtlCol="0" anchor="ctr"/>
+            <a:lstStyle/>
+            <a:p>
+              <a:pPr algn="ctr"/>
+              <a:endParaRPr lang="ko-KR" altLang="en-US"/>
+            </a:p>
+          </p:txBody>
+        </p:sp>
+        <p:cxnSp>
+          <p:nvCxnSpPr>
+            <p:cNvPr id="32" name="직선 연결선 31"/>
+            <p:cNvCxnSpPr>
+              <a:endCxn id="31" idx="5"/>
+            </p:cNvCxnSpPr>
+            <p:nvPr/>
+          </p:nvCxnSpPr>
+          <p:spPr>
+            <a:xfrm flipH="1" flipV="1">
+              <a:off x="5982459" y="2299354"/>
+              <a:ext cx="247653" cy="212198"/>
+            </a:xfrm>
+            <a:prstGeom prst="line">
+              <a:avLst/>
+            </a:prstGeom>
+            <a:ln w="38100">
+              <a:headEnd type="stealth" w="lg" len="lg"/>
+            </a:ln>
+          </p:spPr>
+          <p:style>
+            <a:lnRef idx="1">
+              <a:schemeClr val="accent1"/>
+            </a:lnRef>
+            <a:fillRef idx="0">
+              <a:schemeClr val="accent1"/>
+            </a:fillRef>
+            <a:effectRef idx="0">
+              <a:schemeClr val="accent1"/>
+            </a:effectRef>
+            <a:fontRef idx="minor">
+              <a:schemeClr val="tx1"/>
+            </a:fontRef>
+          </p:style>
+        </p:cxnSp>
+      </p:grpSp>
+      <p:sp>
+        <p:nvSpPr>
+          <p:cNvPr id="33" name="TextBox 32"/>
+          <p:cNvSpPr txBox="1"/>
+          <p:nvPr/>
+        </p:nvSpPr>
+        <p:spPr>
+          <a:xfrm rot="4299315">
+            <a:off x="2944409" y="4766778"/>
+            <a:ext cx="1204118" cy="430887"/>
+          </a:xfrm>
+          <a:prstGeom prst="rect">
+            <a:avLst/>
+          </a:prstGeom>
+          <a:noFill/>
+        </p:spPr>
+        <p:txBody>
+          <a:bodyPr wrap="square" rtlCol="0">
+            <a:spAutoFit/>
+          </a:bodyPr>
+          <a:lstStyle/>
+          <a:p>
+            <a:r>
+              <a:rPr lang="ko-KR" altLang="en-US" sz="1100" dirty="0"/>
+              <a:t>강의평가 </a:t>
+            </a:r>
+            <a:r>
+              <a:rPr lang="ko-KR" altLang="en-US" sz="1100" dirty="0" smtClean="0"/>
+              <a:t>질문</a:t>
+            </a:r>
+            <a:endParaRPr lang="en-US" altLang="ko-KR" sz="1100" dirty="0" smtClean="0"/>
+          </a:p>
+          <a:p>
+            <a:r>
+              <a:rPr lang="ko-KR" altLang="en-US" sz="1100" dirty="0" smtClean="0"/>
+              <a:t>리스트 </a:t>
+            </a:r>
+            <a:r>
+              <a:rPr lang="ko-KR" altLang="en-US" sz="1100" dirty="0"/>
+              <a:t>정보</a:t>
+            </a:r>
+            <a:endParaRPr lang="ko-KR" altLang="en-US" sz="1600" dirty="0"/>
+          </a:p>
+        </p:txBody>
+      </p:sp>
+      <p:grpSp>
+        <p:nvGrpSpPr>
+          <p:cNvPr id="34" name="그룹 33"/>
+          <p:cNvGrpSpPr/>
+          <p:nvPr/>
+        </p:nvGrpSpPr>
+        <p:grpSpPr>
+          <a:xfrm rot="12345449">
+            <a:off x="6363911" y="4868663"/>
+            <a:ext cx="465295" cy="429840"/>
+            <a:chOff x="5764817" y="2081712"/>
+            <a:chExt cx="465295" cy="429840"/>
+          </a:xfrm>
+        </p:grpSpPr>
+        <p:sp>
+          <p:nvSpPr>
+            <p:cNvPr id="35" name="타원 34"/>
+            <p:cNvSpPr/>
+            <p:nvPr/>
+          </p:nvSpPr>
+          <p:spPr>
+            <a:xfrm>
+              <a:off x="5764817" y="2081712"/>
+              <a:ext cx="254984" cy="254984"/>
+            </a:xfrm>
+            <a:prstGeom prst="ellipse">
+              <a:avLst/>
+            </a:prstGeom>
+            <a:noFill/>
+            <a:ln w="38100">
+              <a:solidFill>
+                <a:schemeClr val="accent1"/>
+              </a:solidFill>
+            </a:ln>
+          </p:spPr>
+          <p:style>
+            <a:lnRef idx="2">
+              <a:schemeClr val="accent1">
+                <a:shade val="50000"/>
+              </a:schemeClr>
+            </a:lnRef>
+            <a:fillRef idx="1">
+              <a:schemeClr val="accent1"/>
+            </a:fillRef>
+            <a:effectRef idx="0">
+              <a:schemeClr val="accent1"/>
+            </a:effectRef>
+            <a:fontRef idx="minor">
+              <a:schemeClr val="lt1"/>
+            </a:fontRef>
+          </p:style>
+          <p:txBody>
+            <a:bodyPr rtlCol="0" anchor="ctr"/>
+            <a:lstStyle/>
+            <a:p>
+              <a:pPr algn="ctr"/>
+              <a:endParaRPr lang="ko-KR" altLang="en-US"/>
+            </a:p>
+          </p:txBody>
+        </p:sp>
+        <p:cxnSp>
+          <p:nvCxnSpPr>
+            <p:cNvPr id="36" name="직선 연결선 35"/>
+            <p:cNvCxnSpPr>
+              <a:endCxn id="35" idx="5"/>
+            </p:cNvCxnSpPr>
+            <p:nvPr/>
+          </p:nvCxnSpPr>
+          <p:spPr>
+            <a:xfrm flipH="1" flipV="1">
+              <a:off x="5982459" y="2299354"/>
+              <a:ext cx="247653" cy="212198"/>
+            </a:xfrm>
+            <a:prstGeom prst="line">
+              <a:avLst/>
+            </a:prstGeom>
+            <a:ln w="38100">
+              <a:headEnd type="stealth" w="lg" len="lg"/>
+            </a:ln>
+          </p:spPr>
+          <p:style>
+            <a:lnRef idx="1">
+              <a:schemeClr val="accent1"/>
+            </a:lnRef>
+            <a:fillRef idx="0">
+              <a:schemeClr val="accent1"/>
+            </a:fillRef>
+            <a:effectRef idx="0">
+              <a:schemeClr val="accent1"/>
+            </a:effectRef>
+            <a:fontRef idx="minor">
+              <a:schemeClr val="tx1"/>
+            </a:fontRef>
+          </p:style>
+        </p:cxnSp>
+      </p:grpSp>
+      <p:sp>
+        <p:nvSpPr>
+          <p:cNvPr id="37" name="TextBox 36"/>
+          <p:cNvSpPr txBox="1"/>
+          <p:nvPr/>
+        </p:nvSpPr>
+        <p:spPr>
+          <a:xfrm rot="14864731">
+            <a:off x="5675818" y="4898427"/>
+            <a:ext cx="1221809" cy="430887"/>
+          </a:xfrm>
+          <a:prstGeom prst="rect">
+            <a:avLst/>
+          </a:prstGeom>
+          <a:noFill/>
+        </p:spPr>
+        <p:txBody>
+          <a:bodyPr wrap="none" rtlCol="0">
+            <a:spAutoFit/>
+          </a:bodyPr>
+          <a:lstStyle/>
+          <a:p>
+            <a:r>
+              <a:rPr lang="ko-KR" altLang="en-US" sz="1100" dirty="0"/>
+              <a:t>조회된 강의평가</a:t>
+            </a:r>
+            <a:endParaRPr lang="en-US" altLang="ko-KR" sz="1100" dirty="0"/>
+          </a:p>
+          <a:p>
+            <a:r>
+              <a:rPr lang="ko-KR" altLang="en-US" sz="1100" dirty="0"/>
+              <a:t>   질문 정보</a:t>
+            </a:r>
+            <a:endParaRPr lang="ko-KR" altLang="en-US" sz="1600" dirty="0"/>
+          </a:p>
+        </p:txBody>
+      </p:sp>
+      <p:grpSp>
+        <p:nvGrpSpPr>
+          <p:cNvPr id="38" name="그룹 37"/>
+          <p:cNvGrpSpPr/>
+          <p:nvPr/>
+        </p:nvGrpSpPr>
+        <p:grpSpPr>
+          <a:xfrm rot="1266336">
+            <a:off x="6604439" y="4502929"/>
+            <a:ext cx="465295" cy="429840"/>
+            <a:chOff x="5764817" y="2081712"/>
+            <a:chExt cx="465295" cy="429840"/>
+          </a:xfrm>
+        </p:grpSpPr>
+        <p:sp>
+          <p:nvSpPr>
+            <p:cNvPr id="39" name="타원 38"/>
+            <p:cNvSpPr/>
+            <p:nvPr/>
+          </p:nvSpPr>
+          <p:spPr>
+            <a:xfrm>
+              <a:off x="5764817" y="2081712"/>
+              <a:ext cx="254984" cy="254984"/>
+            </a:xfrm>
+            <a:prstGeom prst="ellipse">
+              <a:avLst/>
+            </a:prstGeom>
+            <a:noFill/>
+            <a:ln w="38100">
+              <a:solidFill>
+                <a:schemeClr val="accent1"/>
+              </a:solidFill>
+            </a:ln>
+          </p:spPr>
+          <p:style>
+            <a:lnRef idx="2">
+              <a:schemeClr val="accent1">
+                <a:shade val="50000"/>
+              </a:schemeClr>
+            </a:lnRef>
+            <a:fillRef idx="1">
+              <a:schemeClr val="accent1"/>
+            </a:fillRef>
+            <a:effectRef idx="0">
+              <a:schemeClr val="accent1"/>
+            </a:effectRef>
+            <a:fontRef idx="minor">
+              <a:schemeClr val="lt1"/>
+            </a:fontRef>
+          </p:style>
+          <p:txBody>
+            <a:bodyPr rtlCol="0" anchor="ctr"/>
+            <a:lstStyle/>
+            <a:p>
+              <a:pPr algn="ctr"/>
+              <a:endParaRPr lang="ko-KR" altLang="en-US"/>
+            </a:p>
+          </p:txBody>
+        </p:sp>
+        <p:cxnSp>
+          <p:nvCxnSpPr>
+            <p:cNvPr id="40" name="직선 연결선 39"/>
+            <p:cNvCxnSpPr>
+              <a:endCxn id="39" idx="5"/>
+            </p:cNvCxnSpPr>
+            <p:nvPr/>
+          </p:nvCxnSpPr>
+          <p:spPr>
+            <a:xfrm flipH="1" flipV="1">
+              <a:off x="5982459" y="2299354"/>
+              <a:ext cx="247653" cy="212198"/>
+            </a:xfrm>
+            <a:prstGeom prst="line">
+              <a:avLst/>
+            </a:prstGeom>
+            <a:ln w="38100">
+              <a:headEnd type="stealth" w="lg" len="lg"/>
+            </a:ln>
+          </p:spPr>
+          <p:style>
+            <a:lnRef idx="1">
+              <a:schemeClr val="accent1"/>
+            </a:lnRef>
+            <a:fillRef idx="0">
+              <a:schemeClr val="accent1"/>
+            </a:fillRef>
+            <a:effectRef idx="0">
+              <a:schemeClr val="accent1"/>
+            </a:effectRef>
+            <a:fontRef idx="minor">
+              <a:schemeClr val="tx1"/>
+            </a:fontRef>
+          </p:style>
+        </p:cxnSp>
+      </p:grpSp>
+      <p:sp>
+        <p:nvSpPr>
+          <p:cNvPr id="42" name="TextBox 41"/>
+          <p:cNvSpPr txBox="1"/>
+          <p:nvPr/>
+        </p:nvSpPr>
+        <p:spPr>
+          <a:xfrm rot="4114628">
+            <a:off x="6591000" y="4345190"/>
+            <a:ext cx="1221809" cy="430887"/>
+          </a:xfrm>
+          <a:prstGeom prst="rect">
+            <a:avLst/>
+          </a:prstGeom>
+          <a:noFill/>
+        </p:spPr>
+        <p:txBody>
+          <a:bodyPr wrap="none" rtlCol="0">
+            <a:spAutoFit/>
+          </a:bodyPr>
+          <a:lstStyle/>
+          <a:p>
+            <a:r>
+              <a:rPr lang="ko-KR" altLang="en-US" sz="1100" dirty="0"/>
+              <a:t>조회할 강의평가</a:t>
+            </a:r>
+            <a:endParaRPr lang="en-US" altLang="ko-KR" sz="1100" dirty="0"/>
+          </a:p>
+          <a:p>
+            <a:r>
+              <a:rPr lang="ko-KR" altLang="en-US" sz="1100" dirty="0"/>
+              <a:t>질문 결과 정보</a:t>
+            </a:r>
+            <a:endParaRPr lang="ko-KR" altLang="en-US" sz="1600" dirty="0"/>
+          </a:p>
+        </p:txBody>
+      </p:sp>
+      <p:grpSp>
+        <p:nvGrpSpPr>
+          <p:cNvPr id="43" name="그룹 42"/>
+          <p:cNvGrpSpPr/>
+          <p:nvPr/>
+        </p:nvGrpSpPr>
+        <p:grpSpPr>
+          <a:xfrm rot="1489898">
+            <a:off x="7010147" y="5476637"/>
+            <a:ext cx="465295" cy="429840"/>
+            <a:chOff x="5764817" y="2081712"/>
+            <a:chExt cx="465295" cy="429840"/>
+          </a:xfrm>
+        </p:grpSpPr>
+        <p:sp>
+          <p:nvSpPr>
+            <p:cNvPr id="44" name="타원 43"/>
+            <p:cNvSpPr/>
+            <p:nvPr/>
+          </p:nvSpPr>
+          <p:spPr>
+            <a:xfrm>
+              <a:off x="5764817" y="2081712"/>
+              <a:ext cx="254984" cy="254984"/>
+            </a:xfrm>
+            <a:prstGeom prst="ellipse">
+              <a:avLst/>
+            </a:prstGeom>
+            <a:noFill/>
+            <a:ln w="38100">
+              <a:solidFill>
+                <a:schemeClr val="accent1"/>
+              </a:solidFill>
+            </a:ln>
+          </p:spPr>
+          <p:style>
+            <a:lnRef idx="2">
+              <a:schemeClr val="accent1">
+                <a:shade val="50000"/>
+              </a:schemeClr>
+            </a:lnRef>
+            <a:fillRef idx="1">
+              <a:schemeClr val="accent1"/>
+            </a:fillRef>
+            <a:effectRef idx="0">
+              <a:schemeClr val="accent1"/>
+            </a:effectRef>
+            <a:fontRef idx="minor">
+              <a:schemeClr val="lt1"/>
+            </a:fontRef>
+          </p:style>
+          <p:txBody>
+            <a:bodyPr rtlCol="0" anchor="ctr"/>
+            <a:lstStyle/>
+            <a:p>
+              <a:pPr algn="ctr"/>
+              <a:endParaRPr lang="ko-KR" altLang="en-US"/>
+            </a:p>
+          </p:txBody>
+        </p:sp>
+        <p:cxnSp>
+          <p:nvCxnSpPr>
+            <p:cNvPr id="46" name="직선 연결선 45"/>
+            <p:cNvCxnSpPr>
+              <a:endCxn id="44" idx="5"/>
+            </p:cNvCxnSpPr>
+            <p:nvPr/>
+          </p:nvCxnSpPr>
+          <p:spPr>
+            <a:xfrm flipH="1" flipV="1">
+              <a:off x="5982459" y="2299354"/>
+              <a:ext cx="247653" cy="212198"/>
+            </a:xfrm>
+            <a:prstGeom prst="line">
+              <a:avLst/>
+            </a:prstGeom>
+            <a:ln w="38100">
+              <a:headEnd type="stealth" w="lg" len="lg"/>
+            </a:ln>
+          </p:spPr>
+          <p:style>
+            <a:lnRef idx="1">
+              <a:schemeClr val="accent1"/>
+            </a:lnRef>
+            <a:fillRef idx="0">
+              <a:schemeClr val="accent1"/>
+            </a:fillRef>
+            <a:effectRef idx="0">
+              <a:schemeClr val="accent1"/>
+            </a:effectRef>
+            <a:fontRef idx="minor">
+              <a:schemeClr val="tx1"/>
+            </a:fontRef>
+          </p:style>
+        </p:cxnSp>
+      </p:grpSp>
+      <p:sp>
+        <p:nvSpPr>
+          <p:cNvPr id="47" name="TextBox 46"/>
+          <p:cNvSpPr txBox="1"/>
+          <p:nvPr/>
+        </p:nvSpPr>
+        <p:spPr>
+          <a:xfrm rot="4183153">
+            <a:off x="7016468" y="5338456"/>
+            <a:ext cx="1080745" cy="430887"/>
+          </a:xfrm>
+          <a:prstGeom prst="rect">
+            <a:avLst/>
+          </a:prstGeom>
+          <a:noFill/>
+        </p:spPr>
+        <p:txBody>
+          <a:bodyPr wrap="none" rtlCol="0">
+            <a:spAutoFit/>
+          </a:bodyPr>
+          <a:lstStyle/>
+          <a:p>
+            <a:r>
+              <a:rPr lang="ko-KR" altLang="en-US" sz="1100" dirty="0"/>
+              <a:t>강의평가 </a:t>
+            </a:r>
+            <a:r>
+              <a:rPr lang="ko-KR" altLang="en-US" sz="1100" dirty="0" smtClean="0"/>
+              <a:t>질문</a:t>
+            </a:r>
+            <a:endParaRPr lang="en-US" altLang="ko-KR" sz="1100" dirty="0" smtClean="0"/>
+          </a:p>
+          <a:p>
+            <a:r>
+              <a:rPr lang="ko-KR" altLang="en-US" sz="1100" dirty="0" smtClean="0"/>
+              <a:t>리스트 </a:t>
+            </a:r>
+            <a:r>
+              <a:rPr lang="ko-KR" altLang="en-US" sz="1100" dirty="0"/>
+              <a:t>정보</a:t>
+            </a:r>
+            <a:endParaRPr lang="ko-KR" altLang="en-US" sz="1600" dirty="0"/>
+          </a:p>
+        </p:txBody>
+      </p:sp>
+      <p:grpSp>
+        <p:nvGrpSpPr>
+          <p:cNvPr id="50" name="그룹 49"/>
+          <p:cNvGrpSpPr/>
+          <p:nvPr/>
+        </p:nvGrpSpPr>
+        <p:grpSpPr>
+          <a:xfrm rot="2835959">
+            <a:off x="9486374" y="4968049"/>
+            <a:ext cx="465295" cy="429840"/>
+            <a:chOff x="5764817" y="2081712"/>
+            <a:chExt cx="465295" cy="429840"/>
+          </a:xfrm>
+        </p:grpSpPr>
+        <p:sp>
+          <p:nvSpPr>
+            <p:cNvPr id="52" name="타원 51"/>
+            <p:cNvSpPr/>
+            <p:nvPr/>
+          </p:nvSpPr>
+          <p:spPr>
+            <a:xfrm>
+              <a:off x="5764817" y="2081712"/>
+              <a:ext cx="254984" cy="254984"/>
+            </a:xfrm>
+            <a:prstGeom prst="ellipse">
+              <a:avLst/>
+            </a:prstGeom>
+            <a:noFill/>
+            <a:ln w="38100">
+              <a:solidFill>
+                <a:schemeClr val="accent1"/>
+              </a:solidFill>
+            </a:ln>
+          </p:spPr>
+          <p:style>
+            <a:lnRef idx="2">
+              <a:schemeClr val="accent1">
+                <a:shade val="50000"/>
+              </a:schemeClr>
+            </a:lnRef>
+            <a:fillRef idx="1">
+              <a:schemeClr val="accent1"/>
+            </a:fillRef>
+            <a:effectRef idx="0">
+              <a:schemeClr val="accent1"/>
+            </a:effectRef>
+            <a:fontRef idx="minor">
+              <a:schemeClr val="lt1"/>
+            </a:fontRef>
+          </p:style>
+          <p:txBody>
+            <a:bodyPr rtlCol="0" anchor="ctr"/>
+            <a:lstStyle/>
+            <a:p>
+              <a:pPr algn="ctr"/>
+              <a:endParaRPr lang="ko-KR" altLang="en-US"/>
+            </a:p>
+          </p:txBody>
+        </p:sp>
+        <p:cxnSp>
+          <p:nvCxnSpPr>
+            <p:cNvPr id="53" name="직선 연결선 52"/>
+            <p:cNvCxnSpPr>
+              <a:endCxn id="52" idx="5"/>
+            </p:cNvCxnSpPr>
+            <p:nvPr/>
+          </p:nvCxnSpPr>
+          <p:spPr>
+            <a:xfrm flipH="1" flipV="1">
+              <a:off x="5982459" y="2299354"/>
+              <a:ext cx="247653" cy="212198"/>
+            </a:xfrm>
+            <a:prstGeom prst="line">
+              <a:avLst/>
+            </a:prstGeom>
+            <a:ln w="38100">
+              <a:headEnd type="stealth" w="lg" len="lg"/>
+            </a:ln>
+          </p:spPr>
+          <p:style>
+            <a:lnRef idx="1">
+              <a:schemeClr val="accent1"/>
+            </a:lnRef>
+            <a:fillRef idx="0">
+              <a:schemeClr val="accent1"/>
+            </a:fillRef>
+            <a:effectRef idx="0">
+              <a:schemeClr val="accent1"/>
+            </a:effectRef>
+            <a:fontRef idx="minor">
+              <a:schemeClr val="tx1"/>
+            </a:fontRef>
+          </p:style>
+        </p:cxnSp>
+      </p:grpSp>
+      <p:sp>
+        <p:nvSpPr>
+          <p:cNvPr id="54" name="TextBox 53"/>
+          <p:cNvSpPr txBox="1"/>
+          <p:nvPr/>
+        </p:nvSpPr>
+        <p:spPr>
+          <a:xfrm rot="5400000">
+            <a:off x="9542345" y="4918873"/>
+            <a:ext cx="1130438" cy="430887"/>
+          </a:xfrm>
+          <a:prstGeom prst="rect">
+            <a:avLst/>
+          </a:prstGeom>
+          <a:noFill/>
+        </p:spPr>
+        <p:txBody>
+          <a:bodyPr wrap="none" rtlCol="0">
+            <a:spAutoFit/>
+          </a:bodyPr>
+          <a:lstStyle/>
+          <a:p>
+            <a:r>
+              <a:rPr lang="ko-KR" altLang="en-US" sz="1100" dirty="0"/>
+              <a:t>강의평가</a:t>
+            </a:r>
+            <a:r>
+              <a:rPr lang="en-US" altLang="ko-KR" sz="1100" dirty="0"/>
+              <a:t> </a:t>
+            </a:r>
+            <a:r>
+              <a:rPr lang="ko-KR" altLang="en-US" sz="1100" dirty="0" smtClean="0"/>
+              <a:t>질문</a:t>
+            </a:r>
+            <a:endParaRPr lang="en-US" altLang="ko-KR" sz="1100" dirty="0" smtClean="0"/>
+          </a:p>
+          <a:p>
+            <a:r>
+              <a:rPr lang="ko-KR" altLang="en-US" sz="1100" dirty="0" smtClean="0"/>
+              <a:t>조회 </a:t>
+            </a:r>
+            <a:r>
+              <a:rPr lang="ko-KR" altLang="en-US" sz="1100" dirty="0"/>
+              <a:t>결과 정보</a:t>
+            </a:r>
+            <a:endParaRPr lang="ko-KR" altLang="en-US" sz="1600" dirty="0"/>
+          </a:p>
+        </p:txBody>
+      </p:sp>
+      <p:grpSp>
+        <p:nvGrpSpPr>
+          <p:cNvPr id="56" name="그룹 55"/>
+          <p:cNvGrpSpPr/>
+          <p:nvPr/>
+        </p:nvGrpSpPr>
+        <p:grpSpPr>
+          <a:xfrm rot="4111914">
+            <a:off x="5390636" y="5418750"/>
+            <a:ext cx="465295" cy="429840"/>
+            <a:chOff x="5764817" y="2081712"/>
+            <a:chExt cx="465295" cy="429840"/>
+          </a:xfrm>
+        </p:grpSpPr>
+        <p:sp>
+          <p:nvSpPr>
+            <p:cNvPr id="61" name="타원 60"/>
+            <p:cNvSpPr/>
+            <p:nvPr/>
+          </p:nvSpPr>
+          <p:spPr>
+            <a:xfrm>
+              <a:off x="5764817" y="2081712"/>
+              <a:ext cx="254984" cy="254984"/>
+            </a:xfrm>
+            <a:prstGeom prst="ellipse">
+              <a:avLst/>
+            </a:prstGeom>
+            <a:noFill/>
+            <a:ln w="38100">
+              <a:solidFill>
+                <a:schemeClr val="accent1"/>
+              </a:solidFill>
+            </a:ln>
+          </p:spPr>
+          <p:style>
+            <a:lnRef idx="2">
+              <a:schemeClr val="accent1">
+                <a:shade val="50000"/>
+              </a:schemeClr>
+            </a:lnRef>
+            <a:fillRef idx="1">
+              <a:schemeClr val="accent1"/>
+            </a:fillRef>
+            <a:effectRef idx="0">
+              <a:schemeClr val="accent1"/>
+            </a:effectRef>
+            <a:fontRef idx="minor">
+              <a:schemeClr val="lt1"/>
+            </a:fontRef>
+          </p:style>
+          <p:txBody>
+            <a:bodyPr rtlCol="0" anchor="ctr"/>
+            <a:lstStyle/>
+            <a:p>
+              <a:pPr algn="ctr"/>
+              <a:endParaRPr lang="ko-KR" altLang="en-US"/>
+            </a:p>
+          </p:txBody>
+        </p:sp>
+        <p:cxnSp>
+          <p:nvCxnSpPr>
+            <p:cNvPr id="62" name="직선 연결선 61"/>
+            <p:cNvCxnSpPr>
+              <a:endCxn id="61" idx="5"/>
+            </p:cNvCxnSpPr>
+            <p:nvPr/>
+          </p:nvCxnSpPr>
+          <p:spPr>
+            <a:xfrm flipH="1" flipV="1">
+              <a:off x="5982459" y="2299354"/>
+              <a:ext cx="247653" cy="212198"/>
+            </a:xfrm>
+            <a:prstGeom prst="line">
+              <a:avLst/>
+            </a:prstGeom>
+            <a:ln w="38100">
+              <a:headEnd type="stealth" w="lg" len="lg"/>
+            </a:ln>
+          </p:spPr>
+          <p:style>
+            <a:lnRef idx="1">
+              <a:schemeClr val="accent1"/>
+            </a:lnRef>
+            <a:fillRef idx="0">
+              <a:schemeClr val="accent1"/>
+            </a:fillRef>
+            <a:effectRef idx="0">
+              <a:schemeClr val="accent1"/>
+            </a:effectRef>
+            <a:fontRef idx="minor">
+              <a:schemeClr val="tx1"/>
+            </a:fontRef>
+          </p:style>
+        </p:cxnSp>
+      </p:grpSp>
+      <p:sp>
+        <p:nvSpPr>
+          <p:cNvPr id="63" name="TextBox 62"/>
+          <p:cNvSpPr txBox="1"/>
+          <p:nvPr/>
+        </p:nvSpPr>
+        <p:spPr>
+          <a:xfrm rot="6619506">
+            <a:off x="5435388" y="5663363"/>
+            <a:ext cx="798617" cy="261610"/>
+          </a:xfrm>
+          <a:prstGeom prst="rect">
+            <a:avLst/>
+          </a:prstGeom>
+          <a:noFill/>
+        </p:spPr>
+        <p:txBody>
+          <a:bodyPr wrap="none" rtlCol="0">
+            <a:spAutoFit/>
+          </a:bodyPr>
+          <a:lstStyle/>
+          <a:p>
+            <a:r>
+              <a:rPr lang="ko-KR" altLang="en-US" sz="1100" dirty="0" smtClean="0"/>
+              <a:t>권한 정보</a:t>
+            </a:r>
+            <a:endParaRPr lang="ko-KR" altLang="en-US" sz="1600" dirty="0"/>
+          </a:p>
+        </p:txBody>
+      </p:sp>
+      <p:grpSp>
+        <p:nvGrpSpPr>
+          <p:cNvPr id="64" name="그룹 63"/>
+          <p:cNvGrpSpPr/>
+          <p:nvPr/>
+        </p:nvGrpSpPr>
+        <p:grpSpPr>
+          <a:xfrm rot="15236613">
+            <a:off x="5121180" y="4561738"/>
+            <a:ext cx="465295" cy="429840"/>
+            <a:chOff x="5764817" y="2081712"/>
+            <a:chExt cx="465295" cy="429840"/>
+          </a:xfrm>
+        </p:grpSpPr>
+        <p:sp>
+          <p:nvSpPr>
+            <p:cNvPr id="65" name="타원 64"/>
+            <p:cNvSpPr/>
+            <p:nvPr/>
+          </p:nvSpPr>
+          <p:spPr>
+            <a:xfrm>
+              <a:off x="5764817" y="2081712"/>
+              <a:ext cx="254984" cy="254984"/>
+            </a:xfrm>
+            <a:prstGeom prst="ellipse">
+              <a:avLst/>
+            </a:prstGeom>
+            <a:noFill/>
+            <a:ln w="38100">
+              <a:solidFill>
+                <a:schemeClr val="accent1"/>
+              </a:solidFill>
+            </a:ln>
+          </p:spPr>
+          <p:style>
+            <a:lnRef idx="2">
+              <a:schemeClr val="accent1">
+                <a:shade val="50000"/>
+              </a:schemeClr>
+            </a:lnRef>
+            <a:fillRef idx="1">
+              <a:schemeClr val="accent1"/>
+            </a:fillRef>
+            <a:effectRef idx="0">
+              <a:schemeClr val="accent1"/>
+            </a:effectRef>
+            <a:fontRef idx="minor">
+              <a:schemeClr val="lt1"/>
+            </a:fontRef>
+          </p:style>
+          <p:txBody>
+            <a:bodyPr rtlCol="0" anchor="ctr"/>
+            <a:lstStyle/>
+            <a:p>
+              <a:pPr algn="ctr"/>
+              <a:endParaRPr lang="ko-KR" altLang="en-US"/>
+            </a:p>
+          </p:txBody>
+        </p:sp>
+        <p:cxnSp>
+          <p:nvCxnSpPr>
+            <p:cNvPr id="67" name="직선 연결선 66"/>
+            <p:cNvCxnSpPr>
+              <a:endCxn id="65" idx="5"/>
+            </p:cNvCxnSpPr>
+            <p:nvPr/>
+          </p:nvCxnSpPr>
+          <p:spPr>
+            <a:xfrm flipH="1" flipV="1">
+              <a:off x="5982459" y="2299354"/>
+              <a:ext cx="247653" cy="212198"/>
+            </a:xfrm>
+            <a:prstGeom prst="line">
+              <a:avLst/>
+            </a:prstGeom>
+            <a:ln w="38100">
+              <a:headEnd type="stealth" w="lg" len="lg"/>
+            </a:ln>
+          </p:spPr>
+          <p:style>
+            <a:lnRef idx="1">
+              <a:schemeClr val="accent1"/>
+            </a:lnRef>
+            <a:fillRef idx="0">
+              <a:schemeClr val="accent1"/>
+            </a:fillRef>
+            <a:effectRef idx="0">
+              <a:schemeClr val="accent1"/>
+            </a:effectRef>
+            <a:fontRef idx="minor">
+              <a:schemeClr val="tx1"/>
+            </a:fontRef>
+          </p:style>
+        </p:cxnSp>
+      </p:grpSp>
+      <p:grpSp>
+        <p:nvGrpSpPr>
+          <p:cNvPr id="73" name="그룹 72"/>
+          <p:cNvGrpSpPr/>
+          <p:nvPr/>
+        </p:nvGrpSpPr>
+        <p:grpSpPr>
+          <a:xfrm rot="15236613">
+            <a:off x="4808233" y="5408957"/>
+            <a:ext cx="465295" cy="429840"/>
+            <a:chOff x="5764817" y="2081712"/>
+            <a:chExt cx="465295" cy="429840"/>
+          </a:xfrm>
+        </p:grpSpPr>
+        <p:sp>
+          <p:nvSpPr>
+            <p:cNvPr id="75" name="타원 74"/>
+            <p:cNvSpPr/>
+            <p:nvPr/>
+          </p:nvSpPr>
+          <p:spPr>
+            <a:xfrm>
+              <a:off x="5764817" y="2081712"/>
+              <a:ext cx="254984" cy="254984"/>
+            </a:xfrm>
+            <a:prstGeom prst="ellipse">
+              <a:avLst/>
+            </a:prstGeom>
+            <a:noFill/>
+            <a:ln w="38100">
+              <a:solidFill>
+                <a:schemeClr val="accent1"/>
+              </a:solidFill>
+            </a:ln>
+          </p:spPr>
+          <p:style>
+            <a:lnRef idx="2">
+              <a:schemeClr val="accent1">
+                <a:shade val="50000"/>
+              </a:schemeClr>
+            </a:lnRef>
+            <a:fillRef idx="1">
+              <a:schemeClr val="accent1"/>
+            </a:fillRef>
+            <a:effectRef idx="0">
+              <a:schemeClr val="accent1"/>
+            </a:effectRef>
+            <a:fontRef idx="minor">
+              <a:schemeClr val="lt1"/>
+            </a:fontRef>
+          </p:style>
+          <p:txBody>
+            <a:bodyPr rtlCol="0" anchor="ctr"/>
+            <a:lstStyle/>
+            <a:p>
+              <a:pPr algn="ctr"/>
+              <a:endParaRPr lang="ko-KR" altLang="en-US"/>
+            </a:p>
+          </p:txBody>
+        </p:sp>
+        <p:cxnSp>
+          <p:nvCxnSpPr>
+            <p:cNvPr id="76" name="직선 연결선 75"/>
+            <p:cNvCxnSpPr>
+              <a:endCxn id="75" idx="5"/>
+            </p:cNvCxnSpPr>
+            <p:nvPr/>
+          </p:nvCxnSpPr>
+          <p:spPr>
+            <a:xfrm flipH="1" flipV="1">
+              <a:off x="5982459" y="2299354"/>
+              <a:ext cx="247653" cy="212198"/>
+            </a:xfrm>
+            <a:prstGeom prst="line">
+              <a:avLst/>
+            </a:prstGeom>
+            <a:ln w="38100">
+              <a:headEnd type="stealth" w="lg" len="lg"/>
+            </a:ln>
+          </p:spPr>
+          <p:style>
+            <a:lnRef idx="1">
+              <a:schemeClr val="accent1"/>
+            </a:lnRef>
+            <a:fillRef idx="0">
+              <a:schemeClr val="accent1"/>
+            </a:fillRef>
+            <a:effectRef idx="0">
+              <a:schemeClr val="accent1"/>
+            </a:effectRef>
+            <a:fontRef idx="minor">
+              <a:schemeClr val="tx1"/>
+            </a:fontRef>
+          </p:style>
+        </p:cxnSp>
+      </p:grpSp>
+      <p:sp>
+        <p:nvSpPr>
+          <p:cNvPr id="77" name="TextBox 76"/>
+          <p:cNvSpPr txBox="1"/>
+          <p:nvPr/>
+        </p:nvSpPr>
+        <p:spPr>
+          <a:xfrm rot="18334913">
+            <a:off x="4588719" y="4512843"/>
+            <a:ext cx="798617" cy="430887"/>
+          </a:xfrm>
+          <a:prstGeom prst="rect">
+            <a:avLst/>
+          </a:prstGeom>
+          <a:noFill/>
+        </p:spPr>
+        <p:txBody>
+          <a:bodyPr wrap="none" rtlCol="0">
+            <a:spAutoFit/>
+          </a:bodyPr>
+          <a:lstStyle/>
+          <a:p>
+            <a:r>
+              <a:rPr lang="ko-KR" altLang="en-US" sz="1100" dirty="0" smtClean="0"/>
+              <a:t>권한 확인</a:t>
+            </a:r>
+            <a:endParaRPr lang="en-US" altLang="ko-KR" sz="1100" dirty="0" smtClean="0"/>
+          </a:p>
+          <a:p>
+            <a:r>
+              <a:rPr lang="ko-KR" altLang="en-US" sz="1100" dirty="0" smtClean="0"/>
+              <a:t>성공 정보</a:t>
+            </a:r>
+            <a:endParaRPr lang="ko-KR" altLang="en-US" sz="1600" dirty="0"/>
+          </a:p>
+        </p:txBody>
+      </p:sp>
+      <p:sp>
+        <p:nvSpPr>
+          <p:cNvPr id="78" name="TextBox 77"/>
+          <p:cNvSpPr txBox="1"/>
+          <p:nvPr/>
+        </p:nvSpPr>
+        <p:spPr>
+          <a:xfrm rot="18334913">
+            <a:off x="4275702" y="5272461"/>
+            <a:ext cx="798617" cy="430887"/>
+          </a:xfrm>
+          <a:prstGeom prst="rect">
+            <a:avLst/>
+          </a:prstGeom>
+          <a:noFill/>
+        </p:spPr>
+        <p:txBody>
+          <a:bodyPr wrap="none" rtlCol="0">
+            <a:spAutoFit/>
+          </a:bodyPr>
+          <a:lstStyle/>
+          <a:p>
+            <a:r>
+              <a:rPr lang="ko-KR" altLang="en-US" sz="1100" dirty="0" smtClean="0"/>
+              <a:t>권한 확인</a:t>
+            </a:r>
+            <a:endParaRPr lang="en-US" altLang="ko-KR" sz="1100" dirty="0" smtClean="0"/>
+          </a:p>
+          <a:p>
+            <a:r>
+              <a:rPr lang="ko-KR" altLang="en-US" sz="1100" dirty="0" smtClean="0"/>
+              <a:t>오류 정보</a:t>
+            </a:r>
+            <a:endParaRPr lang="ko-KR" altLang="en-US" sz="1600" dirty="0"/>
+          </a:p>
+        </p:txBody>
+      </p:sp>
+      <p:grpSp>
+        <p:nvGrpSpPr>
+          <p:cNvPr id="79" name="그룹 78"/>
+          <p:cNvGrpSpPr/>
+          <p:nvPr/>
+        </p:nvGrpSpPr>
+        <p:grpSpPr>
+          <a:xfrm rot="4915327">
+            <a:off x="1652634" y="5117877"/>
+            <a:ext cx="465295" cy="429840"/>
+            <a:chOff x="5764817" y="2081712"/>
+            <a:chExt cx="465295" cy="429840"/>
+          </a:xfrm>
+        </p:grpSpPr>
+        <p:sp>
+          <p:nvSpPr>
+            <p:cNvPr id="83" name="타원 82"/>
+            <p:cNvSpPr/>
+            <p:nvPr/>
+          </p:nvSpPr>
+          <p:spPr>
+            <a:xfrm>
+              <a:off x="5764817" y="2081712"/>
+              <a:ext cx="254984" cy="254984"/>
+            </a:xfrm>
+            <a:prstGeom prst="ellipse">
+              <a:avLst/>
+            </a:prstGeom>
+            <a:noFill/>
+            <a:ln w="38100">
+              <a:solidFill>
+                <a:schemeClr val="accent1"/>
+              </a:solidFill>
+            </a:ln>
+          </p:spPr>
+          <p:style>
+            <a:lnRef idx="2">
+              <a:schemeClr val="accent1">
+                <a:shade val="50000"/>
+              </a:schemeClr>
+            </a:lnRef>
+            <a:fillRef idx="1">
+              <a:schemeClr val="accent1"/>
+            </a:fillRef>
+            <a:effectRef idx="0">
+              <a:schemeClr val="accent1"/>
+            </a:effectRef>
+            <a:fontRef idx="minor">
+              <a:schemeClr val="lt1"/>
+            </a:fontRef>
+          </p:style>
+          <p:txBody>
+            <a:bodyPr rtlCol="0" anchor="ctr"/>
+            <a:lstStyle/>
+            <a:p>
+              <a:pPr algn="ctr"/>
+              <a:endParaRPr lang="ko-KR" altLang="en-US"/>
+            </a:p>
+          </p:txBody>
+        </p:sp>
+        <p:cxnSp>
+          <p:nvCxnSpPr>
+            <p:cNvPr id="84" name="직선 연결선 83"/>
+            <p:cNvCxnSpPr>
+              <a:endCxn id="83" idx="5"/>
+            </p:cNvCxnSpPr>
+            <p:nvPr/>
+          </p:nvCxnSpPr>
+          <p:spPr>
+            <a:xfrm flipH="1" flipV="1">
+              <a:off x="5982459" y="2299354"/>
+              <a:ext cx="247653" cy="212198"/>
+            </a:xfrm>
+            <a:prstGeom prst="line">
+              <a:avLst/>
+            </a:prstGeom>
+            <a:ln w="38100">
+              <a:headEnd type="stealth" w="lg" len="lg"/>
+            </a:ln>
+          </p:spPr>
+          <p:style>
+            <a:lnRef idx="1">
+              <a:schemeClr val="accent1"/>
+            </a:lnRef>
+            <a:fillRef idx="0">
+              <a:schemeClr val="accent1"/>
+            </a:fillRef>
+            <a:effectRef idx="0">
+              <a:schemeClr val="accent1"/>
+            </a:effectRef>
+            <a:fontRef idx="minor">
+              <a:schemeClr val="tx1"/>
+            </a:fontRef>
+          </p:style>
+        </p:cxnSp>
+      </p:grpSp>
+      <p:sp>
+        <p:nvSpPr>
+          <p:cNvPr id="86" name="TextBox 85"/>
+          <p:cNvSpPr txBox="1"/>
+          <p:nvPr/>
+        </p:nvSpPr>
+        <p:spPr>
+          <a:xfrm rot="6745839">
+            <a:off x="1809633" y="5271269"/>
+            <a:ext cx="798617" cy="430887"/>
+          </a:xfrm>
+          <a:prstGeom prst="rect">
+            <a:avLst/>
+          </a:prstGeom>
+          <a:noFill/>
+        </p:spPr>
+        <p:txBody>
+          <a:bodyPr wrap="none" rtlCol="0">
+            <a:spAutoFit/>
+          </a:bodyPr>
+          <a:lstStyle/>
+          <a:p>
+            <a:r>
+              <a:rPr lang="ko-KR" altLang="en-US" sz="1100" dirty="0" smtClean="0"/>
+              <a:t>권한 확인</a:t>
+            </a:r>
+            <a:endParaRPr lang="en-US" altLang="ko-KR" sz="1100" dirty="0" smtClean="0"/>
+          </a:p>
+          <a:p>
+            <a:r>
+              <a:rPr lang="ko-KR" altLang="en-US" sz="1100" dirty="0" smtClean="0"/>
+              <a:t>성공 정보</a:t>
+            </a:r>
+            <a:endParaRPr lang="ko-KR" altLang="en-US" sz="1600" dirty="0"/>
+          </a:p>
+        </p:txBody>
+      </p:sp>
     </p:spTree>
     <p:extLst>
       <p:ext uri="{BB962C8B-B14F-4D97-AF65-F5344CB8AC3E}">

--- a/SDD 관련 자료/작업 결과물/처리 모형도/강의평가 질문 조회.pptx
+++ b/SDD 관련 자료/작업 결과물/처리 모형도/강의평가 질문 조회.pptx
@@ -3134,14 +3134,12 @@
       <p:cxnSp>
         <p:nvCxnSpPr>
           <p:cNvPr id="8" name="직선 화살표 연결선 7"/>
-          <p:cNvCxnSpPr>
-            <a:endCxn id="58" idx="0"/>
-          </p:cNvCxnSpPr>
+          <p:cNvCxnSpPr/>
           <p:nvPr/>
         </p:nvCxnSpPr>
         <p:spPr>
           <a:xfrm flipH="1">
-            <a:off x="2615588" y="854134"/>
+            <a:off x="2507880" y="2478073"/>
             <a:ext cx="3049892" cy="1078449"/>
           </a:xfrm>
           <a:prstGeom prst="straightConnector1">
@@ -3170,14 +3168,12 @@
       <p:cxnSp>
         <p:nvCxnSpPr>
           <p:cNvPr id="9" name="직선 화살표 연결선 8"/>
-          <p:cNvCxnSpPr>
-            <a:endCxn id="59" idx="0"/>
-          </p:cNvCxnSpPr>
+          <p:cNvCxnSpPr/>
           <p:nvPr/>
         </p:nvCxnSpPr>
         <p:spPr>
           <a:xfrm>
-            <a:off x="6457853" y="854134"/>
+            <a:off x="6350145" y="2478073"/>
             <a:ext cx="2977046" cy="1117888"/>
           </a:xfrm>
           <a:prstGeom prst="straightConnector1">
@@ -3211,7 +3207,7 @@
         </p:nvSpPr>
         <p:spPr>
           <a:xfrm>
-            <a:off x="5268197" y="128003"/>
+            <a:off x="5251568" y="1773725"/>
             <a:ext cx="1556992" cy="726131"/>
           </a:xfrm>
           <a:prstGeom prst="rect">
@@ -3261,7 +3257,7 @@
                   <a:sysClr val="windowText" lastClr="000000"/>
                 </a:solidFill>
               </a:rPr>
-              <a:t>관리</a:t>
+              <a:t>질문 조회 화면</a:t>
             </a:r>
             <a:endParaRPr lang="ko-KR" altLang="en-US" sz="1100" dirty="0">
               <a:solidFill>
@@ -3271,43 +3267,6 @@
           </a:p>
         </p:txBody>
       </p:sp>
-      <p:cxnSp>
-        <p:nvCxnSpPr>
-          <p:cNvPr id="26" name="직선 화살표 연결선 25"/>
-          <p:cNvCxnSpPr>
-            <a:stCxn id="21" idx="2"/>
-            <a:endCxn id="57" idx="0"/>
-          </p:cNvCxnSpPr>
-          <p:nvPr/>
-        </p:nvCxnSpPr>
-        <p:spPr>
-          <a:xfrm>
-            <a:off x="6046693" y="854134"/>
-            <a:ext cx="29947" cy="1084307"/>
-          </a:xfrm>
-          <a:prstGeom prst="straightConnector1">
-            <a:avLst/>
-          </a:prstGeom>
-          <a:ln w="38100">
-            <a:headEnd w="lg" len="lg"/>
-            <a:tailEnd type="triangle"/>
-          </a:ln>
-        </p:spPr>
-        <p:style>
-          <a:lnRef idx="1">
-            <a:schemeClr val="accent1"/>
-          </a:lnRef>
-          <a:fillRef idx="0">
-            <a:schemeClr val="accent1"/>
-          </a:fillRef>
-          <a:effectRef idx="0">
-            <a:schemeClr val="accent1"/>
-          </a:effectRef>
-          <a:fontRef idx="minor">
-            <a:schemeClr val="tx1"/>
-          </a:fontRef>
-        </p:style>
-      </p:cxnSp>
       <p:sp>
         <p:nvSpPr>
           <p:cNvPr id="48" name="직사각형 47"/>
@@ -3375,186 +3334,6 @@
                 </a:solidFill>
               </a:rPr>
               <a:t> 확인</a:t>
-            </a:r>
-            <a:endParaRPr lang="ko-KR" altLang="en-US" sz="1100" dirty="0">
-              <a:solidFill>
-                <a:sysClr val="windowText" lastClr="000000"/>
-              </a:solidFill>
-            </a:endParaRPr>
-          </a:p>
-        </p:txBody>
-      </p:sp>
-      <p:sp>
-        <p:nvSpPr>
-          <p:cNvPr id="57" name="직사각형 56"/>
-          <p:cNvSpPr/>
-          <p:nvPr/>
-        </p:nvSpPr>
-        <p:spPr>
-          <a:xfrm>
-            <a:off x="5298144" y="1938441"/>
-            <a:ext cx="1556992" cy="726131"/>
-          </a:xfrm>
-          <a:prstGeom prst="rect">
-            <a:avLst/>
-          </a:prstGeom>
-          <a:noFill/>
-          <a:ln w="31750">
-            <a:solidFill>
-              <a:schemeClr val="accent1">
-                <a:shade val="50000"/>
-              </a:schemeClr>
-            </a:solidFill>
-          </a:ln>
-        </p:spPr>
-        <p:style>
-          <a:lnRef idx="2">
-            <a:schemeClr val="accent1">
-              <a:shade val="50000"/>
-            </a:schemeClr>
-          </a:lnRef>
-          <a:fillRef idx="1">
-            <a:schemeClr val="accent1"/>
-          </a:fillRef>
-          <a:effectRef idx="0">
-            <a:schemeClr val="accent1"/>
-          </a:effectRef>
-          <a:fontRef idx="minor">
-            <a:schemeClr val="lt1"/>
-          </a:fontRef>
-        </p:style>
-        <p:txBody>
-          <a:bodyPr rtlCol="0" anchor="ctr"/>
-          <a:lstStyle/>
-          <a:p>
-            <a:pPr algn="ctr"/>
-            <a:r>
-              <a:rPr lang="ko-KR" altLang="en-US" sz="1100" dirty="0" smtClean="0">
-                <a:solidFill>
-                  <a:sysClr val="windowText" lastClr="000000"/>
-                </a:solidFill>
-              </a:rPr>
-              <a:t>변환</a:t>
-            </a:r>
-            <a:endParaRPr lang="ko-KR" altLang="en-US" sz="1100" dirty="0">
-              <a:solidFill>
-                <a:sysClr val="windowText" lastClr="000000"/>
-              </a:solidFill>
-            </a:endParaRPr>
-          </a:p>
-        </p:txBody>
-      </p:sp>
-      <p:sp>
-        <p:nvSpPr>
-          <p:cNvPr id="58" name="직사각형 57"/>
-          <p:cNvSpPr/>
-          <p:nvPr/>
-        </p:nvSpPr>
-        <p:spPr>
-          <a:xfrm>
-            <a:off x="1837092" y="1932583"/>
-            <a:ext cx="1556992" cy="726131"/>
-          </a:xfrm>
-          <a:prstGeom prst="rect">
-            <a:avLst/>
-          </a:prstGeom>
-          <a:noFill/>
-          <a:ln w="31750">
-            <a:solidFill>
-              <a:schemeClr val="accent1">
-                <a:shade val="50000"/>
-              </a:schemeClr>
-            </a:solidFill>
-          </a:ln>
-        </p:spPr>
-        <p:style>
-          <a:lnRef idx="2">
-            <a:schemeClr val="accent1">
-              <a:shade val="50000"/>
-            </a:schemeClr>
-          </a:lnRef>
-          <a:fillRef idx="1">
-            <a:schemeClr val="accent1"/>
-          </a:fillRef>
-          <a:effectRef idx="0">
-            <a:schemeClr val="accent1"/>
-          </a:effectRef>
-          <a:fontRef idx="minor">
-            <a:schemeClr val="lt1"/>
-          </a:fontRef>
-        </p:style>
-        <p:txBody>
-          <a:bodyPr rtlCol="0" anchor="ctr"/>
-          <a:lstStyle/>
-          <a:p>
-            <a:pPr algn="ctr"/>
-            <a:r>
-              <a:rPr lang="ko-KR" altLang="en-US" sz="1100" dirty="0" smtClean="0">
-                <a:solidFill>
-                  <a:sysClr val="windowText" lastClr="000000"/>
-                </a:solidFill>
-              </a:rPr>
-              <a:t>입력</a:t>
-            </a:r>
-            <a:endParaRPr lang="ko-KR" altLang="en-US" sz="1100" dirty="0">
-              <a:solidFill>
-                <a:sysClr val="windowText" lastClr="000000"/>
-              </a:solidFill>
-            </a:endParaRPr>
-          </a:p>
-        </p:txBody>
-      </p:sp>
-      <p:sp>
-        <p:nvSpPr>
-          <p:cNvPr id="59" name="직사각형 58"/>
-          <p:cNvSpPr/>
-          <p:nvPr/>
-        </p:nvSpPr>
-        <p:spPr>
-          <a:xfrm>
-            <a:off x="8656403" y="1972022"/>
-            <a:ext cx="1556992" cy="726131"/>
-          </a:xfrm>
-          <a:prstGeom prst="rect">
-            <a:avLst/>
-          </a:prstGeom>
-          <a:noFill/>
-          <a:ln w="31750">
-            <a:solidFill>
-              <a:schemeClr val="accent1">
-                <a:shade val="50000"/>
-              </a:schemeClr>
-            </a:solidFill>
-          </a:ln>
-        </p:spPr>
-        <p:style>
-          <a:lnRef idx="2">
-            <a:schemeClr val="accent1">
-              <a:shade val="50000"/>
-            </a:schemeClr>
-          </a:lnRef>
-          <a:fillRef idx="1">
-            <a:schemeClr val="accent1"/>
-          </a:fillRef>
-          <a:effectRef idx="0">
-            <a:schemeClr val="accent1"/>
-          </a:effectRef>
-          <a:fontRef idx="minor">
-            <a:schemeClr val="lt1"/>
-          </a:fontRef>
-        </p:style>
-        <p:txBody>
-          <a:bodyPr rtlCol="0" anchor="ctr"/>
-          <a:lstStyle/>
-          <a:p>
-            <a:pPr algn="ctr"/>
-            <a:r>
-              <a:rPr lang="ko-KR" altLang="en-US" sz="1100" dirty="0" smtClean="0">
-                <a:solidFill>
-                  <a:sysClr val="windowText" lastClr="000000"/>
-                </a:solidFill>
-              </a:rPr>
-              <a:t>출력</a:t>
             </a:r>
             <a:endParaRPr lang="ko-KR" altLang="en-US" sz="1100" dirty="0">
               <a:solidFill>
@@ -3791,15 +3570,15 @@
         <p:nvCxnSpPr>
           <p:cNvPr id="60" name="직선 화살표 연결선 59"/>
           <p:cNvCxnSpPr>
-            <a:stCxn id="57" idx="2"/>
+            <a:stCxn id="21" idx="2"/>
             <a:endCxn id="51" idx="0"/>
           </p:cNvCxnSpPr>
           <p:nvPr/>
         </p:nvCxnSpPr>
         <p:spPr>
           <a:xfrm>
-            <a:off x="6076640" y="2664572"/>
-            <a:ext cx="0" cy="912925"/>
+            <a:off x="6030064" y="2499856"/>
+            <a:ext cx="46576" cy="1077641"/>
           </a:xfrm>
           <a:prstGeom prst="straightConnector1">
             <a:avLst/>
@@ -3884,43 +3663,6 @@
           </a:p>
         </p:txBody>
       </p:sp>
-      <p:cxnSp>
-        <p:nvCxnSpPr>
-          <p:cNvPr id="69" name="직선 화살표 연결선 68"/>
-          <p:cNvCxnSpPr>
-            <a:stCxn id="59" idx="2"/>
-            <a:endCxn id="66" idx="0"/>
-          </p:cNvCxnSpPr>
-          <p:nvPr/>
-        </p:nvCxnSpPr>
-        <p:spPr>
-          <a:xfrm>
-            <a:off x="9434899" y="2698153"/>
-            <a:ext cx="0" cy="879343"/>
-          </a:xfrm>
-          <a:prstGeom prst="straightConnector1">
-            <a:avLst/>
-          </a:prstGeom>
-          <a:ln w="38100">
-            <a:headEnd w="lg" len="lg"/>
-            <a:tailEnd type="triangle"/>
-          </a:ln>
-        </p:spPr>
-        <p:style>
-          <a:lnRef idx="1">
-            <a:schemeClr val="accent1"/>
-          </a:lnRef>
-          <a:fillRef idx="0">
-            <a:schemeClr val="accent1"/>
-          </a:fillRef>
-          <a:effectRef idx="0">
-            <a:schemeClr val="accent1"/>
-          </a:effectRef>
-          <a:fontRef idx="minor">
-            <a:schemeClr val="tx1"/>
-          </a:fontRef>
-        </p:style>
-      </p:cxnSp>
       <p:sp>
         <p:nvSpPr>
           <p:cNvPr id="80" name="직사각형 79"/>
@@ -4049,43 +3791,6 @@
           <a:xfrm>
             <a:off x="9434899" y="4303627"/>
             <a:ext cx="54902" cy="1896260"/>
-          </a:xfrm>
-          <a:prstGeom prst="straightConnector1">
-            <a:avLst/>
-          </a:prstGeom>
-          <a:ln w="38100">
-            <a:headEnd w="lg" len="lg"/>
-            <a:tailEnd type="triangle"/>
-          </a:ln>
-        </p:spPr>
-        <p:style>
-          <a:lnRef idx="1">
-            <a:schemeClr val="accent1"/>
-          </a:lnRef>
-          <a:fillRef idx="0">
-            <a:schemeClr val="accent1"/>
-          </a:fillRef>
-          <a:effectRef idx="0">
-            <a:schemeClr val="accent1"/>
-          </a:effectRef>
-          <a:fontRef idx="minor">
-            <a:schemeClr val="tx1"/>
-          </a:fontRef>
-        </p:style>
-      </p:cxnSp>
-      <p:cxnSp>
-        <p:nvCxnSpPr>
-          <p:cNvPr id="85" name="직선 화살표 연결선 84"/>
-          <p:cNvCxnSpPr>
-            <a:stCxn id="58" idx="2"/>
-            <a:endCxn id="80" idx="0"/>
-          </p:cNvCxnSpPr>
-          <p:nvPr/>
-        </p:nvCxnSpPr>
-        <p:spPr>
-          <a:xfrm flipH="1">
-            <a:off x="2613180" y="2658714"/>
-            <a:ext cx="2408" cy="918781"/>
           </a:xfrm>
           <a:prstGeom prst="straightConnector1">
             <a:avLst/>

--- a/SDD 관련 자료/작업 결과물/처리 모형도/강의평가 질문 조회.pptx
+++ b/SDD 관련 자료/작업 결과물/처리 모형도/강의평가 질문 조회.pptx
@@ -3139,8 +3139,8 @@
         </p:nvCxnSpPr>
         <p:spPr>
           <a:xfrm flipH="1">
-            <a:off x="2507880" y="2478073"/>
-            <a:ext cx="3049892" cy="1078449"/>
+            <a:off x="2507881" y="771863"/>
+            <a:ext cx="3062186" cy="2784659"/>
           </a:xfrm>
           <a:prstGeom prst="straightConnector1">
             <a:avLst/>
@@ -3173,8 +3173,8 @@
         </p:nvCxnSpPr>
         <p:spPr>
           <a:xfrm>
-            <a:off x="6350145" y="2478073"/>
-            <a:ext cx="2977046" cy="1117888"/>
+            <a:off x="6490534" y="771863"/>
+            <a:ext cx="2836657" cy="2824098"/>
           </a:xfrm>
           <a:prstGeom prst="straightConnector1">
             <a:avLst/>
@@ -3207,7 +3207,7 @@
         </p:nvSpPr>
         <p:spPr>
           <a:xfrm>
-            <a:off x="5251568" y="1773725"/>
+            <a:off x="5239004" y="34774"/>
             <a:ext cx="1556992" cy="726131"/>
           </a:xfrm>
           <a:prstGeom prst="rect">
@@ -3352,9 +3352,9 @@
           <p:nvPr/>
         </p:nvCxnSpPr>
         <p:spPr>
-          <a:xfrm>
-            <a:off x="2920654" y="4342951"/>
-            <a:ext cx="48025" cy="1858582"/>
+          <a:xfrm flipH="1">
+            <a:off x="2968679" y="4106089"/>
+            <a:ext cx="2323417" cy="2095444"/>
           </a:xfrm>
           <a:prstGeom prst="straightConnector1">
             <a:avLst/>
@@ -3382,9 +3382,7 @@
       <p:cxnSp>
         <p:nvCxnSpPr>
           <p:cNvPr id="74" name="직선 화살표 연결선 73"/>
-          <p:cNvCxnSpPr>
-            <a:endCxn id="6" idx="0"/>
-          </p:cNvCxnSpPr>
+          <p:cNvCxnSpPr/>
           <p:nvPr/>
         </p:nvCxnSpPr>
         <p:spPr>
@@ -3577,8 +3575,8 @@
         </p:nvCxnSpPr>
         <p:spPr>
           <a:xfrm>
-            <a:off x="6030064" y="2499856"/>
-            <a:ext cx="46576" cy="1077641"/>
+            <a:off x="6017500" y="760905"/>
+            <a:ext cx="59140" cy="2816592"/>
           </a:xfrm>
           <a:prstGeom prst="straightConnector1">
             <a:avLst/>
@@ -3948,8 +3946,8 @@
           <p:nvPr/>
         </p:nvGrpSpPr>
         <p:grpSpPr>
-          <a:xfrm rot="12706589">
-            <a:off x="2930626" y="4770691"/>
+          <a:xfrm rot="16200000">
+            <a:off x="3479553" y="5005331"/>
             <a:ext cx="465295" cy="429840"/>
             <a:chOff x="5764817" y="2081712"/>
             <a:chExt cx="465295" cy="429840"/>
@@ -4044,7 +4042,7 @@
           <p:nvPr/>
         </p:nvSpPr>
         <p:spPr>
-          <a:xfrm rot="4299315">
+          <a:xfrm rot="18865723">
             <a:off x="2944409" y="4766778"/>
             <a:ext cx="1204118" cy="430887"/>
           </a:xfrm>
@@ -4090,7 +4088,7 @@
         </p:nvGrpSpPr>
         <p:grpSpPr>
           <a:xfrm rot="12345449">
-            <a:off x="6363911" y="4868663"/>
+            <a:off x="6220594" y="4547864"/>
             <a:ext cx="465295" cy="429840"/>
             <a:chOff x="5764817" y="2081712"/>
             <a:chExt cx="465295" cy="429840"/>
@@ -4186,7 +4184,7 @@
         </p:nvSpPr>
         <p:spPr>
           <a:xfrm rot="14864731">
-            <a:off x="5675818" y="4898427"/>
+            <a:off x="5532501" y="4577628"/>
             <a:ext cx="1221809" cy="430887"/>
           </a:xfrm>
           <a:prstGeom prst="rect">
@@ -4762,21 +4760,160 @@
       </p:sp>
       <p:grpSp>
         <p:nvGrpSpPr>
-          <p:cNvPr id="64" name="그룹 63"/>
+          <p:cNvPr id="11" name="그룹 10"/>
           <p:cNvGrpSpPr/>
           <p:nvPr/>
         </p:nvGrpSpPr>
         <p:grpSpPr>
-          <a:xfrm rot="15236613">
-            <a:off x="5121180" y="4561738"/>
-            <a:ext cx="465295" cy="429840"/>
-            <a:chOff x="5764817" y="2081712"/>
-            <a:chExt cx="465295" cy="429840"/>
+          <a:xfrm>
+            <a:off x="4982101" y="5100418"/>
+            <a:ext cx="363003" cy="511228"/>
+            <a:chOff x="4982101" y="5100418"/>
+            <a:chExt cx="363003" cy="511228"/>
           </a:xfrm>
         </p:grpSpPr>
         <p:sp>
           <p:nvSpPr>
             <p:cNvPr id="65" name="타원 64"/>
+            <p:cNvSpPr/>
+            <p:nvPr/>
+          </p:nvSpPr>
+          <p:spPr>
+            <a:xfrm rot="15236613">
+              <a:off x="4982101" y="5356662"/>
+              <a:ext cx="254984" cy="254984"/>
+            </a:xfrm>
+            <a:prstGeom prst="ellipse">
+              <a:avLst/>
+            </a:prstGeom>
+            <a:solidFill>
+              <a:schemeClr val="accent1"/>
+            </a:solidFill>
+            <a:ln w="38100">
+              <a:solidFill>
+                <a:schemeClr val="accent1"/>
+              </a:solidFill>
+            </a:ln>
+          </p:spPr>
+          <p:style>
+            <a:lnRef idx="2">
+              <a:schemeClr val="accent1">
+                <a:shade val="50000"/>
+              </a:schemeClr>
+            </a:lnRef>
+            <a:fillRef idx="1">
+              <a:schemeClr val="accent1"/>
+            </a:fillRef>
+            <a:effectRef idx="0">
+              <a:schemeClr val="accent1"/>
+            </a:effectRef>
+            <a:fontRef idx="minor">
+              <a:schemeClr val="lt1"/>
+            </a:fontRef>
+          </p:style>
+          <p:txBody>
+            <a:bodyPr rtlCol="0" anchor="ctr"/>
+            <a:lstStyle/>
+            <a:p>
+              <a:pPr algn="ctr"/>
+              <a:endParaRPr lang="ko-KR" altLang="en-US"/>
+            </a:p>
+          </p:txBody>
+        </p:sp>
+        <p:cxnSp>
+          <p:nvCxnSpPr>
+            <p:cNvPr id="67" name="직선 연결선 66"/>
+            <p:cNvCxnSpPr>
+              <a:endCxn id="65" idx="5"/>
+            </p:cNvCxnSpPr>
+            <p:nvPr/>
+          </p:nvCxnSpPr>
+          <p:spPr>
+            <a:xfrm rot="15236613" flipH="1" flipV="1">
+              <a:off x="5115178" y="5118146"/>
+              <a:ext cx="247653" cy="212198"/>
+            </a:xfrm>
+            <a:prstGeom prst="line">
+              <a:avLst/>
+            </a:prstGeom>
+            <a:ln w="38100">
+              <a:headEnd type="stealth" w="lg" len="lg"/>
+            </a:ln>
+          </p:spPr>
+          <p:style>
+            <a:lnRef idx="1">
+              <a:schemeClr val="accent1"/>
+            </a:lnRef>
+            <a:fillRef idx="0">
+              <a:schemeClr val="accent1"/>
+            </a:fillRef>
+            <a:effectRef idx="0">
+              <a:schemeClr val="accent1"/>
+            </a:effectRef>
+            <a:fontRef idx="minor">
+              <a:schemeClr val="tx1"/>
+            </a:fontRef>
+          </p:style>
+        </p:cxnSp>
+      </p:grpSp>
+      <p:sp>
+        <p:nvSpPr>
+          <p:cNvPr id="77" name="TextBox 76"/>
+          <p:cNvSpPr txBox="1"/>
+          <p:nvPr/>
+        </p:nvSpPr>
+        <p:spPr>
+          <a:xfrm rot="18334913">
+            <a:off x="4399418" y="5095104"/>
+            <a:ext cx="798617" cy="430887"/>
+          </a:xfrm>
+          <a:prstGeom prst="rect">
+            <a:avLst/>
+          </a:prstGeom>
+          <a:noFill/>
+        </p:spPr>
+        <p:txBody>
+          <a:bodyPr wrap="none" rtlCol="0">
+            <a:spAutoFit/>
+          </a:bodyPr>
+          <a:lstStyle/>
+          <a:p>
+            <a:r>
+              <a:rPr lang="ko-KR" altLang="en-US" sz="1100" dirty="0" smtClean="0"/>
+              <a:t>권한 확인</a:t>
+            </a:r>
+            <a:endParaRPr lang="en-US" altLang="ko-KR" sz="1100" dirty="0" smtClean="0"/>
+          </a:p>
+          <a:p>
+            <a:r>
+              <a:rPr lang="ko-KR" altLang="en-US" sz="1100" dirty="0" smtClean="0"/>
+              <a:t> </a:t>
+            </a:r>
+            <a:r>
+              <a:rPr lang="ko-KR" altLang="en-US" sz="1100" dirty="0" smtClean="0"/>
+              <a:t>정보</a:t>
+            </a:r>
+            <a:endParaRPr lang="ko-KR" altLang="en-US" sz="1600" dirty="0"/>
+          </a:p>
+        </p:txBody>
+      </p:sp>
+      <p:grpSp>
+        <p:nvGrpSpPr>
+          <p:cNvPr id="68" name="그룹 67"/>
+          <p:cNvGrpSpPr/>
+          <p:nvPr/>
+        </p:nvGrpSpPr>
+        <p:grpSpPr>
+          <a:xfrm rot="16602684">
+            <a:off x="3554984" y="1909396"/>
+            <a:ext cx="465295" cy="429840"/>
+            <a:chOff x="5764817" y="2081712"/>
+            <a:chExt cx="465295" cy="429840"/>
+          </a:xfrm>
+        </p:grpSpPr>
+        <p:sp>
+          <p:nvSpPr>
+            <p:cNvPr id="69" name="타원 68"/>
             <p:cNvSpPr/>
             <p:nvPr/>
           </p:nvSpPr>
@@ -4822,9 +4959,9 @@
         </p:sp>
         <p:cxnSp>
           <p:nvCxnSpPr>
-            <p:cNvPr id="67" name="직선 연결선 66"/>
+            <p:cNvPr id="70" name="직선 연결선 69"/>
             <p:cNvCxnSpPr>
-              <a:endCxn id="65" idx="5"/>
+              <a:endCxn id="69" idx="5"/>
             </p:cNvCxnSpPr>
             <p:nvPr/>
           </p:nvCxnSpPr>
@@ -4856,15 +4993,323 @@
           </p:style>
         </p:cxnSp>
       </p:grpSp>
+      <p:sp>
+        <p:nvSpPr>
+          <p:cNvPr id="72" name="TextBox 71"/>
+          <p:cNvSpPr txBox="1"/>
+          <p:nvPr/>
+        </p:nvSpPr>
+        <p:spPr>
+          <a:xfrm rot="19199642">
+            <a:off x="2521265" y="1771178"/>
+            <a:ext cx="2064041" cy="261610"/>
+          </a:xfrm>
+          <a:prstGeom prst="rect">
+            <a:avLst/>
+          </a:prstGeom>
+          <a:noFill/>
+        </p:spPr>
+        <p:txBody>
+          <a:bodyPr wrap="square" rtlCol="0">
+            <a:spAutoFit/>
+          </a:bodyPr>
+          <a:lstStyle/>
+          <a:p>
+            <a:r>
+              <a:rPr lang="ko-KR" altLang="en-US" sz="1100" dirty="0"/>
+              <a:t>강의평가 질문 조회 정보</a:t>
+            </a:r>
+            <a:endParaRPr lang="ko-KR" altLang="en-US" sz="1600" dirty="0"/>
+          </a:p>
+        </p:txBody>
+      </p:sp>
       <p:grpSp>
         <p:nvGrpSpPr>
-          <p:cNvPr id="73" name="그룹 72"/>
+          <p:cNvPr id="85" name="그룹 84"/>
           <p:cNvGrpSpPr/>
           <p:nvPr/>
         </p:nvGrpSpPr>
         <p:grpSpPr>
-          <a:xfrm rot="15236613">
-            <a:off x="4808233" y="5408957"/>
+          <a:xfrm rot="11910681">
+            <a:off x="1679643" y="5045594"/>
+            <a:ext cx="363003" cy="511228"/>
+            <a:chOff x="4982101" y="5100418"/>
+            <a:chExt cx="363003" cy="511228"/>
+          </a:xfrm>
+        </p:grpSpPr>
+        <p:sp>
+          <p:nvSpPr>
+            <p:cNvPr id="87" name="타원 86"/>
+            <p:cNvSpPr/>
+            <p:nvPr/>
+          </p:nvSpPr>
+          <p:spPr>
+            <a:xfrm rot="15236613">
+              <a:off x="4982101" y="5356662"/>
+              <a:ext cx="254984" cy="254984"/>
+            </a:xfrm>
+            <a:prstGeom prst="ellipse">
+              <a:avLst/>
+            </a:prstGeom>
+            <a:solidFill>
+              <a:schemeClr val="accent1"/>
+            </a:solidFill>
+            <a:ln w="38100">
+              <a:solidFill>
+                <a:schemeClr val="accent1"/>
+              </a:solidFill>
+            </a:ln>
+          </p:spPr>
+          <p:style>
+            <a:lnRef idx="2">
+              <a:schemeClr val="accent1">
+                <a:shade val="50000"/>
+              </a:schemeClr>
+            </a:lnRef>
+            <a:fillRef idx="1">
+              <a:schemeClr val="accent1"/>
+            </a:fillRef>
+            <a:effectRef idx="0">
+              <a:schemeClr val="accent1"/>
+            </a:effectRef>
+            <a:fontRef idx="minor">
+              <a:schemeClr val="lt1"/>
+            </a:fontRef>
+          </p:style>
+          <p:txBody>
+            <a:bodyPr rtlCol="0" anchor="ctr"/>
+            <a:lstStyle/>
+            <a:p>
+              <a:pPr algn="ctr"/>
+              <a:endParaRPr lang="ko-KR" altLang="en-US"/>
+            </a:p>
+          </p:txBody>
+        </p:sp>
+        <p:cxnSp>
+          <p:nvCxnSpPr>
+            <p:cNvPr id="88" name="직선 연결선 87"/>
+            <p:cNvCxnSpPr>
+              <a:endCxn id="87" idx="5"/>
+            </p:cNvCxnSpPr>
+            <p:nvPr/>
+          </p:nvCxnSpPr>
+          <p:spPr>
+            <a:xfrm rot="15236613" flipH="1" flipV="1">
+              <a:off x="5115178" y="5118146"/>
+              <a:ext cx="247653" cy="212198"/>
+            </a:xfrm>
+            <a:prstGeom prst="line">
+              <a:avLst/>
+            </a:prstGeom>
+            <a:ln w="38100">
+              <a:headEnd type="stealth" w="lg" len="lg"/>
+            </a:ln>
+          </p:spPr>
+          <p:style>
+            <a:lnRef idx="1">
+              <a:schemeClr val="accent1"/>
+            </a:lnRef>
+            <a:fillRef idx="0">
+              <a:schemeClr val="accent1"/>
+            </a:fillRef>
+            <a:effectRef idx="0">
+              <a:schemeClr val="accent1"/>
+            </a:effectRef>
+            <a:fontRef idx="minor">
+              <a:schemeClr val="tx1"/>
+            </a:fontRef>
+          </p:style>
+        </p:cxnSp>
+      </p:grpSp>
+      <p:sp>
+        <p:nvSpPr>
+          <p:cNvPr id="89" name="TextBox 88"/>
+          <p:cNvSpPr txBox="1"/>
+          <p:nvPr/>
+        </p:nvSpPr>
+        <p:spPr>
+          <a:xfrm rot="8105023">
+            <a:off x="1792672" y="5007979"/>
+            <a:ext cx="798617" cy="430887"/>
+          </a:xfrm>
+          <a:prstGeom prst="rect">
+            <a:avLst/>
+          </a:prstGeom>
+          <a:noFill/>
+        </p:spPr>
+        <p:txBody>
+          <a:bodyPr wrap="none" rtlCol="0">
+            <a:spAutoFit/>
+          </a:bodyPr>
+          <a:lstStyle/>
+          <a:p>
+            <a:r>
+              <a:rPr lang="ko-KR" altLang="en-US" sz="1100" dirty="0" smtClean="0"/>
+              <a:t>권한 확인</a:t>
+            </a:r>
+            <a:endParaRPr lang="en-US" altLang="ko-KR" sz="1100" dirty="0" smtClean="0"/>
+          </a:p>
+          <a:p>
+            <a:r>
+              <a:rPr lang="ko-KR" altLang="en-US" sz="1100" dirty="0" smtClean="0"/>
+              <a:t> </a:t>
+            </a:r>
+            <a:r>
+              <a:rPr lang="ko-KR" altLang="en-US" sz="1100" dirty="0" smtClean="0"/>
+              <a:t>정보</a:t>
+            </a:r>
+            <a:endParaRPr lang="ko-KR" altLang="en-US" sz="1600" dirty="0"/>
+          </a:p>
+        </p:txBody>
+      </p:sp>
+      <p:grpSp>
+        <p:nvGrpSpPr>
+          <p:cNvPr id="90" name="그룹 89"/>
+          <p:cNvGrpSpPr/>
+          <p:nvPr/>
+        </p:nvGrpSpPr>
+        <p:grpSpPr>
+          <a:xfrm rot="11910681">
+            <a:off x="4049608" y="2477937"/>
+            <a:ext cx="363003" cy="511228"/>
+            <a:chOff x="4982101" y="5100418"/>
+            <a:chExt cx="363003" cy="511228"/>
+          </a:xfrm>
+        </p:grpSpPr>
+        <p:sp>
+          <p:nvSpPr>
+            <p:cNvPr id="91" name="타원 90"/>
+            <p:cNvSpPr/>
+            <p:nvPr/>
+          </p:nvSpPr>
+          <p:spPr>
+            <a:xfrm rot="15236613">
+              <a:off x="4982101" y="5356662"/>
+              <a:ext cx="254984" cy="254984"/>
+            </a:xfrm>
+            <a:prstGeom prst="ellipse">
+              <a:avLst/>
+            </a:prstGeom>
+            <a:solidFill>
+              <a:schemeClr val="accent1"/>
+            </a:solidFill>
+            <a:ln w="38100">
+              <a:solidFill>
+                <a:schemeClr val="accent1"/>
+              </a:solidFill>
+            </a:ln>
+          </p:spPr>
+          <p:style>
+            <a:lnRef idx="2">
+              <a:schemeClr val="accent1">
+                <a:shade val="50000"/>
+              </a:schemeClr>
+            </a:lnRef>
+            <a:fillRef idx="1">
+              <a:schemeClr val="accent1"/>
+            </a:fillRef>
+            <a:effectRef idx="0">
+              <a:schemeClr val="accent1"/>
+            </a:effectRef>
+            <a:fontRef idx="minor">
+              <a:schemeClr val="lt1"/>
+            </a:fontRef>
+          </p:style>
+          <p:txBody>
+            <a:bodyPr rtlCol="0" anchor="ctr"/>
+            <a:lstStyle/>
+            <a:p>
+              <a:pPr algn="ctr"/>
+              <a:endParaRPr lang="ko-KR" altLang="en-US"/>
+            </a:p>
+          </p:txBody>
+        </p:sp>
+        <p:cxnSp>
+          <p:nvCxnSpPr>
+            <p:cNvPr id="92" name="직선 연결선 91"/>
+            <p:cNvCxnSpPr>
+              <a:endCxn id="91" idx="5"/>
+            </p:cNvCxnSpPr>
+            <p:nvPr/>
+          </p:nvCxnSpPr>
+          <p:spPr>
+            <a:xfrm rot="15236613" flipH="1" flipV="1">
+              <a:off x="5115178" y="5118146"/>
+              <a:ext cx="247653" cy="212198"/>
+            </a:xfrm>
+            <a:prstGeom prst="line">
+              <a:avLst/>
+            </a:prstGeom>
+            <a:ln w="38100">
+              <a:headEnd type="stealth" w="lg" len="lg"/>
+            </a:ln>
+          </p:spPr>
+          <p:style>
+            <a:lnRef idx="1">
+              <a:schemeClr val="accent1"/>
+            </a:lnRef>
+            <a:fillRef idx="0">
+              <a:schemeClr val="accent1"/>
+            </a:fillRef>
+            <a:effectRef idx="0">
+              <a:schemeClr val="accent1"/>
+            </a:effectRef>
+            <a:fontRef idx="minor">
+              <a:schemeClr val="tx1"/>
+            </a:fontRef>
+          </p:style>
+        </p:cxnSp>
+      </p:grpSp>
+      <p:sp>
+        <p:nvSpPr>
+          <p:cNvPr id="93" name="TextBox 92"/>
+          <p:cNvSpPr txBox="1"/>
+          <p:nvPr/>
+        </p:nvSpPr>
+        <p:spPr>
+          <a:xfrm rot="8105023">
+            <a:off x="4162637" y="2440322"/>
+            <a:ext cx="798617" cy="430887"/>
+          </a:xfrm>
+          <a:prstGeom prst="rect">
+            <a:avLst/>
+          </a:prstGeom>
+          <a:noFill/>
+        </p:spPr>
+        <p:txBody>
+          <a:bodyPr wrap="none" rtlCol="0">
+            <a:spAutoFit/>
+          </a:bodyPr>
+          <a:lstStyle/>
+          <a:p>
+            <a:r>
+              <a:rPr lang="ko-KR" altLang="en-US" sz="1100" dirty="0" smtClean="0"/>
+              <a:t>권한 확인</a:t>
+            </a:r>
+            <a:endParaRPr lang="en-US" altLang="ko-KR" sz="1100" dirty="0" smtClean="0"/>
+          </a:p>
+          <a:p>
+            <a:r>
+              <a:rPr lang="ko-KR" altLang="en-US" sz="1100" dirty="0" smtClean="0"/>
+              <a:t> </a:t>
+            </a:r>
+            <a:r>
+              <a:rPr lang="ko-KR" altLang="en-US" sz="1100" dirty="0" smtClean="0"/>
+              <a:t>정보</a:t>
+            </a:r>
+            <a:endParaRPr lang="ko-KR" altLang="en-US" sz="1600" dirty="0"/>
+          </a:p>
+        </p:txBody>
+      </p:sp>
+      <p:grpSp>
+        <p:nvGrpSpPr>
+          <p:cNvPr id="94" name="그룹 93"/>
+          <p:cNvGrpSpPr/>
+          <p:nvPr/>
+        </p:nvGrpSpPr>
+        <p:grpSpPr>
+          <a:xfrm rot="3173733">
+            <a:off x="5582276" y="2045504"/>
             <a:ext cx="465295" cy="429840"/>
             <a:chOff x="5764817" y="2081712"/>
             <a:chExt cx="465295" cy="429840"/>
@@ -4872,7 +5317,7 @@
         </p:grpSpPr>
         <p:sp>
           <p:nvSpPr>
-            <p:cNvPr id="75" name="타원 74"/>
+            <p:cNvPr id="95" name="타원 94"/>
             <p:cNvSpPr/>
             <p:nvPr/>
           </p:nvSpPr>
@@ -4918,9 +5363,9 @@
         </p:sp>
         <p:cxnSp>
           <p:nvCxnSpPr>
-            <p:cNvPr id="76" name="직선 연결선 75"/>
+            <p:cNvPr id="96" name="직선 연결선 95"/>
             <p:cNvCxnSpPr>
-              <a:endCxn id="75" idx="5"/>
+              <a:endCxn id="95" idx="5"/>
             </p:cNvCxnSpPr>
             <p:nvPr/>
           </p:nvCxnSpPr>
@@ -4954,14 +5399,14 @@
       </p:grpSp>
       <p:sp>
         <p:nvSpPr>
-          <p:cNvPr id="77" name="TextBox 76"/>
+          <p:cNvPr id="97" name="TextBox 96"/>
           <p:cNvSpPr txBox="1"/>
           <p:nvPr/>
         </p:nvSpPr>
         <p:spPr>
-          <a:xfrm rot="18334913">
-            <a:off x="4588719" y="4512843"/>
-            <a:ext cx="798617" cy="430887"/>
+          <a:xfrm rot="16200000">
+            <a:off x="5118510" y="2112774"/>
+            <a:ext cx="798617" cy="261610"/>
           </a:xfrm>
           <a:prstGeom prst="rect">
             <a:avLst/>
@@ -4976,28 +5421,119 @@
           <a:p>
             <a:r>
               <a:rPr lang="ko-KR" altLang="en-US" sz="1100" dirty="0" smtClean="0"/>
-              <a:t>권한 확인</a:t>
-            </a:r>
-            <a:endParaRPr lang="en-US" altLang="ko-KR" sz="1100" dirty="0" smtClean="0"/>
-          </a:p>
-          <a:p>
-            <a:r>
-              <a:rPr lang="ko-KR" altLang="en-US" sz="1100" dirty="0" smtClean="0"/>
-              <a:t>성공 정보</a:t>
+              <a:t>권한 정보</a:t>
             </a:r>
             <a:endParaRPr lang="ko-KR" altLang="en-US" sz="1600" dirty="0"/>
           </a:p>
         </p:txBody>
       </p:sp>
-      <p:sp>
-        <p:nvSpPr>
-          <p:cNvPr id="78" name="TextBox 77"/>
+      <p:grpSp>
+        <p:nvGrpSpPr>
+          <p:cNvPr id="98" name="그룹 97"/>
+          <p:cNvGrpSpPr/>
+          <p:nvPr/>
+        </p:nvGrpSpPr>
+        <p:grpSpPr>
+          <a:xfrm rot="20159154">
+            <a:off x="5694748" y="2770356"/>
+            <a:ext cx="363003" cy="511228"/>
+            <a:chOff x="4982101" y="5100418"/>
+            <a:chExt cx="363003" cy="511228"/>
+          </a:xfrm>
+        </p:grpSpPr>
+        <p:sp>
+          <p:nvSpPr>
+            <p:cNvPr id="99" name="타원 98"/>
+            <p:cNvSpPr/>
+            <p:nvPr/>
+          </p:nvSpPr>
+          <p:spPr>
+            <a:xfrm rot="15236613">
+              <a:off x="4982101" y="5356662"/>
+              <a:ext cx="254984" cy="254984"/>
+            </a:xfrm>
+            <a:prstGeom prst="ellipse">
+              <a:avLst/>
+            </a:prstGeom>
+            <a:solidFill>
+              <a:schemeClr val="accent1"/>
+            </a:solidFill>
+            <a:ln w="38100">
+              <a:solidFill>
+                <a:schemeClr val="accent1"/>
+              </a:solidFill>
+            </a:ln>
+          </p:spPr>
+          <p:style>
+            <a:lnRef idx="2">
+              <a:schemeClr val="accent1">
+                <a:shade val="50000"/>
+              </a:schemeClr>
+            </a:lnRef>
+            <a:fillRef idx="1">
+              <a:schemeClr val="accent1"/>
+            </a:fillRef>
+            <a:effectRef idx="0">
+              <a:schemeClr val="accent1"/>
+            </a:effectRef>
+            <a:fontRef idx="minor">
+              <a:schemeClr val="lt1"/>
+            </a:fontRef>
+          </p:style>
+          <p:txBody>
+            <a:bodyPr rtlCol="0" anchor="ctr"/>
+            <a:lstStyle/>
+            <a:p>
+              <a:pPr algn="ctr"/>
+              <a:endParaRPr lang="ko-KR" altLang="en-US"/>
+            </a:p>
+          </p:txBody>
+        </p:sp>
+        <p:cxnSp>
+          <p:nvCxnSpPr>
+            <p:cNvPr id="100" name="직선 연결선 99"/>
+            <p:cNvCxnSpPr>
+              <a:endCxn id="99" idx="5"/>
+            </p:cNvCxnSpPr>
+            <p:nvPr/>
+          </p:nvCxnSpPr>
+          <p:spPr>
+            <a:xfrm rot="15236613" flipH="1" flipV="1">
+              <a:off x="5115178" y="5118146"/>
+              <a:ext cx="247653" cy="212198"/>
+            </a:xfrm>
+            <a:prstGeom prst="line">
+              <a:avLst/>
+            </a:prstGeom>
+            <a:ln w="38100">
+              <a:headEnd type="stealth" w="lg" len="lg"/>
+            </a:ln>
+          </p:spPr>
+          <p:style>
+            <a:lnRef idx="1">
+              <a:schemeClr val="accent1"/>
+            </a:lnRef>
+            <a:fillRef idx="0">
+              <a:schemeClr val="accent1"/>
+            </a:fillRef>
+            <a:effectRef idx="0">
+              <a:schemeClr val="accent1"/>
+            </a:effectRef>
+            <a:fontRef idx="minor">
+              <a:schemeClr val="tx1"/>
+            </a:fontRef>
+          </p:style>
+        </p:cxnSp>
+      </p:grpSp>
+      <p:sp>
+        <p:nvSpPr>
+          <p:cNvPr id="101" name="TextBox 100"/>
           <p:cNvSpPr txBox="1"/>
           <p:nvPr/>
         </p:nvSpPr>
         <p:spPr>
-          <a:xfrm rot="18334913">
-            <a:off x="4275702" y="5272461"/>
+          <a:xfrm rot="16200000">
+            <a:off x="5142409" y="2806412"/>
             <a:ext cx="798617" cy="430887"/>
           </a:xfrm>
           <a:prstGeom prst="rect">
@@ -5020,7 +5556,11 @@
           <a:p>
             <a:r>
               <a:rPr lang="ko-KR" altLang="en-US" sz="1100" dirty="0" smtClean="0"/>
-              <a:t>오류 정보</a:t>
+              <a:t> </a:t>
+            </a:r>
+            <a:r>
+              <a:rPr lang="ko-KR" altLang="en-US" sz="1100" dirty="0" smtClean="0"/>
+              <a:t>정보</a:t>
             </a:r>
             <a:endParaRPr lang="ko-KR" altLang="en-US" sz="1600" dirty="0"/>
           </a:p>
@@ -5028,13 +5568,13 @@
       </p:sp>
       <p:grpSp>
         <p:nvGrpSpPr>
-          <p:cNvPr id="79" name="그룹 78"/>
+          <p:cNvPr id="102" name="그룹 101"/>
           <p:cNvGrpSpPr/>
           <p:nvPr/>
         </p:nvGrpSpPr>
         <p:grpSpPr>
-          <a:xfrm rot="4915327">
-            <a:off x="1652634" y="5117877"/>
+          <a:xfrm rot="13613945">
+            <a:off x="5977721" y="1040954"/>
             <a:ext cx="465295" cy="429840"/>
             <a:chOff x="5764817" y="2081712"/>
             <a:chExt cx="465295" cy="429840"/>
@@ -5042,7 +5582,7 @@
         </p:grpSpPr>
         <p:sp>
           <p:nvSpPr>
-            <p:cNvPr id="83" name="타원 82"/>
+            <p:cNvPr id="103" name="타원 102"/>
             <p:cNvSpPr/>
             <p:nvPr/>
           </p:nvSpPr>
@@ -5088,9 +5628,9 @@
         </p:sp>
         <p:cxnSp>
           <p:nvCxnSpPr>
-            <p:cNvPr id="84" name="직선 연결선 83"/>
+            <p:cNvPr id="104" name="직선 연결선 103"/>
             <p:cNvCxnSpPr>
-              <a:endCxn id="83" idx="5"/>
+              <a:endCxn id="103" idx="5"/>
             </p:cNvCxnSpPr>
             <p:nvPr/>
           </p:nvCxnSpPr>
@@ -5124,14 +5664,14 @@
       </p:grpSp>
       <p:sp>
         <p:nvSpPr>
-          <p:cNvPr id="86" name="TextBox 85"/>
+          <p:cNvPr id="105" name="TextBox 104"/>
           <p:cNvSpPr txBox="1"/>
           <p:nvPr/>
         </p:nvSpPr>
         <p:spPr>
-          <a:xfrm rot="6745839">
-            <a:off x="1809633" y="5271269"/>
-            <a:ext cx="798617" cy="430887"/>
+          <a:xfrm rot="5400000">
+            <a:off x="5912089" y="1056099"/>
+            <a:ext cx="1221809" cy="430887"/>
           </a:xfrm>
           <a:prstGeom prst="rect">
             <a:avLst/>
@@ -5145,15 +5685,974 @@
           <a:lstStyle/>
           <a:p>
             <a:r>
+              <a:rPr lang="ko-KR" altLang="en-US" sz="1100" dirty="0"/>
+              <a:t>조회된 강의평가</a:t>
+            </a:r>
+            <a:endParaRPr lang="en-US" altLang="ko-KR" sz="1100" dirty="0"/>
+          </a:p>
+          <a:p>
+            <a:r>
+              <a:rPr lang="ko-KR" altLang="en-US" sz="1100" dirty="0"/>
+              <a:t>   질문 정보</a:t>
+            </a:r>
+            <a:endParaRPr lang="ko-KR" altLang="en-US" sz="1600" dirty="0"/>
+          </a:p>
+        </p:txBody>
+      </p:sp>
+      <p:grpSp>
+        <p:nvGrpSpPr>
+          <p:cNvPr id="106" name="그룹 105"/>
+          <p:cNvGrpSpPr/>
+          <p:nvPr/>
+        </p:nvGrpSpPr>
+        <p:grpSpPr>
+          <a:xfrm rot="2777623">
+            <a:off x="6033714" y="1751986"/>
+            <a:ext cx="465295" cy="429840"/>
+            <a:chOff x="5764817" y="2081712"/>
+            <a:chExt cx="465295" cy="429840"/>
+          </a:xfrm>
+        </p:grpSpPr>
+        <p:sp>
+          <p:nvSpPr>
+            <p:cNvPr id="107" name="타원 106"/>
+            <p:cNvSpPr/>
+            <p:nvPr/>
+          </p:nvSpPr>
+          <p:spPr>
+            <a:xfrm>
+              <a:off x="5764817" y="2081712"/>
+              <a:ext cx="254984" cy="254984"/>
+            </a:xfrm>
+            <a:prstGeom prst="ellipse">
+              <a:avLst/>
+            </a:prstGeom>
+            <a:noFill/>
+            <a:ln w="38100">
+              <a:solidFill>
+                <a:schemeClr val="accent1"/>
+              </a:solidFill>
+            </a:ln>
+          </p:spPr>
+          <p:style>
+            <a:lnRef idx="2">
+              <a:schemeClr val="accent1">
+                <a:shade val="50000"/>
+              </a:schemeClr>
+            </a:lnRef>
+            <a:fillRef idx="1">
+              <a:schemeClr val="accent1"/>
+            </a:fillRef>
+            <a:effectRef idx="0">
+              <a:schemeClr val="accent1"/>
+            </a:effectRef>
+            <a:fontRef idx="minor">
+              <a:schemeClr val="lt1"/>
+            </a:fontRef>
+          </p:style>
+          <p:txBody>
+            <a:bodyPr rtlCol="0" anchor="ctr"/>
+            <a:lstStyle/>
+            <a:p>
+              <a:pPr algn="ctr"/>
+              <a:endParaRPr lang="ko-KR" altLang="en-US"/>
+            </a:p>
+          </p:txBody>
+        </p:sp>
+        <p:cxnSp>
+          <p:nvCxnSpPr>
+            <p:cNvPr id="108" name="직선 연결선 107"/>
+            <p:cNvCxnSpPr>
+              <a:endCxn id="107" idx="5"/>
+            </p:cNvCxnSpPr>
+            <p:nvPr/>
+          </p:nvCxnSpPr>
+          <p:spPr>
+            <a:xfrm flipH="1" flipV="1">
+              <a:off x="5982459" y="2299354"/>
+              <a:ext cx="247653" cy="212198"/>
+            </a:xfrm>
+            <a:prstGeom prst="line">
+              <a:avLst/>
+            </a:prstGeom>
+            <a:ln w="38100">
+              <a:headEnd type="stealth" w="lg" len="lg"/>
+            </a:ln>
+          </p:spPr>
+          <p:style>
+            <a:lnRef idx="1">
+              <a:schemeClr val="accent1"/>
+            </a:lnRef>
+            <a:fillRef idx="0">
+              <a:schemeClr val="accent1"/>
+            </a:fillRef>
+            <a:effectRef idx="0">
+              <a:schemeClr val="accent1"/>
+            </a:effectRef>
+            <a:fontRef idx="minor">
+              <a:schemeClr val="tx1"/>
+            </a:fontRef>
+          </p:style>
+        </p:cxnSp>
+      </p:grpSp>
+      <p:sp>
+        <p:nvSpPr>
+          <p:cNvPr id="109" name="TextBox 108"/>
+          <p:cNvSpPr txBox="1"/>
+          <p:nvPr/>
+        </p:nvSpPr>
+        <p:spPr>
+          <a:xfrm rot="5400000">
+            <a:off x="5977479" y="2117216"/>
+            <a:ext cx="1221809" cy="430887"/>
+          </a:xfrm>
+          <a:prstGeom prst="rect">
+            <a:avLst/>
+          </a:prstGeom>
+          <a:noFill/>
+        </p:spPr>
+        <p:txBody>
+          <a:bodyPr wrap="none" rtlCol="0">
+            <a:spAutoFit/>
+          </a:bodyPr>
+          <a:lstStyle/>
+          <a:p>
+            <a:r>
+              <a:rPr lang="ko-KR" altLang="en-US" sz="1100" dirty="0"/>
+              <a:t>조회할 강의평가</a:t>
+            </a:r>
+            <a:endParaRPr lang="en-US" altLang="ko-KR" sz="1100" dirty="0"/>
+          </a:p>
+          <a:p>
+            <a:r>
+              <a:rPr lang="ko-KR" altLang="en-US" sz="1100" dirty="0"/>
+              <a:t>질문 결과 정보</a:t>
+            </a:r>
+            <a:endParaRPr lang="ko-KR" altLang="en-US" sz="1600" dirty="0"/>
+          </a:p>
+        </p:txBody>
+      </p:sp>
+      <p:grpSp>
+        <p:nvGrpSpPr>
+          <p:cNvPr id="110" name="그룹 109"/>
+          <p:cNvGrpSpPr/>
+          <p:nvPr/>
+        </p:nvGrpSpPr>
+        <p:grpSpPr>
+          <a:xfrm rot="2589150">
+            <a:off x="5520145" y="1128217"/>
+            <a:ext cx="465295" cy="429840"/>
+            <a:chOff x="5764817" y="2081712"/>
+            <a:chExt cx="465295" cy="429840"/>
+          </a:xfrm>
+        </p:grpSpPr>
+        <p:sp>
+          <p:nvSpPr>
+            <p:cNvPr id="111" name="타원 110"/>
+            <p:cNvSpPr/>
+            <p:nvPr/>
+          </p:nvSpPr>
+          <p:spPr>
+            <a:xfrm>
+              <a:off x="5764817" y="2081712"/>
+              <a:ext cx="254984" cy="254984"/>
+            </a:xfrm>
+            <a:prstGeom prst="ellipse">
+              <a:avLst/>
+            </a:prstGeom>
+            <a:noFill/>
+            <a:ln w="38100">
+              <a:solidFill>
+                <a:schemeClr val="accent1"/>
+              </a:solidFill>
+            </a:ln>
+          </p:spPr>
+          <p:style>
+            <a:lnRef idx="2">
+              <a:schemeClr val="accent1">
+                <a:shade val="50000"/>
+              </a:schemeClr>
+            </a:lnRef>
+            <a:fillRef idx="1">
+              <a:schemeClr val="accent1"/>
+            </a:fillRef>
+            <a:effectRef idx="0">
+              <a:schemeClr val="accent1"/>
+            </a:effectRef>
+            <a:fontRef idx="minor">
+              <a:schemeClr val="lt1"/>
+            </a:fontRef>
+          </p:style>
+          <p:txBody>
+            <a:bodyPr rtlCol="0" anchor="ctr"/>
+            <a:lstStyle/>
+            <a:p>
+              <a:pPr algn="ctr"/>
+              <a:endParaRPr lang="ko-KR" altLang="en-US"/>
+            </a:p>
+          </p:txBody>
+        </p:sp>
+        <p:cxnSp>
+          <p:nvCxnSpPr>
+            <p:cNvPr id="112" name="직선 연결선 111"/>
+            <p:cNvCxnSpPr>
+              <a:endCxn id="111" idx="5"/>
+            </p:cNvCxnSpPr>
+            <p:nvPr/>
+          </p:nvCxnSpPr>
+          <p:spPr>
+            <a:xfrm flipH="1" flipV="1">
+              <a:off x="5982459" y="2299354"/>
+              <a:ext cx="247653" cy="212198"/>
+            </a:xfrm>
+            <a:prstGeom prst="line">
+              <a:avLst/>
+            </a:prstGeom>
+            <a:ln w="38100">
+              <a:headEnd type="stealth" w="lg" len="lg"/>
+            </a:ln>
+          </p:spPr>
+          <p:style>
+            <a:lnRef idx="1">
+              <a:schemeClr val="accent1"/>
+            </a:lnRef>
+            <a:fillRef idx="0">
+              <a:schemeClr val="accent1"/>
+            </a:fillRef>
+            <a:effectRef idx="0">
+              <a:schemeClr val="accent1"/>
+            </a:effectRef>
+            <a:fontRef idx="minor">
+              <a:schemeClr val="tx1"/>
+            </a:fontRef>
+          </p:style>
+        </p:cxnSp>
+      </p:grpSp>
+      <p:sp>
+        <p:nvSpPr>
+          <p:cNvPr id="113" name="TextBox 112"/>
+          <p:cNvSpPr txBox="1"/>
+          <p:nvPr/>
+        </p:nvSpPr>
+        <p:spPr>
+          <a:xfrm rot="16200000">
+            <a:off x="4906199" y="1235275"/>
+            <a:ext cx="1080745" cy="430887"/>
+          </a:xfrm>
+          <a:prstGeom prst="rect">
+            <a:avLst/>
+          </a:prstGeom>
+          <a:noFill/>
+        </p:spPr>
+        <p:txBody>
+          <a:bodyPr wrap="none" rtlCol="0">
+            <a:spAutoFit/>
+          </a:bodyPr>
+          <a:lstStyle/>
+          <a:p>
+            <a:r>
+              <a:rPr lang="ko-KR" altLang="en-US" sz="1100" dirty="0"/>
+              <a:t>강의평가 </a:t>
+            </a:r>
+            <a:r>
               <a:rPr lang="ko-KR" altLang="en-US" sz="1100" dirty="0" smtClean="0"/>
-              <a:t>권한 확인</a:t>
+              <a:t>질문</a:t>
             </a:r>
             <a:endParaRPr lang="en-US" altLang="ko-KR" sz="1100" dirty="0" smtClean="0"/>
           </a:p>
           <a:p>
             <a:r>
               <a:rPr lang="ko-KR" altLang="en-US" sz="1100" dirty="0" smtClean="0"/>
-              <a:t>성공 정보</a:t>
+              <a:t>리스트 </a:t>
+            </a:r>
+            <a:r>
+              <a:rPr lang="ko-KR" altLang="en-US" sz="1100" dirty="0"/>
+              <a:t>정보</a:t>
+            </a:r>
+            <a:endParaRPr lang="ko-KR" altLang="en-US" sz="1600" dirty="0"/>
+          </a:p>
+        </p:txBody>
+      </p:sp>
+      <p:grpSp>
+        <p:nvGrpSpPr>
+          <p:cNvPr id="114" name="그룹 113"/>
+          <p:cNvGrpSpPr/>
+          <p:nvPr/>
+        </p:nvGrpSpPr>
+        <p:grpSpPr>
+          <a:xfrm rot="18762610">
+            <a:off x="6530648" y="5434005"/>
+            <a:ext cx="363003" cy="511228"/>
+            <a:chOff x="4982101" y="5100418"/>
+            <a:chExt cx="363003" cy="511228"/>
+          </a:xfrm>
+        </p:grpSpPr>
+        <p:sp>
+          <p:nvSpPr>
+            <p:cNvPr id="115" name="타원 114"/>
+            <p:cNvSpPr/>
+            <p:nvPr/>
+          </p:nvSpPr>
+          <p:spPr>
+            <a:xfrm rot="15236613">
+              <a:off x="4982101" y="5356662"/>
+              <a:ext cx="254984" cy="254984"/>
+            </a:xfrm>
+            <a:prstGeom prst="ellipse">
+              <a:avLst/>
+            </a:prstGeom>
+            <a:solidFill>
+              <a:schemeClr val="accent1"/>
+            </a:solidFill>
+            <a:ln w="38100">
+              <a:solidFill>
+                <a:schemeClr val="accent1"/>
+              </a:solidFill>
+            </a:ln>
+          </p:spPr>
+          <p:style>
+            <a:lnRef idx="2">
+              <a:schemeClr val="accent1">
+                <a:shade val="50000"/>
+              </a:schemeClr>
+            </a:lnRef>
+            <a:fillRef idx="1">
+              <a:schemeClr val="accent1"/>
+            </a:fillRef>
+            <a:effectRef idx="0">
+              <a:schemeClr val="accent1"/>
+            </a:effectRef>
+            <a:fontRef idx="minor">
+              <a:schemeClr val="lt1"/>
+            </a:fontRef>
+          </p:style>
+          <p:txBody>
+            <a:bodyPr rtlCol="0" anchor="ctr"/>
+            <a:lstStyle/>
+            <a:p>
+              <a:pPr algn="ctr"/>
+              <a:endParaRPr lang="ko-KR" altLang="en-US"/>
+            </a:p>
+          </p:txBody>
+        </p:sp>
+        <p:cxnSp>
+          <p:nvCxnSpPr>
+            <p:cNvPr id="116" name="직선 연결선 115"/>
+            <p:cNvCxnSpPr>
+              <a:endCxn id="115" idx="5"/>
+            </p:cNvCxnSpPr>
+            <p:nvPr/>
+          </p:nvCxnSpPr>
+          <p:spPr>
+            <a:xfrm rot="15236613" flipH="1" flipV="1">
+              <a:off x="5115178" y="5118146"/>
+              <a:ext cx="247653" cy="212198"/>
+            </a:xfrm>
+            <a:prstGeom prst="line">
+              <a:avLst/>
+            </a:prstGeom>
+            <a:ln w="38100">
+              <a:headEnd type="stealth" w="lg" len="lg"/>
+            </a:ln>
+          </p:spPr>
+          <p:style>
+            <a:lnRef idx="1">
+              <a:schemeClr val="accent1"/>
+            </a:lnRef>
+            <a:fillRef idx="0">
+              <a:schemeClr val="accent1"/>
+            </a:fillRef>
+            <a:effectRef idx="0">
+              <a:schemeClr val="accent1"/>
+            </a:effectRef>
+            <a:fontRef idx="minor">
+              <a:schemeClr val="tx1"/>
+            </a:fontRef>
+          </p:style>
+        </p:cxnSp>
+      </p:grpSp>
+      <p:sp>
+        <p:nvSpPr>
+          <p:cNvPr id="117" name="TextBox 116"/>
+          <p:cNvSpPr txBox="1"/>
+          <p:nvPr/>
+        </p:nvSpPr>
+        <p:spPr>
+          <a:xfrm rot="15518368">
+            <a:off x="5862400" y="5630718"/>
+            <a:ext cx="1130438" cy="430887"/>
+          </a:xfrm>
+          <a:prstGeom prst="rect">
+            <a:avLst/>
+          </a:prstGeom>
+          <a:noFill/>
+        </p:spPr>
+        <p:txBody>
+          <a:bodyPr wrap="none" rtlCol="0">
+            <a:spAutoFit/>
+          </a:bodyPr>
+          <a:lstStyle/>
+          <a:p>
+            <a:r>
+              <a:rPr lang="ko-KR" altLang="en-US" sz="1100" dirty="0" smtClean="0"/>
+              <a:t>강의평가 질문</a:t>
+            </a:r>
+            <a:endParaRPr lang="en-US" altLang="ko-KR" sz="1100" dirty="0" smtClean="0"/>
+          </a:p>
+          <a:p>
+            <a:r>
+              <a:rPr lang="ko-KR" altLang="en-US" sz="1100" dirty="0" smtClean="0"/>
+              <a:t>조회 성공 여부</a:t>
+            </a:r>
+            <a:endParaRPr lang="ko-KR" altLang="en-US" sz="1600" dirty="0"/>
+          </a:p>
+        </p:txBody>
+      </p:sp>
+      <p:grpSp>
+        <p:nvGrpSpPr>
+          <p:cNvPr id="118" name="그룹 117"/>
+          <p:cNvGrpSpPr/>
+          <p:nvPr/>
+        </p:nvGrpSpPr>
+        <p:grpSpPr>
+          <a:xfrm rot="19912876">
+            <a:off x="6434506" y="2972893"/>
+            <a:ext cx="363003" cy="511228"/>
+            <a:chOff x="4982101" y="5100418"/>
+            <a:chExt cx="363003" cy="511228"/>
+          </a:xfrm>
+        </p:grpSpPr>
+        <p:sp>
+          <p:nvSpPr>
+            <p:cNvPr id="119" name="타원 118"/>
+            <p:cNvSpPr/>
+            <p:nvPr/>
+          </p:nvSpPr>
+          <p:spPr>
+            <a:xfrm rot="15236613">
+              <a:off x="4982101" y="5356662"/>
+              <a:ext cx="254984" cy="254984"/>
+            </a:xfrm>
+            <a:prstGeom prst="ellipse">
+              <a:avLst/>
+            </a:prstGeom>
+            <a:solidFill>
+              <a:schemeClr val="accent1"/>
+            </a:solidFill>
+            <a:ln w="38100">
+              <a:solidFill>
+                <a:schemeClr val="accent1"/>
+              </a:solidFill>
+            </a:ln>
+          </p:spPr>
+          <p:style>
+            <a:lnRef idx="2">
+              <a:schemeClr val="accent1">
+                <a:shade val="50000"/>
+              </a:schemeClr>
+            </a:lnRef>
+            <a:fillRef idx="1">
+              <a:schemeClr val="accent1"/>
+            </a:fillRef>
+            <a:effectRef idx="0">
+              <a:schemeClr val="accent1"/>
+            </a:effectRef>
+            <a:fontRef idx="minor">
+              <a:schemeClr val="lt1"/>
+            </a:fontRef>
+          </p:style>
+          <p:txBody>
+            <a:bodyPr rtlCol="0" anchor="ctr"/>
+            <a:lstStyle/>
+            <a:p>
+              <a:pPr algn="ctr"/>
+              <a:endParaRPr lang="ko-KR" altLang="en-US"/>
+            </a:p>
+          </p:txBody>
+        </p:sp>
+        <p:cxnSp>
+          <p:nvCxnSpPr>
+            <p:cNvPr id="120" name="직선 연결선 119"/>
+            <p:cNvCxnSpPr>
+              <a:endCxn id="119" idx="5"/>
+            </p:cNvCxnSpPr>
+            <p:nvPr/>
+          </p:nvCxnSpPr>
+          <p:spPr>
+            <a:xfrm rot="15236613" flipH="1" flipV="1">
+              <a:off x="5115178" y="5118146"/>
+              <a:ext cx="247653" cy="212198"/>
+            </a:xfrm>
+            <a:prstGeom prst="line">
+              <a:avLst/>
+            </a:prstGeom>
+            <a:ln w="38100">
+              <a:headEnd type="stealth" w="lg" len="lg"/>
+            </a:ln>
+          </p:spPr>
+          <p:style>
+            <a:lnRef idx="1">
+              <a:schemeClr val="accent1"/>
+            </a:lnRef>
+            <a:fillRef idx="0">
+              <a:schemeClr val="accent1"/>
+            </a:fillRef>
+            <a:effectRef idx="0">
+              <a:schemeClr val="accent1"/>
+            </a:effectRef>
+            <a:fontRef idx="minor">
+              <a:schemeClr val="tx1"/>
+            </a:fontRef>
+          </p:style>
+        </p:cxnSp>
+      </p:grpSp>
+      <p:sp>
+        <p:nvSpPr>
+          <p:cNvPr id="121" name="TextBox 120"/>
+          <p:cNvSpPr txBox="1"/>
+          <p:nvPr/>
+        </p:nvSpPr>
+        <p:spPr>
+          <a:xfrm rot="16200000">
+            <a:off x="5692122" y="2809263"/>
+            <a:ext cx="1130438" cy="430887"/>
+          </a:xfrm>
+          <a:prstGeom prst="rect">
+            <a:avLst/>
+          </a:prstGeom>
+          <a:noFill/>
+        </p:spPr>
+        <p:txBody>
+          <a:bodyPr wrap="none" rtlCol="0">
+            <a:spAutoFit/>
+          </a:bodyPr>
+          <a:lstStyle/>
+          <a:p>
+            <a:r>
+              <a:rPr lang="ko-KR" altLang="en-US" sz="1100" dirty="0" smtClean="0"/>
+              <a:t>강의평가 질문</a:t>
+            </a:r>
+            <a:endParaRPr lang="en-US" altLang="ko-KR" sz="1100" dirty="0" smtClean="0"/>
+          </a:p>
+          <a:p>
+            <a:r>
+              <a:rPr lang="ko-KR" altLang="en-US" sz="1100" dirty="0" smtClean="0"/>
+              <a:t>조회 성공 여부</a:t>
+            </a:r>
+            <a:endParaRPr lang="ko-KR" altLang="en-US" sz="1600" dirty="0"/>
+          </a:p>
+        </p:txBody>
+      </p:sp>
+      <p:grpSp>
+        <p:nvGrpSpPr>
+          <p:cNvPr id="122" name="그룹 121"/>
+          <p:cNvGrpSpPr/>
+          <p:nvPr/>
+        </p:nvGrpSpPr>
+        <p:grpSpPr>
+          <a:xfrm rot="313565">
+            <a:off x="8350481" y="2263301"/>
+            <a:ext cx="465295" cy="429840"/>
+            <a:chOff x="5764817" y="2081712"/>
+            <a:chExt cx="465295" cy="429840"/>
+          </a:xfrm>
+        </p:grpSpPr>
+        <p:sp>
+          <p:nvSpPr>
+            <p:cNvPr id="123" name="타원 122"/>
+            <p:cNvSpPr/>
+            <p:nvPr/>
+          </p:nvSpPr>
+          <p:spPr>
+            <a:xfrm>
+              <a:off x="5764817" y="2081712"/>
+              <a:ext cx="254984" cy="254984"/>
+            </a:xfrm>
+            <a:prstGeom prst="ellipse">
+              <a:avLst/>
+            </a:prstGeom>
+            <a:noFill/>
+            <a:ln w="38100">
+              <a:solidFill>
+                <a:schemeClr val="accent1"/>
+              </a:solidFill>
+            </a:ln>
+          </p:spPr>
+          <p:style>
+            <a:lnRef idx="2">
+              <a:schemeClr val="accent1">
+                <a:shade val="50000"/>
+              </a:schemeClr>
+            </a:lnRef>
+            <a:fillRef idx="1">
+              <a:schemeClr val="accent1"/>
+            </a:fillRef>
+            <a:effectRef idx="0">
+              <a:schemeClr val="accent1"/>
+            </a:effectRef>
+            <a:fontRef idx="minor">
+              <a:schemeClr val="lt1"/>
+            </a:fontRef>
+          </p:style>
+          <p:txBody>
+            <a:bodyPr rtlCol="0" anchor="ctr"/>
+            <a:lstStyle/>
+            <a:p>
+              <a:pPr algn="ctr"/>
+              <a:endParaRPr lang="ko-KR" altLang="en-US"/>
+            </a:p>
+          </p:txBody>
+        </p:sp>
+        <p:cxnSp>
+          <p:nvCxnSpPr>
+            <p:cNvPr id="124" name="직선 연결선 123"/>
+            <p:cNvCxnSpPr>
+              <a:endCxn id="123" idx="5"/>
+            </p:cNvCxnSpPr>
+            <p:nvPr/>
+          </p:nvCxnSpPr>
+          <p:spPr>
+            <a:xfrm flipH="1" flipV="1">
+              <a:off x="5982459" y="2299354"/>
+              <a:ext cx="247653" cy="212198"/>
+            </a:xfrm>
+            <a:prstGeom prst="line">
+              <a:avLst/>
+            </a:prstGeom>
+            <a:ln w="38100">
+              <a:headEnd type="stealth" w="lg" len="lg"/>
+            </a:ln>
+          </p:spPr>
+          <p:style>
+            <a:lnRef idx="1">
+              <a:schemeClr val="accent1"/>
+            </a:lnRef>
+            <a:fillRef idx="0">
+              <a:schemeClr val="accent1"/>
+            </a:fillRef>
+            <a:effectRef idx="0">
+              <a:schemeClr val="accent1"/>
+            </a:effectRef>
+            <a:fontRef idx="minor">
+              <a:schemeClr val="tx1"/>
+            </a:fontRef>
+          </p:style>
+        </p:cxnSp>
+      </p:grpSp>
+      <p:sp>
+        <p:nvSpPr>
+          <p:cNvPr id="125" name="TextBox 124"/>
+          <p:cNvSpPr txBox="1"/>
+          <p:nvPr/>
+        </p:nvSpPr>
+        <p:spPr>
+          <a:xfrm rot="2877606">
+            <a:off x="8406452" y="2214125"/>
+            <a:ext cx="1130438" cy="430887"/>
+          </a:xfrm>
+          <a:prstGeom prst="rect">
+            <a:avLst/>
+          </a:prstGeom>
+          <a:noFill/>
+        </p:spPr>
+        <p:txBody>
+          <a:bodyPr wrap="none" rtlCol="0">
+            <a:spAutoFit/>
+          </a:bodyPr>
+          <a:lstStyle/>
+          <a:p>
+            <a:r>
+              <a:rPr lang="ko-KR" altLang="en-US" sz="1100" dirty="0"/>
+              <a:t>강의평가</a:t>
+            </a:r>
+            <a:r>
+              <a:rPr lang="en-US" altLang="ko-KR" sz="1100" dirty="0"/>
+              <a:t> </a:t>
+            </a:r>
+            <a:r>
+              <a:rPr lang="ko-KR" altLang="en-US" sz="1100" dirty="0" smtClean="0"/>
+              <a:t>질문</a:t>
+            </a:r>
+            <a:endParaRPr lang="en-US" altLang="ko-KR" sz="1100" dirty="0" smtClean="0"/>
+          </a:p>
+          <a:p>
+            <a:r>
+              <a:rPr lang="ko-KR" altLang="en-US" sz="1100" dirty="0" smtClean="0"/>
+              <a:t>조회 </a:t>
+            </a:r>
+            <a:r>
+              <a:rPr lang="ko-KR" altLang="en-US" sz="1100" dirty="0"/>
+              <a:t>결과 정보</a:t>
+            </a:r>
+            <a:endParaRPr lang="ko-KR" altLang="en-US" sz="1600" dirty="0"/>
+          </a:p>
+        </p:txBody>
+      </p:sp>
+      <p:grpSp>
+        <p:nvGrpSpPr>
+          <p:cNvPr id="126" name="그룹 125"/>
+          <p:cNvGrpSpPr/>
+          <p:nvPr/>
+        </p:nvGrpSpPr>
+        <p:grpSpPr>
+          <a:xfrm rot="6394325">
+            <a:off x="7452561" y="1298970"/>
+            <a:ext cx="363003" cy="511228"/>
+            <a:chOff x="4982101" y="5100418"/>
+            <a:chExt cx="363003" cy="511228"/>
+          </a:xfrm>
+        </p:grpSpPr>
+        <p:sp>
+          <p:nvSpPr>
+            <p:cNvPr id="127" name="타원 126"/>
+            <p:cNvSpPr/>
+            <p:nvPr/>
+          </p:nvSpPr>
+          <p:spPr>
+            <a:xfrm rot="15236613">
+              <a:off x="4982101" y="5356662"/>
+              <a:ext cx="254984" cy="254984"/>
+            </a:xfrm>
+            <a:prstGeom prst="ellipse">
+              <a:avLst/>
+            </a:prstGeom>
+            <a:solidFill>
+              <a:schemeClr val="accent1"/>
+            </a:solidFill>
+            <a:ln w="38100">
+              <a:solidFill>
+                <a:schemeClr val="accent1"/>
+              </a:solidFill>
+            </a:ln>
+          </p:spPr>
+          <p:style>
+            <a:lnRef idx="2">
+              <a:schemeClr val="accent1">
+                <a:shade val="50000"/>
+              </a:schemeClr>
+            </a:lnRef>
+            <a:fillRef idx="1">
+              <a:schemeClr val="accent1"/>
+            </a:fillRef>
+            <a:effectRef idx="0">
+              <a:schemeClr val="accent1"/>
+            </a:effectRef>
+            <a:fontRef idx="minor">
+              <a:schemeClr val="lt1"/>
+            </a:fontRef>
+          </p:style>
+          <p:txBody>
+            <a:bodyPr rtlCol="0" anchor="ctr"/>
+            <a:lstStyle/>
+            <a:p>
+              <a:pPr algn="ctr"/>
+              <a:endParaRPr lang="ko-KR" altLang="en-US"/>
+            </a:p>
+          </p:txBody>
+        </p:sp>
+        <p:cxnSp>
+          <p:nvCxnSpPr>
+            <p:cNvPr id="128" name="직선 연결선 127"/>
+            <p:cNvCxnSpPr>
+              <a:endCxn id="127" idx="5"/>
+            </p:cNvCxnSpPr>
+            <p:nvPr/>
+          </p:nvCxnSpPr>
+          <p:spPr>
+            <a:xfrm rot="15236613" flipH="1" flipV="1">
+              <a:off x="5115178" y="5118146"/>
+              <a:ext cx="247653" cy="212198"/>
+            </a:xfrm>
+            <a:prstGeom prst="line">
+              <a:avLst/>
+            </a:prstGeom>
+            <a:ln w="38100">
+              <a:headEnd type="stealth" w="lg" len="lg"/>
+            </a:ln>
+          </p:spPr>
+          <p:style>
+            <a:lnRef idx="1">
+              <a:schemeClr val="accent1"/>
+            </a:lnRef>
+            <a:fillRef idx="0">
+              <a:schemeClr val="accent1"/>
+            </a:fillRef>
+            <a:effectRef idx="0">
+              <a:schemeClr val="accent1"/>
+            </a:effectRef>
+            <a:fontRef idx="minor">
+              <a:schemeClr val="tx1"/>
+            </a:fontRef>
+          </p:style>
+        </p:cxnSp>
+      </p:grpSp>
+      <p:sp>
+        <p:nvSpPr>
+          <p:cNvPr id="129" name="TextBox 128"/>
+          <p:cNvSpPr txBox="1"/>
+          <p:nvPr/>
+        </p:nvSpPr>
+        <p:spPr>
+          <a:xfrm rot="2681449">
+            <a:off x="7336664" y="1007150"/>
+            <a:ext cx="1130438" cy="430887"/>
+          </a:xfrm>
+          <a:prstGeom prst="rect">
+            <a:avLst/>
+          </a:prstGeom>
+          <a:noFill/>
+        </p:spPr>
+        <p:txBody>
+          <a:bodyPr wrap="none" rtlCol="0">
+            <a:spAutoFit/>
+          </a:bodyPr>
+          <a:lstStyle/>
+          <a:p>
+            <a:r>
+              <a:rPr lang="ko-KR" altLang="en-US" sz="1100" dirty="0" smtClean="0"/>
+              <a:t>강의평가 질문</a:t>
+            </a:r>
+            <a:endParaRPr lang="en-US" altLang="ko-KR" sz="1100" dirty="0" smtClean="0"/>
+          </a:p>
+          <a:p>
+            <a:r>
+              <a:rPr lang="ko-KR" altLang="en-US" sz="1100" dirty="0" smtClean="0"/>
+              <a:t>조회 성공 여부</a:t>
+            </a:r>
+            <a:endParaRPr lang="ko-KR" altLang="en-US" sz="1600" dirty="0"/>
+          </a:p>
+        </p:txBody>
+      </p:sp>
+      <p:grpSp>
+        <p:nvGrpSpPr>
+          <p:cNvPr id="130" name="그룹 129"/>
+          <p:cNvGrpSpPr/>
+          <p:nvPr/>
+        </p:nvGrpSpPr>
+        <p:grpSpPr>
+          <a:xfrm rot="9363860">
+            <a:off x="9059076" y="4929339"/>
+            <a:ext cx="363003" cy="511228"/>
+            <a:chOff x="4982101" y="5100418"/>
+            <a:chExt cx="363003" cy="511228"/>
+          </a:xfrm>
+        </p:grpSpPr>
+        <p:sp>
+          <p:nvSpPr>
+            <p:cNvPr id="131" name="타원 130"/>
+            <p:cNvSpPr/>
+            <p:nvPr/>
+          </p:nvSpPr>
+          <p:spPr>
+            <a:xfrm rot="15236613">
+              <a:off x="4982101" y="5356662"/>
+              <a:ext cx="254984" cy="254984"/>
+            </a:xfrm>
+            <a:prstGeom prst="ellipse">
+              <a:avLst/>
+            </a:prstGeom>
+            <a:solidFill>
+              <a:schemeClr val="accent1"/>
+            </a:solidFill>
+            <a:ln w="38100">
+              <a:solidFill>
+                <a:schemeClr val="accent1"/>
+              </a:solidFill>
+            </a:ln>
+          </p:spPr>
+          <p:style>
+            <a:lnRef idx="2">
+              <a:schemeClr val="accent1">
+                <a:shade val="50000"/>
+              </a:schemeClr>
+            </a:lnRef>
+            <a:fillRef idx="1">
+              <a:schemeClr val="accent1"/>
+            </a:fillRef>
+            <a:effectRef idx="0">
+              <a:schemeClr val="accent1"/>
+            </a:effectRef>
+            <a:fontRef idx="minor">
+              <a:schemeClr val="lt1"/>
+            </a:fontRef>
+          </p:style>
+          <p:txBody>
+            <a:bodyPr rtlCol="0" anchor="ctr"/>
+            <a:lstStyle/>
+            <a:p>
+              <a:pPr algn="ctr"/>
+              <a:endParaRPr lang="ko-KR" altLang="en-US"/>
+            </a:p>
+          </p:txBody>
+        </p:sp>
+        <p:cxnSp>
+          <p:nvCxnSpPr>
+            <p:cNvPr id="132" name="직선 연결선 131"/>
+            <p:cNvCxnSpPr>
+              <a:endCxn id="131" idx="5"/>
+            </p:cNvCxnSpPr>
+            <p:nvPr/>
+          </p:nvCxnSpPr>
+          <p:spPr>
+            <a:xfrm rot="15236613" flipH="1" flipV="1">
+              <a:off x="5115178" y="5118146"/>
+              <a:ext cx="247653" cy="212198"/>
+            </a:xfrm>
+            <a:prstGeom prst="line">
+              <a:avLst/>
+            </a:prstGeom>
+            <a:ln w="38100">
+              <a:headEnd type="stealth" w="lg" len="lg"/>
+            </a:ln>
+          </p:spPr>
+          <p:style>
+            <a:lnRef idx="1">
+              <a:schemeClr val="accent1"/>
+            </a:lnRef>
+            <a:fillRef idx="0">
+              <a:schemeClr val="accent1"/>
+            </a:fillRef>
+            <a:effectRef idx="0">
+              <a:schemeClr val="accent1"/>
+            </a:effectRef>
+            <a:fontRef idx="minor">
+              <a:schemeClr val="tx1"/>
+            </a:fontRef>
+          </p:style>
+        </p:cxnSp>
+      </p:grpSp>
+      <p:sp>
+        <p:nvSpPr>
+          <p:cNvPr id="133" name="TextBox 132"/>
+          <p:cNvSpPr txBox="1"/>
+          <p:nvPr/>
+        </p:nvSpPr>
+        <p:spPr>
+          <a:xfrm rot="16200000">
+            <a:off x="8210029" y="4937338"/>
+            <a:ext cx="1130438" cy="430887"/>
+          </a:xfrm>
+          <a:prstGeom prst="rect">
+            <a:avLst/>
+          </a:prstGeom>
+          <a:noFill/>
+        </p:spPr>
+        <p:txBody>
+          <a:bodyPr wrap="none" rtlCol="0">
+            <a:spAutoFit/>
+          </a:bodyPr>
+          <a:lstStyle/>
+          <a:p>
+            <a:r>
+              <a:rPr lang="ko-KR" altLang="en-US" sz="1100" dirty="0" smtClean="0"/>
+              <a:t>강의평가 질문</a:t>
+            </a:r>
+            <a:endParaRPr lang="en-US" altLang="ko-KR" sz="1100" dirty="0" smtClean="0"/>
+          </a:p>
+          <a:p>
+            <a:r>
+              <a:rPr lang="ko-KR" altLang="en-US" sz="1100" dirty="0" smtClean="0"/>
+              <a:t>조회 성공 여부</a:t>
             </a:r>
             <a:endParaRPr lang="ko-KR" altLang="en-US" sz="1600" dirty="0"/>
           </a:p>

--- a/SDD 관련 자료/작업 결과물/처리 모형도/강의평가 질문 조회.pptx
+++ b/SDD 관련 자료/작업 결과물/처리 모형도/강의평가 질문 조회.pptx
@@ -243,7 +243,7 @@
           <a:p>
             <a:fld id="{0B900713-9BB5-48E5-B926-D675DA15F407}" type="datetimeFigureOut">
               <a:rPr lang="ko-KR" altLang="en-US" smtClean="0"/>
-              <a:t>2016-05-30</a:t>
+              <a:t>2016-05-31</a:t>
             </a:fld>
             <a:endParaRPr lang="ko-KR" altLang="en-US"/>
           </a:p>
@@ -413,7 +413,7 @@
           <a:p>
             <a:fld id="{0B900713-9BB5-48E5-B926-D675DA15F407}" type="datetimeFigureOut">
               <a:rPr lang="ko-KR" altLang="en-US" smtClean="0"/>
-              <a:t>2016-05-30</a:t>
+              <a:t>2016-05-31</a:t>
             </a:fld>
             <a:endParaRPr lang="ko-KR" altLang="en-US"/>
           </a:p>
@@ -593,7 +593,7 @@
           <a:p>
             <a:fld id="{0B900713-9BB5-48E5-B926-D675DA15F407}" type="datetimeFigureOut">
               <a:rPr lang="ko-KR" altLang="en-US" smtClean="0"/>
-              <a:t>2016-05-30</a:t>
+              <a:t>2016-05-31</a:t>
             </a:fld>
             <a:endParaRPr lang="ko-KR" altLang="en-US"/>
           </a:p>
@@ -763,7 +763,7 @@
           <a:p>
             <a:fld id="{0B900713-9BB5-48E5-B926-D675DA15F407}" type="datetimeFigureOut">
               <a:rPr lang="ko-KR" altLang="en-US" smtClean="0"/>
-              <a:t>2016-05-30</a:t>
+              <a:t>2016-05-31</a:t>
             </a:fld>
             <a:endParaRPr lang="ko-KR" altLang="en-US"/>
           </a:p>
@@ -1009,7 +1009,7 @@
           <a:p>
             <a:fld id="{0B900713-9BB5-48E5-B926-D675DA15F407}" type="datetimeFigureOut">
               <a:rPr lang="ko-KR" altLang="en-US" smtClean="0"/>
-              <a:t>2016-05-30</a:t>
+              <a:t>2016-05-31</a:t>
             </a:fld>
             <a:endParaRPr lang="ko-KR" altLang="en-US"/>
           </a:p>
@@ -1241,7 +1241,7 @@
           <a:p>
             <a:fld id="{0B900713-9BB5-48E5-B926-D675DA15F407}" type="datetimeFigureOut">
               <a:rPr lang="ko-KR" altLang="en-US" smtClean="0"/>
-              <a:t>2016-05-30</a:t>
+              <a:t>2016-05-31</a:t>
             </a:fld>
             <a:endParaRPr lang="ko-KR" altLang="en-US"/>
           </a:p>
@@ -1608,7 +1608,7 @@
           <a:p>
             <a:fld id="{0B900713-9BB5-48E5-B926-D675DA15F407}" type="datetimeFigureOut">
               <a:rPr lang="ko-KR" altLang="en-US" smtClean="0"/>
-              <a:t>2016-05-30</a:t>
+              <a:t>2016-05-31</a:t>
             </a:fld>
             <a:endParaRPr lang="ko-KR" altLang="en-US"/>
           </a:p>
@@ -1726,7 +1726,7 @@
           <a:p>
             <a:fld id="{0B900713-9BB5-48E5-B926-D675DA15F407}" type="datetimeFigureOut">
               <a:rPr lang="ko-KR" altLang="en-US" smtClean="0"/>
-              <a:t>2016-05-30</a:t>
+              <a:t>2016-05-31</a:t>
             </a:fld>
             <a:endParaRPr lang="ko-KR" altLang="en-US"/>
           </a:p>
@@ -1821,7 +1821,7 @@
           <a:p>
             <a:fld id="{0B900713-9BB5-48E5-B926-D675DA15F407}" type="datetimeFigureOut">
               <a:rPr lang="ko-KR" altLang="en-US" smtClean="0"/>
-              <a:t>2016-05-30</a:t>
+              <a:t>2016-05-31</a:t>
             </a:fld>
             <a:endParaRPr lang="ko-KR" altLang="en-US"/>
           </a:p>
@@ -2098,7 +2098,7 @@
           <a:p>
             <a:fld id="{0B900713-9BB5-48E5-B926-D675DA15F407}" type="datetimeFigureOut">
               <a:rPr lang="ko-KR" altLang="en-US" smtClean="0"/>
-              <a:t>2016-05-30</a:t>
+              <a:t>2016-05-31</a:t>
             </a:fld>
             <a:endParaRPr lang="ko-KR" altLang="en-US"/>
           </a:p>
@@ -2351,7 +2351,7 @@
           <a:p>
             <a:fld id="{0B900713-9BB5-48E5-B926-D675DA15F407}" type="datetimeFigureOut">
               <a:rPr lang="ko-KR" altLang="en-US" smtClean="0"/>
-              <a:t>2016-05-30</a:t>
+              <a:t>2016-05-31</a:t>
             </a:fld>
             <a:endParaRPr lang="ko-KR" altLang="en-US"/>
           </a:p>
@@ -2564,7 +2564,7 @@
           <a:p>
             <a:fld id="{0B900713-9BB5-48E5-B926-D675DA15F407}" type="datetimeFigureOut">
               <a:rPr lang="ko-KR" altLang="en-US" smtClean="0"/>
-              <a:t>2016-05-30</a:t>
+              <a:t>2016-05-31</a:t>
             </a:fld>
             <a:endParaRPr lang="ko-KR" altLang="en-US"/>
           </a:p>
@@ -4887,11 +4887,7 @@
           <a:p>
             <a:r>
               <a:rPr lang="ko-KR" altLang="en-US" sz="1100" dirty="0" smtClean="0"/>
-              <a:t> </a:t>
-            </a:r>
-            <a:r>
-              <a:rPr lang="ko-KR" altLang="en-US" sz="1100" dirty="0" smtClean="0"/>
-              <a:t>정보</a:t>
+              <a:t> 정보</a:t>
             </a:r>
             <a:endParaRPr lang="ko-KR" altLang="en-US" sz="1600" dirty="0"/>
           </a:p>
@@ -5025,284 +5021,6 @@
       </p:sp>
       <p:grpSp>
         <p:nvGrpSpPr>
-          <p:cNvPr id="85" name="그룹 84"/>
-          <p:cNvGrpSpPr/>
-          <p:nvPr/>
-        </p:nvGrpSpPr>
-        <p:grpSpPr>
-          <a:xfrm rot="11910681">
-            <a:off x="1679643" y="5045594"/>
-            <a:ext cx="363003" cy="511228"/>
-            <a:chOff x="4982101" y="5100418"/>
-            <a:chExt cx="363003" cy="511228"/>
-          </a:xfrm>
-        </p:grpSpPr>
-        <p:sp>
-          <p:nvSpPr>
-            <p:cNvPr id="87" name="타원 86"/>
-            <p:cNvSpPr/>
-            <p:nvPr/>
-          </p:nvSpPr>
-          <p:spPr>
-            <a:xfrm rot="15236613">
-              <a:off x="4982101" y="5356662"/>
-              <a:ext cx="254984" cy="254984"/>
-            </a:xfrm>
-            <a:prstGeom prst="ellipse">
-              <a:avLst/>
-            </a:prstGeom>
-            <a:solidFill>
-              <a:schemeClr val="accent1"/>
-            </a:solidFill>
-            <a:ln w="38100">
-              <a:solidFill>
-                <a:schemeClr val="accent1"/>
-              </a:solidFill>
-            </a:ln>
-          </p:spPr>
-          <p:style>
-            <a:lnRef idx="2">
-              <a:schemeClr val="accent1">
-                <a:shade val="50000"/>
-              </a:schemeClr>
-            </a:lnRef>
-            <a:fillRef idx="1">
-              <a:schemeClr val="accent1"/>
-            </a:fillRef>
-            <a:effectRef idx="0">
-              <a:schemeClr val="accent1"/>
-            </a:effectRef>
-            <a:fontRef idx="minor">
-              <a:schemeClr val="lt1"/>
-            </a:fontRef>
-          </p:style>
-          <p:txBody>
-            <a:bodyPr rtlCol="0" anchor="ctr"/>
-            <a:lstStyle/>
-            <a:p>
-              <a:pPr algn="ctr"/>
-              <a:endParaRPr lang="ko-KR" altLang="en-US"/>
-            </a:p>
-          </p:txBody>
-        </p:sp>
-        <p:cxnSp>
-          <p:nvCxnSpPr>
-            <p:cNvPr id="88" name="직선 연결선 87"/>
-            <p:cNvCxnSpPr>
-              <a:endCxn id="87" idx="5"/>
-            </p:cNvCxnSpPr>
-            <p:nvPr/>
-          </p:nvCxnSpPr>
-          <p:spPr>
-            <a:xfrm rot="15236613" flipH="1" flipV="1">
-              <a:off x="5115178" y="5118146"/>
-              <a:ext cx="247653" cy="212198"/>
-            </a:xfrm>
-            <a:prstGeom prst="line">
-              <a:avLst/>
-            </a:prstGeom>
-            <a:ln w="38100">
-              <a:headEnd type="stealth" w="lg" len="lg"/>
-            </a:ln>
-          </p:spPr>
-          <p:style>
-            <a:lnRef idx="1">
-              <a:schemeClr val="accent1"/>
-            </a:lnRef>
-            <a:fillRef idx="0">
-              <a:schemeClr val="accent1"/>
-            </a:fillRef>
-            <a:effectRef idx="0">
-              <a:schemeClr val="accent1"/>
-            </a:effectRef>
-            <a:fontRef idx="minor">
-              <a:schemeClr val="tx1"/>
-            </a:fontRef>
-          </p:style>
-        </p:cxnSp>
-      </p:grpSp>
-      <p:sp>
-        <p:nvSpPr>
-          <p:cNvPr id="89" name="TextBox 88"/>
-          <p:cNvSpPr txBox="1"/>
-          <p:nvPr/>
-        </p:nvSpPr>
-        <p:spPr>
-          <a:xfrm rot="8105023">
-            <a:off x="1792672" y="5007979"/>
-            <a:ext cx="798617" cy="430887"/>
-          </a:xfrm>
-          <a:prstGeom prst="rect">
-            <a:avLst/>
-          </a:prstGeom>
-          <a:noFill/>
-        </p:spPr>
-        <p:txBody>
-          <a:bodyPr wrap="none" rtlCol="0">
-            <a:spAutoFit/>
-          </a:bodyPr>
-          <a:lstStyle/>
-          <a:p>
-            <a:r>
-              <a:rPr lang="ko-KR" altLang="en-US" sz="1100" dirty="0" smtClean="0"/>
-              <a:t>권한 확인</a:t>
-            </a:r>
-            <a:endParaRPr lang="en-US" altLang="ko-KR" sz="1100" dirty="0" smtClean="0"/>
-          </a:p>
-          <a:p>
-            <a:r>
-              <a:rPr lang="ko-KR" altLang="en-US" sz="1100" dirty="0" smtClean="0"/>
-              <a:t> </a:t>
-            </a:r>
-            <a:r>
-              <a:rPr lang="ko-KR" altLang="en-US" sz="1100" dirty="0" smtClean="0"/>
-              <a:t>정보</a:t>
-            </a:r>
-            <a:endParaRPr lang="ko-KR" altLang="en-US" sz="1600" dirty="0"/>
-          </a:p>
-        </p:txBody>
-      </p:sp>
-      <p:grpSp>
-        <p:nvGrpSpPr>
-          <p:cNvPr id="90" name="그룹 89"/>
-          <p:cNvGrpSpPr/>
-          <p:nvPr/>
-        </p:nvGrpSpPr>
-        <p:grpSpPr>
-          <a:xfrm rot="11910681">
-            <a:off x="4049608" y="2477937"/>
-            <a:ext cx="363003" cy="511228"/>
-            <a:chOff x="4982101" y="5100418"/>
-            <a:chExt cx="363003" cy="511228"/>
-          </a:xfrm>
-        </p:grpSpPr>
-        <p:sp>
-          <p:nvSpPr>
-            <p:cNvPr id="91" name="타원 90"/>
-            <p:cNvSpPr/>
-            <p:nvPr/>
-          </p:nvSpPr>
-          <p:spPr>
-            <a:xfrm rot="15236613">
-              <a:off x="4982101" y="5356662"/>
-              <a:ext cx="254984" cy="254984"/>
-            </a:xfrm>
-            <a:prstGeom prst="ellipse">
-              <a:avLst/>
-            </a:prstGeom>
-            <a:solidFill>
-              <a:schemeClr val="accent1"/>
-            </a:solidFill>
-            <a:ln w="38100">
-              <a:solidFill>
-                <a:schemeClr val="accent1"/>
-              </a:solidFill>
-            </a:ln>
-          </p:spPr>
-          <p:style>
-            <a:lnRef idx="2">
-              <a:schemeClr val="accent1">
-                <a:shade val="50000"/>
-              </a:schemeClr>
-            </a:lnRef>
-            <a:fillRef idx="1">
-              <a:schemeClr val="accent1"/>
-            </a:fillRef>
-            <a:effectRef idx="0">
-              <a:schemeClr val="accent1"/>
-            </a:effectRef>
-            <a:fontRef idx="minor">
-              <a:schemeClr val="lt1"/>
-            </a:fontRef>
-          </p:style>
-          <p:txBody>
-            <a:bodyPr rtlCol="0" anchor="ctr"/>
-            <a:lstStyle/>
-            <a:p>
-              <a:pPr algn="ctr"/>
-              <a:endParaRPr lang="ko-KR" altLang="en-US"/>
-            </a:p>
-          </p:txBody>
-        </p:sp>
-        <p:cxnSp>
-          <p:nvCxnSpPr>
-            <p:cNvPr id="92" name="직선 연결선 91"/>
-            <p:cNvCxnSpPr>
-              <a:endCxn id="91" idx="5"/>
-            </p:cNvCxnSpPr>
-            <p:nvPr/>
-          </p:nvCxnSpPr>
-          <p:spPr>
-            <a:xfrm rot="15236613" flipH="1" flipV="1">
-              <a:off x="5115178" y="5118146"/>
-              <a:ext cx="247653" cy="212198"/>
-            </a:xfrm>
-            <a:prstGeom prst="line">
-              <a:avLst/>
-            </a:prstGeom>
-            <a:ln w="38100">
-              <a:headEnd type="stealth" w="lg" len="lg"/>
-            </a:ln>
-          </p:spPr>
-          <p:style>
-            <a:lnRef idx="1">
-              <a:schemeClr val="accent1"/>
-            </a:lnRef>
-            <a:fillRef idx="0">
-              <a:schemeClr val="accent1"/>
-            </a:fillRef>
-            <a:effectRef idx="0">
-              <a:schemeClr val="accent1"/>
-            </a:effectRef>
-            <a:fontRef idx="minor">
-              <a:schemeClr val="tx1"/>
-            </a:fontRef>
-          </p:style>
-        </p:cxnSp>
-      </p:grpSp>
-      <p:sp>
-        <p:nvSpPr>
-          <p:cNvPr id="93" name="TextBox 92"/>
-          <p:cNvSpPr txBox="1"/>
-          <p:nvPr/>
-        </p:nvSpPr>
-        <p:spPr>
-          <a:xfrm rot="8105023">
-            <a:off x="4162637" y="2440322"/>
-            <a:ext cx="798617" cy="430887"/>
-          </a:xfrm>
-          <a:prstGeom prst="rect">
-            <a:avLst/>
-          </a:prstGeom>
-          <a:noFill/>
-        </p:spPr>
-        <p:txBody>
-          <a:bodyPr wrap="none" rtlCol="0">
-            <a:spAutoFit/>
-          </a:bodyPr>
-          <a:lstStyle/>
-          <a:p>
-            <a:r>
-              <a:rPr lang="ko-KR" altLang="en-US" sz="1100" dirty="0" smtClean="0"/>
-              <a:t>권한 확인</a:t>
-            </a:r>
-            <a:endParaRPr lang="en-US" altLang="ko-KR" sz="1100" dirty="0" smtClean="0"/>
-          </a:p>
-          <a:p>
-            <a:r>
-              <a:rPr lang="ko-KR" altLang="en-US" sz="1100" dirty="0" smtClean="0"/>
-              <a:t> </a:t>
-            </a:r>
-            <a:r>
-              <a:rPr lang="ko-KR" altLang="en-US" sz="1100" dirty="0" smtClean="0"/>
-              <a:t>정보</a:t>
-            </a:r>
-            <a:endParaRPr lang="ko-KR" altLang="en-US" sz="1600" dirty="0"/>
-          </a:p>
-        </p:txBody>
-      </p:sp>
-      <p:grpSp>
-        <p:nvGrpSpPr>
           <p:cNvPr id="94" name="그룹 93"/>
           <p:cNvGrpSpPr/>
           <p:nvPr/>
@@ -5556,11 +5274,7 @@
           <a:p>
             <a:r>
               <a:rPr lang="ko-KR" altLang="en-US" sz="1100" dirty="0" smtClean="0"/>
-              <a:t> </a:t>
-            </a:r>
-            <a:r>
-              <a:rPr lang="ko-KR" altLang="en-US" sz="1100" dirty="0" smtClean="0"/>
-              <a:t>정보</a:t>
+              <a:t> 정보</a:t>
             </a:r>
             <a:endParaRPr lang="ko-KR" altLang="en-US" sz="1600" dirty="0"/>
           </a:p>
@@ -6396,7 +6110,7 @@
         </p:nvGrpSpPr>
         <p:grpSpPr>
           <a:xfrm rot="6394325">
-            <a:off x="7452561" y="1298970"/>
+            <a:off x="7104590" y="1015530"/>
             <a:ext cx="363003" cy="511228"/>
             <a:chOff x="4982101" y="5100418"/>
             <a:chExt cx="363003" cy="511228"/>
@@ -6494,7 +6208,7 @@
         </p:nvSpPr>
         <p:spPr>
           <a:xfrm rot="2681449">
-            <a:off x="7336664" y="1007150"/>
+            <a:off x="6988693" y="723710"/>
             <a:ext cx="1130438" cy="430887"/>
           </a:xfrm>
           <a:prstGeom prst="rect">
@@ -6653,6 +6367,372 @@
             <a:r>
               <a:rPr lang="ko-KR" altLang="en-US" sz="1100" dirty="0" smtClean="0"/>
               <a:t>조회 성공 여부</a:t>
+            </a:r>
+            <a:endParaRPr lang="ko-KR" altLang="en-US" sz="1600" dirty="0"/>
+          </a:p>
+        </p:txBody>
+      </p:sp>
+      <p:sp>
+        <p:nvSpPr>
+          <p:cNvPr id="134" name="직사각형 133"/>
+          <p:cNvSpPr/>
+          <p:nvPr/>
+        </p:nvSpPr>
+        <p:spPr>
+          <a:xfrm>
+            <a:off x="10591544" y="6181506"/>
+            <a:ext cx="1556992" cy="726131"/>
+          </a:xfrm>
+          <a:prstGeom prst="rect">
+            <a:avLst/>
+          </a:prstGeom>
+          <a:noFill/>
+          <a:ln w="31750">
+            <a:solidFill>
+              <a:schemeClr val="accent1">
+                <a:shade val="50000"/>
+              </a:schemeClr>
+            </a:solidFill>
+          </a:ln>
+        </p:spPr>
+        <p:style>
+          <a:lnRef idx="2">
+            <a:schemeClr val="accent1">
+              <a:shade val="50000"/>
+            </a:schemeClr>
+          </a:lnRef>
+          <a:fillRef idx="1">
+            <a:schemeClr val="accent1"/>
+          </a:fillRef>
+          <a:effectRef idx="0">
+            <a:schemeClr val="accent1"/>
+          </a:effectRef>
+          <a:fontRef idx="minor">
+            <a:schemeClr val="lt1"/>
+          </a:fontRef>
+        </p:style>
+        <p:txBody>
+          <a:bodyPr rtlCol="0" anchor="ctr"/>
+          <a:lstStyle/>
+          <a:p>
+            <a:pPr algn="ctr"/>
+            <a:r>
+              <a:rPr lang="ko-KR" altLang="en-US" sz="1100" dirty="0" smtClean="0">
+                <a:solidFill>
+                  <a:sysClr val="windowText" lastClr="000000"/>
+                </a:solidFill>
+              </a:rPr>
+              <a:t>권한 체크 결과 출력</a:t>
+            </a:r>
+            <a:endParaRPr lang="ko-KR" altLang="en-US" sz="1100" dirty="0">
+              <a:solidFill>
+                <a:sysClr val="windowText" lastClr="000000"/>
+              </a:solidFill>
+            </a:endParaRPr>
+          </a:p>
+        </p:txBody>
+      </p:sp>
+      <p:grpSp>
+        <p:nvGrpSpPr>
+          <p:cNvPr id="135" name="그룹 134"/>
+          <p:cNvGrpSpPr/>
+          <p:nvPr/>
+        </p:nvGrpSpPr>
+        <p:grpSpPr>
+          <a:xfrm rot="6937687">
+            <a:off x="7830627" y="1679805"/>
+            <a:ext cx="363003" cy="511228"/>
+            <a:chOff x="4982101" y="5100418"/>
+            <a:chExt cx="363003" cy="511228"/>
+          </a:xfrm>
+        </p:grpSpPr>
+        <p:sp>
+          <p:nvSpPr>
+            <p:cNvPr id="136" name="타원 135"/>
+            <p:cNvSpPr/>
+            <p:nvPr/>
+          </p:nvSpPr>
+          <p:spPr>
+            <a:xfrm rot="15236613">
+              <a:off x="4982101" y="5356662"/>
+              <a:ext cx="254984" cy="254984"/>
+            </a:xfrm>
+            <a:prstGeom prst="ellipse">
+              <a:avLst/>
+            </a:prstGeom>
+            <a:solidFill>
+              <a:schemeClr val="accent1"/>
+            </a:solidFill>
+            <a:ln w="38100">
+              <a:solidFill>
+                <a:schemeClr val="accent1"/>
+              </a:solidFill>
+            </a:ln>
+          </p:spPr>
+          <p:style>
+            <a:lnRef idx="2">
+              <a:schemeClr val="accent1">
+                <a:shade val="50000"/>
+              </a:schemeClr>
+            </a:lnRef>
+            <a:fillRef idx="1">
+              <a:schemeClr val="accent1"/>
+            </a:fillRef>
+            <a:effectRef idx="0">
+              <a:schemeClr val="accent1"/>
+            </a:effectRef>
+            <a:fontRef idx="minor">
+              <a:schemeClr val="lt1"/>
+            </a:fontRef>
+          </p:style>
+          <p:txBody>
+            <a:bodyPr rtlCol="0" anchor="ctr"/>
+            <a:lstStyle/>
+            <a:p>
+              <a:pPr algn="ctr"/>
+              <a:endParaRPr lang="ko-KR" altLang="en-US"/>
+            </a:p>
+          </p:txBody>
+        </p:sp>
+        <p:cxnSp>
+          <p:nvCxnSpPr>
+            <p:cNvPr id="137" name="직선 연결선 136"/>
+            <p:cNvCxnSpPr>
+              <a:endCxn id="136" idx="5"/>
+            </p:cNvCxnSpPr>
+            <p:nvPr/>
+          </p:nvCxnSpPr>
+          <p:spPr>
+            <a:xfrm rot="15236613" flipH="1" flipV="1">
+              <a:off x="5115178" y="5118146"/>
+              <a:ext cx="247653" cy="212198"/>
+            </a:xfrm>
+            <a:prstGeom prst="line">
+              <a:avLst/>
+            </a:prstGeom>
+            <a:ln w="38100">
+              <a:headEnd type="stealth" w="lg" len="lg"/>
+            </a:ln>
+          </p:spPr>
+          <p:style>
+            <a:lnRef idx="1">
+              <a:schemeClr val="accent1"/>
+            </a:lnRef>
+            <a:fillRef idx="0">
+              <a:schemeClr val="accent1"/>
+            </a:fillRef>
+            <a:effectRef idx="0">
+              <a:schemeClr val="accent1"/>
+            </a:effectRef>
+            <a:fontRef idx="minor">
+              <a:schemeClr val="tx1"/>
+            </a:fontRef>
+          </p:style>
+        </p:cxnSp>
+      </p:grpSp>
+      <p:sp>
+        <p:nvSpPr>
+          <p:cNvPr id="138" name="TextBox 137"/>
+          <p:cNvSpPr txBox="1"/>
+          <p:nvPr/>
+        </p:nvSpPr>
+        <p:spPr>
+          <a:xfrm rot="2978533">
+            <a:off x="7820931" y="1453461"/>
+            <a:ext cx="798617" cy="430887"/>
+          </a:xfrm>
+          <a:prstGeom prst="rect">
+            <a:avLst/>
+          </a:prstGeom>
+          <a:noFill/>
+        </p:spPr>
+        <p:txBody>
+          <a:bodyPr wrap="none" rtlCol="0">
+            <a:spAutoFit/>
+          </a:bodyPr>
+          <a:lstStyle/>
+          <a:p>
+            <a:r>
+              <a:rPr lang="ko-KR" altLang="en-US" sz="1100" dirty="0" smtClean="0"/>
+              <a:t>권한 확인</a:t>
+            </a:r>
+            <a:endParaRPr lang="en-US" altLang="ko-KR" sz="1100" dirty="0" smtClean="0"/>
+          </a:p>
+          <a:p>
+            <a:r>
+              <a:rPr lang="ko-KR" altLang="en-US" sz="1100" dirty="0" smtClean="0"/>
+              <a:t> 정보</a:t>
+            </a:r>
+            <a:endParaRPr lang="ko-KR" altLang="en-US" sz="1600" dirty="0"/>
+          </a:p>
+        </p:txBody>
+      </p:sp>
+      <p:cxnSp>
+        <p:nvCxnSpPr>
+          <p:cNvPr id="139" name="직선 화살표 연결선 138"/>
+          <p:cNvCxnSpPr>
+            <a:endCxn id="134" idx="0"/>
+          </p:cNvCxnSpPr>
+          <p:nvPr/>
+        </p:nvCxnSpPr>
+        <p:spPr>
+          <a:xfrm>
+            <a:off x="9779373" y="4342951"/>
+            <a:ext cx="1590667" cy="1838555"/>
+          </a:xfrm>
+          <a:prstGeom prst="straightConnector1">
+            <a:avLst/>
+          </a:prstGeom>
+          <a:ln w="38100">
+            <a:headEnd w="lg" len="lg"/>
+            <a:tailEnd type="triangle"/>
+          </a:ln>
+        </p:spPr>
+        <p:style>
+          <a:lnRef idx="1">
+            <a:schemeClr val="accent1"/>
+          </a:lnRef>
+          <a:fillRef idx="0">
+            <a:schemeClr val="accent1"/>
+          </a:fillRef>
+          <a:effectRef idx="0">
+            <a:schemeClr val="accent1"/>
+          </a:effectRef>
+          <a:fontRef idx="minor">
+            <a:schemeClr val="tx1"/>
+          </a:fontRef>
+        </p:style>
+      </p:cxnSp>
+      <p:grpSp>
+        <p:nvGrpSpPr>
+          <p:cNvPr id="140" name="그룹 139"/>
+          <p:cNvGrpSpPr/>
+          <p:nvPr/>
+        </p:nvGrpSpPr>
+        <p:grpSpPr>
+          <a:xfrm rot="6937687">
+            <a:off x="10511585" y="4705437"/>
+            <a:ext cx="363003" cy="511228"/>
+            <a:chOff x="4982101" y="5100418"/>
+            <a:chExt cx="363003" cy="511228"/>
+          </a:xfrm>
+        </p:grpSpPr>
+        <p:sp>
+          <p:nvSpPr>
+            <p:cNvPr id="141" name="타원 140"/>
+            <p:cNvSpPr/>
+            <p:nvPr/>
+          </p:nvSpPr>
+          <p:spPr>
+            <a:xfrm rot="15236613">
+              <a:off x="4982101" y="5356662"/>
+              <a:ext cx="254984" cy="254984"/>
+            </a:xfrm>
+            <a:prstGeom prst="ellipse">
+              <a:avLst/>
+            </a:prstGeom>
+            <a:solidFill>
+              <a:schemeClr val="accent1"/>
+            </a:solidFill>
+            <a:ln w="38100">
+              <a:solidFill>
+                <a:schemeClr val="accent1"/>
+              </a:solidFill>
+            </a:ln>
+          </p:spPr>
+          <p:style>
+            <a:lnRef idx="2">
+              <a:schemeClr val="accent1">
+                <a:shade val="50000"/>
+              </a:schemeClr>
+            </a:lnRef>
+            <a:fillRef idx="1">
+              <a:schemeClr val="accent1"/>
+            </a:fillRef>
+            <a:effectRef idx="0">
+              <a:schemeClr val="accent1"/>
+            </a:effectRef>
+            <a:fontRef idx="minor">
+              <a:schemeClr val="lt1"/>
+            </a:fontRef>
+          </p:style>
+          <p:txBody>
+            <a:bodyPr rtlCol="0" anchor="ctr"/>
+            <a:lstStyle/>
+            <a:p>
+              <a:pPr algn="ctr"/>
+              <a:endParaRPr lang="ko-KR" altLang="en-US"/>
+            </a:p>
+          </p:txBody>
+        </p:sp>
+        <p:cxnSp>
+          <p:nvCxnSpPr>
+            <p:cNvPr id="142" name="직선 연결선 141"/>
+            <p:cNvCxnSpPr>
+              <a:endCxn id="141" idx="5"/>
+            </p:cNvCxnSpPr>
+            <p:nvPr/>
+          </p:nvCxnSpPr>
+          <p:spPr>
+            <a:xfrm rot="15236613" flipH="1" flipV="1">
+              <a:off x="5115178" y="5118146"/>
+              <a:ext cx="247653" cy="212198"/>
+            </a:xfrm>
+            <a:prstGeom prst="line">
+              <a:avLst/>
+            </a:prstGeom>
+            <a:ln w="38100">
+              <a:headEnd type="stealth" w="lg" len="lg"/>
+            </a:ln>
+          </p:spPr>
+          <p:style>
+            <a:lnRef idx="1">
+              <a:schemeClr val="accent1"/>
+            </a:lnRef>
+            <a:fillRef idx="0">
+              <a:schemeClr val="accent1"/>
+            </a:fillRef>
+            <a:effectRef idx="0">
+              <a:schemeClr val="accent1"/>
+            </a:effectRef>
+            <a:fontRef idx="minor">
+              <a:schemeClr val="tx1"/>
+            </a:fontRef>
+          </p:style>
+        </p:cxnSp>
+      </p:grpSp>
+      <p:sp>
+        <p:nvSpPr>
+          <p:cNvPr id="143" name="TextBox 142"/>
+          <p:cNvSpPr txBox="1"/>
+          <p:nvPr/>
+        </p:nvSpPr>
+        <p:spPr>
+          <a:xfrm rot="2978533">
+            <a:off x="10501889" y="4479093"/>
+            <a:ext cx="798617" cy="430887"/>
+          </a:xfrm>
+          <a:prstGeom prst="rect">
+            <a:avLst/>
+          </a:prstGeom>
+          <a:noFill/>
+        </p:spPr>
+        <p:txBody>
+          <a:bodyPr wrap="none" rtlCol="0">
+            <a:spAutoFit/>
+          </a:bodyPr>
+          <a:lstStyle/>
+          <a:p>
+            <a:r>
+              <a:rPr lang="ko-KR" altLang="en-US" sz="1100" dirty="0" smtClean="0"/>
+              <a:t>권한 확인</a:t>
+            </a:r>
+            <a:endParaRPr lang="en-US" altLang="ko-KR" sz="1100" dirty="0" smtClean="0"/>
+          </a:p>
+          <a:p>
+            <a:r>
+              <a:rPr lang="ko-KR" altLang="en-US" sz="1100" dirty="0" smtClean="0"/>
+              <a:t> 정보</a:t>
             </a:r>
             <a:endParaRPr lang="ko-KR" altLang="en-US" sz="1600" dirty="0"/>
           </a:p>

--- a/SDD 관련 자료/작업 결과물/처리 모형도/강의평가 질문 조회.pptx
+++ b/SDD 관련 자료/작업 결과물/처리 모형도/강의평가 질문 조회.pptx
@@ -6422,7 +6422,31 @@
                   <a:sysClr val="windowText" lastClr="000000"/>
                 </a:solidFill>
               </a:rPr>
-              <a:t>권한 체크 결과 출력</a:t>
+              <a:t>권한 </a:t>
+            </a:r>
+            <a:r>
+              <a:rPr lang="ko-KR" altLang="en-US" sz="1100" dirty="0" smtClean="0">
+                <a:solidFill>
+                  <a:sysClr val="windowText" lastClr="000000"/>
+                </a:solidFill>
+              </a:rPr>
+              <a:t>확인</a:t>
+            </a:r>
+            <a:r>
+              <a:rPr lang="ko-KR" altLang="en-US" sz="1100" dirty="0" smtClean="0">
+                <a:solidFill>
+                  <a:sysClr val="windowText" lastClr="000000"/>
+                </a:solidFill>
+              </a:rPr>
+              <a:t> </a:t>
+            </a:r>
+            <a:r>
+              <a:rPr lang="ko-KR" altLang="en-US" sz="1100" dirty="0" smtClean="0">
+                <a:solidFill>
+                  <a:sysClr val="windowText" lastClr="000000"/>
+                </a:solidFill>
+              </a:rPr>
+              <a:t>결과 출력</a:t>
             </a:r>
             <a:endParaRPr lang="ko-KR" altLang="en-US" sz="1100" dirty="0">
               <a:solidFill>

--- a/SDD 관련 자료/작업 결과물/처리 모형도/강의평가 질문 조회.pptx
+++ b/SDD 관련 자료/작업 결과물/처리 모형도/강의평가 질문 조회.pptx
@@ -6422,15 +6422,15 @@
                   <a:sysClr val="windowText" lastClr="000000"/>
                 </a:solidFill>
               </a:rPr>
-              <a:t>권한 </a:t>
-            </a:r>
-            <a:r>
-              <a:rPr lang="ko-KR" altLang="en-US" sz="1100" dirty="0" smtClean="0">
+              <a:t>강의 평가 질문 </a:t>
+            </a:r>
+            <a:r>
+              <a:rPr lang="ko-KR" altLang="en-US" sz="1100" dirty="0" err="1" smtClean="0">
                 <a:solidFill>
                   <a:sysClr val="windowText" lastClr="000000"/>
                 </a:solidFill>
               </a:rPr>
-              <a:t>확인</a:t>
+              <a:t>조회권한</a:t>
             </a:r>
             <a:r>
               <a:rPr lang="ko-KR" altLang="en-US" sz="1100" dirty="0" smtClean="0">
@@ -6446,7 +6446,23 @@
                   <a:sysClr val="windowText" lastClr="000000"/>
                 </a:solidFill>
               </a:rPr>
-              <a:t>결과 출력</a:t>
+              <a:t>확인 </a:t>
+            </a:r>
+            <a:r>
+              <a:rPr lang="ko-KR" altLang="en-US" sz="1100" dirty="0" smtClean="0">
+                <a:solidFill>
+                  <a:sysClr val="windowText" lastClr="000000"/>
+                </a:solidFill>
+              </a:rPr>
+              <a:t>오류 정보 </a:t>
+            </a:r>
+            <a:r>
+              <a:rPr lang="ko-KR" altLang="en-US" sz="1100" dirty="0" smtClean="0">
+                <a:solidFill>
+                  <a:sysClr val="windowText" lastClr="000000"/>
+                </a:solidFill>
+              </a:rPr>
+              <a:t>출력</a:t>
             </a:r>
             <a:endParaRPr lang="ko-KR" altLang="en-US" sz="1100" dirty="0">
               <a:solidFill>

--- a/SDD 관련 자료/작업 결과물/처리 모형도/강의평가 질문 조회.pptx
+++ b/SDD 관련 자료/작업 결과물/처리 모형도/강의평가 질문 조회.pptx
@@ -5553,7 +5553,7 @@
           <p:nvPr/>
         </p:nvGrpSpPr>
         <p:grpSpPr>
-          <a:xfrm rot="2589150">
+          <a:xfrm rot="2923195">
             <a:off x="5520145" y="1128217"/>
             <a:ext cx="465295" cy="429840"/>
             <a:chOff x="5764817" y="2081712"/>
@@ -6438,31 +6438,7 @@
                   <a:sysClr val="windowText" lastClr="000000"/>
                 </a:solidFill>
               </a:rPr>
-              <a:t> </a:t>
-            </a:r>
-            <a:r>
-              <a:rPr lang="ko-KR" altLang="en-US" sz="1100" dirty="0" smtClean="0">
-                <a:solidFill>
-                  <a:sysClr val="windowText" lastClr="000000"/>
-                </a:solidFill>
-              </a:rPr>
-              <a:t>확인 </a:t>
-            </a:r>
-            <a:r>
-              <a:rPr lang="ko-KR" altLang="en-US" sz="1100" dirty="0" smtClean="0">
-                <a:solidFill>
-                  <a:sysClr val="windowText" lastClr="000000"/>
-                </a:solidFill>
-              </a:rPr>
-              <a:t>오류 정보 </a:t>
-            </a:r>
-            <a:r>
-              <a:rPr lang="ko-KR" altLang="en-US" sz="1100" dirty="0" smtClean="0">
-                <a:solidFill>
-                  <a:sysClr val="windowText" lastClr="000000"/>
-                </a:solidFill>
-              </a:rPr>
-              <a:t>출력</a:t>
+              <a:t> 확인 오류 정보 출력</a:t>
             </a:r>
             <a:endParaRPr lang="ko-KR" altLang="en-US" sz="1100" dirty="0">
               <a:solidFill>
@@ -6773,6 +6749,147 @@
             <a:r>
               <a:rPr lang="ko-KR" altLang="en-US" sz="1100" dirty="0" smtClean="0"/>
               <a:t> 정보</a:t>
+            </a:r>
+            <a:endParaRPr lang="ko-KR" altLang="en-US" sz="1600" dirty="0"/>
+          </a:p>
+        </p:txBody>
+      </p:sp>
+      <p:grpSp>
+        <p:nvGrpSpPr>
+          <p:cNvPr id="144" name="그룹 143"/>
+          <p:cNvGrpSpPr/>
+          <p:nvPr/>
+        </p:nvGrpSpPr>
+        <p:grpSpPr>
+          <a:xfrm rot="14510228">
+            <a:off x="4873309" y="2226542"/>
+            <a:ext cx="465295" cy="429840"/>
+            <a:chOff x="5764817" y="2081712"/>
+            <a:chExt cx="465295" cy="429840"/>
+          </a:xfrm>
+        </p:grpSpPr>
+        <p:sp>
+          <p:nvSpPr>
+            <p:cNvPr id="145" name="타원 144"/>
+            <p:cNvSpPr/>
+            <p:nvPr/>
+          </p:nvSpPr>
+          <p:spPr>
+            <a:xfrm>
+              <a:off x="5764817" y="2081712"/>
+              <a:ext cx="254984" cy="254984"/>
+            </a:xfrm>
+            <a:prstGeom prst="ellipse">
+              <a:avLst/>
+            </a:prstGeom>
+            <a:noFill/>
+            <a:ln w="38100">
+              <a:solidFill>
+                <a:schemeClr val="accent1"/>
+              </a:solidFill>
+            </a:ln>
+          </p:spPr>
+          <p:style>
+            <a:lnRef idx="2">
+              <a:schemeClr val="accent1">
+                <a:shade val="50000"/>
+              </a:schemeClr>
+            </a:lnRef>
+            <a:fillRef idx="1">
+              <a:schemeClr val="accent1"/>
+            </a:fillRef>
+            <a:effectRef idx="0">
+              <a:schemeClr val="accent1"/>
+            </a:effectRef>
+            <a:fontRef idx="minor">
+              <a:schemeClr val="lt1"/>
+            </a:fontRef>
+          </p:style>
+          <p:txBody>
+            <a:bodyPr rtlCol="0" anchor="ctr"/>
+            <a:lstStyle/>
+            <a:p>
+              <a:pPr algn="ctr"/>
+              <a:endParaRPr lang="ko-KR" altLang="en-US"/>
+            </a:p>
+          </p:txBody>
+        </p:sp>
+        <p:cxnSp>
+          <p:nvCxnSpPr>
+            <p:cNvPr id="146" name="직선 연결선 145"/>
+            <p:cNvCxnSpPr>
+              <a:endCxn id="145" idx="5"/>
+            </p:cNvCxnSpPr>
+            <p:nvPr/>
+          </p:nvCxnSpPr>
+          <p:spPr>
+            <a:xfrm flipH="1" flipV="1">
+              <a:off x="5982459" y="2299354"/>
+              <a:ext cx="247653" cy="212198"/>
+            </a:xfrm>
+            <a:prstGeom prst="line">
+              <a:avLst/>
+            </a:prstGeom>
+            <a:ln w="38100">
+              <a:headEnd type="stealth" w="lg" len="lg"/>
+            </a:ln>
+          </p:spPr>
+          <p:style>
+            <a:lnRef idx="1">
+              <a:schemeClr val="accent1"/>
+            </a:lnRef>
+            <a:fillRef idx="0">
+              <a:schemeClr val="accent1"/>
+            </a:fillRef>
+            <a:effectRef idx="0">
+              <a:schemeClr val="accent1"/>
+            </a:effectRef>
+            <a:fontRef idx="minor">
+              <a:schemeClr val="tx1"/>
+            </a:fontRef>
+          </p:style>
+        </p:cxnSp>
+      </p:grpSp>
+      <p:sp>
+        <p:nvSpPr>
+          <p:cNvPr id="147" name="TextBox 146"/>
+          <p:cNvSpPr txBox="1"/>
+          <p:nvPr/>
+        </p:nvSpPr>
+        <p:spPr>
+          <a:xfrm rot="17697941">
+            <a:off x="4273344" y="2074393"/>
+            <a:ext cx="1080745" cy="430887"/>
+          </a:xfrm>
+          <a:prstGeom prst="rect">
+            <a:avLst/>
+          </a:prstGeom>
+          <a:noFill/>
+        </p:spPr>
+        <p:txBody>
+          <a:bodyPr wrap="none" rtlCol="0">
+            <a:spAutoFit/>
+          </a:bodyPr>
+          <a:lstStyle/>
+          <a:p>
+            <a:r>
+              <a:rPr lang="ko-KR" altLang="en-US" sz="1100" dirty="0"/>
+              <a:t>강의평가 </a:t>
+            </a:r>
+            <a:r>
+              <a:rPr lang="ko-KR" altLang="en-US" sz="1100" dirty="0" smtClean="0"/>
+              <a:t>질문</a:t>
+            </a:r>
+            <a:endParaRPr lang="en-US" altLang="ko-KR" sz="1100" dirty="0" smtClean="0"/>
+          </a:p>
+          <a:p>
+            <a:r>
+              <a:rPr lang="ko-KR" altLang="en-US" sz="1100" dirty="0" smtClean="0"/>
+              <a:t>리스트 </a:t>
+            </a:r>
+            <a:r>
+              <a:rPr lang="ko-KR" altLang="en-US" sz="1100" dirty="0"/>
+              <a:t>정보</a:t>
             </a:r>
             <a:endParaRPr lang="ko-KR" altLang="en-US" sz="1600" dirty="0"/>
           </a:p>

--- a/SDD 관련 자료/작업 결과물/처리 모형도/강의평가 질문 조회.pptx
+++ b/SDD 관련 자료/작업 결과물/처리 모형도/강의평가 질문 조회.pptx
@@ -3257,7 +3257,7 @@
                   <a:sysClr val="windowText" lastClr="000000"/>
                 </a:solidFill>
               </a:rPr>
-              <a:t>질문 조회 화면</a:t>
+              <a:t>질문 조회 </a:t>
             </a:r>
             <a:endParaRPr lang="ko-KR" altLang="en-US" sz="1100" dirty="0">
               <a:solidFill>
@@ -4887,7 +4887,11 @@
           <a:p>
             <a:r>
               <a:rPr lang="ko-KR" altLang="en-US" sz="1100" dirty="0" smtClean="0"/>
-              <a:t> 정보</a:t>
+              <a:t> </a:t>
+            </a:r>
+            <a:r>
+              <a:rPr lang="ko-KR" altLang="en-US" sz="1100" dirty="0" smtClean="0"/>
+              <a:t>여부</a:t>
             </a:r>
             <a:endParaRPr lang="ko-KR" altLang="en-US" sz="1600" dirty="0"/>
           </a:p>
@@ -5274,7 +5278,11 @@
           <a:p>
             <a:r>
               <a:rPr lang="ko-KR" altLang="en-US" sz="1100" dirty="0" smtClean="0"/>
-              <a:t> 정보</a:t>
+              <a:t> </a:t>
+            </a:r>
+            <a:r>
+              <a:rPr lang="ko-KR" altLang="en-US" sz="1100" dirty="0" smtClean="0"/>
+              <a:t>여부</a:t>
             </a:r>
             <a:endParaRPr lang="ko-KR" altLang="en-US" sz="1600" dirty="0"/>
           </a:p>
@@ -5288,7 +5296,7 @@
         </p:nvGrpSpPr>
         <p:grpSpPr>
           <a:xfrm rot="13613945">
-            <a:off x="5977721" y="1040954"/>
+            <a:off x="6005014" y="1564125"/>
             <a:ext cx="465295" cy="429840"/>
             <a:chOff x="5764817" y="2081712"/>
             <a:chExt cx="465295" cy="429840"/>
@@ -5384,7 +5392,7 @@
         </p:nvSpPr>
         <p:spPr>
           <a:xfrm rot="5400000">
-            <a:off x="5912089" y="1056099"/>
+            <a:off x="5939382" y="1579270"/>
             <a:ext cx="1221809" cy="430887"/>
           </a:xfrm>
           <a:prstGeom prst="rect">
@@ -5421,7 +5429,7 @@
         </p:nvGrpSpPr>
         <p:grpSpPr>
           <a:xfrm rot="2777623">
-            <a:off x="6033714" y="1751986"/>
+            <a:off x="6061007" y="2275157"/>
             <a:ext cx="465295" cy="429840"/>
             <a:chOff x="5764817" y="2081712"/>
             <a:chExt cx="465295" cy="429840"/>
@@ -5517,7 +5525,7 @@
         </p:nvSpPr>
         <p:spPr>
           <a:xfrm rot="5400000">
-            <a:off x="5977479" y="2117216"/>
+            <a:off x="6004772" y="2640387"/>
             <a:ext cx="1221809" cy="430887"/>
           </a:xfrm>
           <a:prstGeom prst="rect">
@@ -5541,147 +5549,6 @@
             <a:r>
               <a:rPr lang="ko-KR" altLang="en-US" sz="1100" dirty="0"/>
               <a:t>질문 결과 정보</a:t>
-            </a:r>
-            <a:endParaRPr lang="ko-KR" altLang="en-US" sz="1600" dirty="0"/>
-          </a:p>
-        </p:txBody>
-      </p:sp>
-      <p:grpSp>
-        <p:nvGrpSpPr>
-          <p:cNvPr id="110" name="그룹 109"/>
-          <p:cNvGrpSpPr/>
-          <p:nvPr/>
-        </p:nvGrpSpPr>
-        <p:grpSpPr>
-          <a:xfrm rot="2923195">
-            <a:off x="5520145" y="1128217"/>
-            <a:ext cx="465295" cy="429840"/>
-            <a:chOff x="5764817" y="2081712"/>
-            <a:chExt cx="465295" cy="429840"/>
-          </a:xfrm>
-        </p:grpSpPr>
-        <p:sp>
-          <p:nvSpPr>
-            <p:cNvPr id="111" name="타원 110"/>
-            <p:cNvSpPr/>
-            <p:nvPr/>
-          </p:nvSpPr>
-          <p:spPr>
-            <a:xfrm>
-              <a:off x="5764817" y="2081712"/>
-              <a:ext cx="254984" cy="254984"/>
-            </a:xfrm>
-            <a:prstGeom prst="ellipse">
-              <a:avLst/>
-            </a:prstGeom>
-            <a:noFill/>
-            <a:ln w="38100">
-              <a:solidFill>
-                <a:schemeClr val="accent1"/>
-              </a:solidFill>
-            </a:ln>
-          </p:spPr>
-          <p:style>
-            <a:lnRef idx="2">
-              <a:schemeClr val="accent1">
-                <a:shade val="50000"/>
-              </a:schemeClr>
-            </a:lnRef>
-            <a:fillRef idx="1">
-              <a:schemeClr val="accent1"/>
-            </a:fillRef>
-            <a:effectRef idx="0">
-              <a:schemeClr val="accent1"/>
-            </a:effectRef>
-            <a:fontRef idx="minor">
-              <a:schemeClr val="lt1"/>
-            </a:fontRef>
-          </p:style>
-          <p:txBody>
-            <a:bodyPr rtlCol="0" anchor="ctr"/>
-            <a:lstStyle/>
-            <a:p>
-              <a:pPr algn="ctr"/>
-              <a:endParaRPr lang="ko-KR" altLang="en-US"/>
-            </a:p>
-          </p:txBody>
-        </p:sp>
-        <p:cxnSp>
-          <p:nvCxnSpPr>
-            <p:cNvPr id="112" name="직선 연결선 111"/>
-            <p:cNvCxnSpPr>
-              <a:endCxn id="111" idx="5"/>
-            </p:cNvCxnSpPr>
-            <p:nvPr/>
-          </p:nvCxnSpPr>
-          <p:spPr>
-            <a:xfrm flipH="1" flipV="1">
-              <a:off x="5982459" y="2299354"/>
-              <a:ext cx="247653" cy="212198"/>
-            </a:xfrm>
-            <a:prstGeom prst="line">
-              <a:avLst/>
-            </a:prstGeom>
-            <a:ln w="38100">
-              <a:headEnd type="stealth" w="lg" len="lg"/>
-            </a:ln>
-          </p:spPr>
-          <p:style>
-            <a:lnRef idx="1">
-              <a:schemeClr val="accent1"/>
-            </a:lnRef>
-            <a:fillRef idx="0">
-              <a:schemeClr val="accent1"/>
-            </a:fillRef>
-            <a:effectRef idx="0">
-              <a:schemeClr val="accent1"/>
-            </a:effectRef>
-            <a:fontRef idx="minor">
-              <a:schemeClr val="tx1"/>
-            </a:fontRef>
-          </p:style>
-        </p:cxnSp>
-      </p:grpSp>
-      <p:sp>
-        <p:nvSpPr>
-          <p:cNvPr id="113" name="TextBox 112"/>
-          <p:cNvSpPr txBox="1"/>
-          <p:nvPr/>
-        </p:nvSpPr>
-        <p:spPr>
-          <a:xfrm rot="16200000">
-            <a:off x="4906199" y="1235275"/>
-            <a:ext cx="1080745" cy="430887"/>
-          </a:xfrm>
-          <a:prstGeom prst="rect">
-            <a:avLst/>
-          </a:prstGeom>
-          <a:noFill/>
-        </p:spPr>
-        <p:txBody>
-          <a:bodyPr wrap="none" rtlCol="0">
-            <a:spAutoFit/>
-          </a:bodyPr>
-          <a:lstStyle/>
-          <a:p>
-            <a:r>
-              <a:rPr lang="ko-KR" altLang="en-US" sz="1100" dirty="0"/>
-              <a:t>강의평가 </a:t>
-            </a:r>
-            <a:r>
-              <a:rPr lang="ko-KR" altLang="en-US" sz="1100" dirty="0" smtClean="0"/>
-              <a:t>질문</a:t>
-            </a:r>
-            <a:endParaRPr lang="en-US" altLang="ko-KR" sz="1100" dirty="0" smtClean="0"/>
-          </a:p>
-          <a:p>
-            <a:r>
-              <a:rPr lang="ko-KR" altLang="en-US" sz="1100" dirty="0" smtClean="0"/>
-              <a:t>리스트 </a:t>
-            </a:r>
-            <a:r>
-              <a:rPr lang="ko-KR" altLang="en-US" sz="1100" dirty="0"/>
-              <a:t>정보</a:t>
             </a:r>
             <a:endParaRPr lang="ko-KR" altLang="en-US" sz="1600" dirty="0"/>
           </a:p>
@@ -5829,8 +5696,8 @@
           <p:nvPr/>
         </p:nvGrpSpPr>
         <p:grpSpPr>
-          <a:xfrm rot="19912876">
-            <a:off x="6434506" y="2972893"/>
+          <a:xfrm rot="20096358">
+            <a:off x="5624805" y="1143995"/>
             <a:ext cx="363003" cy="511228"/>
             <a:chOff x="4982101" y="5100418"/>
             <a:chExt cx="363003" cy="511228"/>
@@ -5928,7 +5795,7 @@
         </p:nvSpPr>
         <p:spPr>
           <a:xfrm rot="16200000">
-            <a:off x="5692122" y="2809263"/>
+            <a:off x="4907772" y="1138619"/>
             <a:ext cx="1130438" cy="430887"/>
           </a:xfrm>
           <a:prstGeom prst="rect">
@@ -6577,7 +6444,11 @@
           <a:p>
             <a:r>
               <a:rPr lang="ko-KR" altLang="en-US" sz="1100" dirty="0" smtClean="0"/>
-              <a:t> 정보</a:t>
+              <a:t> </a:t>
+            </a:r>
+            <a:r>
+              <a:rPr lang="ko-KR" altLang="en-US" sz="1100" dirty="0" smtClean="0"/>
+              <a:t>여부</a:t>
             </a:r>
             <a:endParaRPr lang="ko-KR" altLang="en-US" sz="1600" dirty="0"/>
           </a:p>
@@ -6748,148 +6619,11 @@
           <a:p>
             <a:r>
               <a:rPr lang="ko-KR" altLang="en-US" sz="1100" dirty="0" smtClean="0"/>
-              <a:t> 정보</a:t>
-            </a:r>
-            <a:endParaRPr lang="ko-KR" altLang="en-US" sz="1600" dirty="0"/>
-          </a:p>
-        </p:txBody>
-      </p:sp>
-      <p:grpSp>
-        <p:nvGrpSpPr>
-          <p:cNvPr id="144" name="그룹 143"/>
-          <p:cNvGrpSpPr/>
-          <p:nvPr/>
-        </p:nvGrpSpPr>
-        <p:grpSpPr>
-          <a:xfrm rot="14510228">
-            <a:off x="4873309" y="2226542"/>
-            <a:ext cx="465295" cy="429840"/>
-            <a:chOff x="5764817" y="2081712"/>
-            <a:chExt cx="465295" cy="429840"/>
-          </a:xfrm>
-        </p:grpSpPr>
-        <p:sp>
-          <p:nvSpPr>
-            <p:cNvPr id="145" name="타원 144"/>
-            <p:cNvSpPr/>
-            <p:nvPr/>
-          </p:nvSpPr>
-          <p:spPr>
-            <a:xfrm>
-              <a:off x="5764817" y="2081712"/>
-              <a:ext cx="254984" cy="254984"/>
-            </a:xfrm>
-            <a:prstGeom prst="ellipse">
-              <a:avLst/>
-            </a:prstGeom>
-            <a:noFill/>
-            <a:ln w="38100">
-              <a:solidFill>
-                <a:schemeClr val="accent1"/>
-              </a:solidFill>
-            </a:ln>
-          </p:spPr>
-          <p:style>
-            <a:lnRef idx="2">
-              <a:schemeClr val="accent1">
-                <a:shade val="50000"/>
-              </a:schemeClr>
-            </a:lnRef>
-            <a:fillRef idx="1">
-              <a:schemeClr val="accent1"/>
-            </a:fillRef>
-            <a:effectRef idx="0">
-              <a:schemeClr val="accent1"/>
-            </a:effectRef>
-            <a:fontRef idx="minor">
-              <a:schemeClr val="lt1"/>
-            </a:fontRef>
-          </p:style>
-          <p:txBody>
-            <a:bodyPr rtlCol="0" anchor="ctr"/>
-            <a:lstStyle/>
-            <a:p>
-              <a:pPr algn="ctr"/>
-              <a:endParaRPr lang="ko-KR" altLang="en-US"/>
-            </a:p>
-          </p:txBody>
-        </p:sp>
-        <p:cxnSp>
-          <p:nvCxnSpPr>
-            <p:cNvPr id="146" name="직선 연결선 145"/>
-            <p:cNvCxnSpPr>
-              <a:endCxn id="145" idx="5"/>
-            </p:cNvCxnSpPr>
-            <p:nvPr/>
-          </p:nvCxnSpPr>
-          <p:spPr>
-            <a:xfrm flipH="1" flipV="1">
-              <a:off x="5982459" y="2299354"/>
-              <a:ext cx="247653" cy="212198"/>
-            </a:xfrm>
-            <a:prstGeom prst="line">
-              <a:avLst/>
-            </a:prstGeom>
-            <a:ln w="38100">
-              <a:headEnd type="stealth" w="lg" len="lg"/>
-            </a:ln>
-          </p:spPr>
-          <p:style>
-            <a:lnRef idx="1">
-              <a:schemeClr val="accent1"/>
-            </a:lnRef>
-            <a:fillRef idx="0">
-              <a:schemeClr val="accent1"/>
-            </a:fillRef>
-            <a:effectRef idx="0">
-              <a:schemeClr val="accent1"/>
-            </a:effectRef>
-            <a:fontRef idx="minor">
-              <a:schemeClr val="tx1"/>
-            </a:fontRef>
-          </p:style>
-        </p:cxnSp>
-      </p:grpSp>
-      <p:sp>
-        <p:nvSpPr>
-          <p:cNvPr id="147" name="TextBox 146"/>
-          <p:cNvSpPr txBox="1"/>
-          <p:nvPr/>
-        </p:nvSpPr>
-        <p:spPr>
-          <a:xfrm rot="17697941">
-            <a:off x="4273344" y="2074393"/>
-            <a:ext cx="1080745" cy="430887"/>
-          </a:xfrm>
-          <a:prstGeom prst="rect">
-            <a:avLst/>
-          </a:prstGeom>
-          <a:noFill/>
-        </p:spPr>
-        <p:txBody>
-          <a:bodyPr wrap="none" rtlCol="0">
-            <a:spAutoFit/>
-          </a:bodyPr>
-          <a:lstStyle/>
-          <a:p>
-            <a:r>
-              <a:rPr lang="ko-KR" altLang="en-US" sz="1100" dirty="0"/>
-              <a:t>강의평가 </a:t>
+              <a:t> </a:t>
             </a:r>
             <a:r>
               <a:rPr lang="ko-KR" altLang="en-US" sz="1100" dirty="0" smtClean="0"/>
-              <a:t>질문</a:t>
-            </a:r>
-            <a:endParaRPr lang="en-US" altLang="ko-KR" sz="1100" dirty="0" smtClean="0"/>
-          </a:p>
-          <a:p>
-            <a:r>
-              <a:rPr lang="ko-KR" altLang="en-US" sz="1100" dirty="0" smtClean="0"/>
-              <a:t>리스트 </a:t>
-            </a:r>
-            <a:r>
-              <a:rPr lang="ko-KR" altLang="en-US" sz="1100" dirty="0"/>
-              <a:t>정보</a:t>
+              <a:t>여부</a:t>
             </a:r>
             <a:endParaRPr lang="ko-KR" altLang="en-US" sz="1600" dirty="0"/>
           </a:p>
